--- a/CDB20DW043-Python-Day1.pptx
+++ b/CDB20DW043-Python-Day1.pptx
@@ -2,7 +2,7 @@
 <file path=ppt/presentation.xml><?xml version="1.0" encoding="utf-8"?>
 <p:presentation xmlns:a="http://schemas.openxmlformats.org/drawingml/2006/main" xmlns:r="http://schemas.openxmlformats.org/officeDocument/2006/relationships" xmlns:p="http://schemas.openxmlformats.org/presentationml/2006/main" saveSubsetFonts="1">
   <p:sldMasterIdLst>
-    <p:sldMasterId id="2147483648" r:id="rId1"/>
+    <p:sldMasterId id="2147483660" r:id="rId1"/>
   </p:sldMasterIdLst>
   <p:sldIdLst>
     <p:sldId id="256" r:id="rId2"/>
@@ -30,6 +30,8 @@
     <p:sldId id="278" r:id="rId24"/>
     <p:sldId id="279" r:id="rId25"/>
     <p:sldId id="280" r:id="rId26"/>
+    <p:sldId id="281" r:id="rId27"/>
+    <p:sldId id="282" r:id="rId28"/>
   </p:sldIdLst>
   <p:sldSz cx="12192000" cy="6858000"/>
   <p:notesSz cx="6858000" cy="9144000"/>
@@ -37,7 +39,7 @@
     <a:defPPr>
       <a:defRPr lang="en-US"/>
     </a:defPPr>
-    <a:lvl1pPr marL="0" algn="l" defTabSz="914400" rtl="0" eaLnBrk="1" latinLnBrk="0" hangingPunct="1">
+    <a:lvl1pPr marL="0" algn="l" defTabSz="457200" rtl="0" eaLnBrk="1" latinLnBrk="0" hangingPunct="1">
       <a:defRPr sz="1800" kern="1200">
         <a:solidFill>
           <a:schemeClr val="tx1"/>
@@ -47,7 +49,7 @@
         <a:cs typeface="+mn-cs"/>
       </a:defRPr>
     </a:lvl1pPr>
-    <a:lvl2pPr marL="457200" algn="l" defTabSz="914400" rtl="0" eaLnBrk="1" latinLnBrk="0" hangingPunct="1">
+    <a:lvl2pPr marL="457200" algn="l" defTabSz="457200" rtl="0" eaLnBrk="1" latinLnBrk="0" hangingPunct="1">
       <a:defRPr sz="1800" kern="1200">
         <a:solidFill>
           <a:schemeClr val="tx1"/>
@@ -57,7 +59,7 @@
         <a:cs typeface="+mn-cs"/>
       </a:defRPr>
     </a:lvl2pPr>
-    <a:lvl3pPr marL="914400" algn="l" defTabSz="914400" rtl="0" eaLnBrk="1" latinLnBrk="0" hangingPunct="1">
+    <a:lvl3pPr marL="914400" algn="l" defTabSz="457200" rtl="0" eaLnBrk="1" latinLnBrk="0" hangingPunct="1">
       <a:defRPr sz="1800" kern="1200">
         <a:solidFill>
           <a:schemeClr val="tx1"/>
@@ -67,7 +69,7 @@
         <a:cs typeface="+mn-cs"/>
       </a:defRPr>
     </a:lvl3pPr>
-    <a:lvl4pPr marL="1371600" algn="l" defTabSz="914400" rtl="0" eaLnBrk="1" latinLnBrk="0" hangingPunct="1">
+    <a:lvl4pPr marL="1371600" algn="l" defTabSz="457200" rtl="0" eaLnBrk="1" latinLnBrk="0" hangingPunct="1">
       <a:defRPr sz="1800" kern="1200">
         <a:solidFill>
           <a:schemeClr val="tx1"/>
@@ -77,7 +79,7 @@
         <a:cs typeface="+mn-cs"/>
       </a:defRPr>
     </a:lvl4pPr>
-    <a:lvl5pPr marL="1828800" algn="l" defTabSz="914400" rtl="0" eaLnBrk="1" latinLnBrk="0" hangingPunct="1">
+    <a:lvl5pPr marL="1828800" algn="l" defTabSz="457200" rtl="0" eaLnBrk="1" latinLnBrk="0" hangingPunct="1">
       <a:defRPr sz="1800" kern="1200">
         <a:solidFill>
           <a:schemeClr val="tx1"/>
@@ -87,7 +89,7 @@
         <a:cs typeface="+mn-cs"/>
       </a:defRPr>
     </a:lvl5pPr>
-    <a:lvl6pPr marL="2286000" algn="l" defTabSz="914400" rtl="0" eaLnBrk="1" latinLnBrk="0" hangingPunct="1">
+    <a:lvl6pPr marL="2286000" algn="l" defTabSz="457200" rtl="0" eaLnBrk="1" latinLnBrk="0" hangingPunct="1">
       <a:defRPr sz="1800" kern="1200">
         <a:solidFill>
           <a:schemeClr val="tx1"/>
@@ -97,7 +99,7 @@
         <a:cs typeface="+mn-cs"/>
       </a:defRPr>
     </a:lvl6pPr>
-    <a:lvl7pPr marL="2743200" algn="l" defTabSz="914400" rtl="0" eaLnBrk="1" latinLnBrk="0" hangingPunct="1">
+    <a:lvl7pPr marL="2743200" algn="l" defTabSz="457200" rtl="0" eaLnBrk="1" latinLnBrk="0" hangingPunct="1">
       <a:defRPr sz="1800" kern="1200">
         <a:solidFill>
           <a:schemeClr val="tx1"/>
@@ -107,7 +109,7 @@
         <a:cs typeface="+mn-cs"/>
       </a:defRPr>
     </a:lvl7pPr>
-    <a:lvl8pPr marL="3200400" algn="l" defTabSz="914400" rtl="0" eaLnBrk="1" latinLnBrk="0" hangingPunct="1">
+    <a:lvl8pPr marL="3200400" algn="l" defTabSz="457200" rtl="0" eaLnBrk="1" latinLnBrk="0" hangingPunct="1">
       <a:defRPr sz="1800" kern="1200">
         <a:solidFill>
           <a:schemeClr val="tx1"/>
@@ -117,7 +119,7 @@
         <a:cs typeface="+mn-cs"/>
       </a:defRPr>
     </a:lvl8pPr>
-    <a:lvl9pPr marL="3657600" algn="l" defTabSz="914400" rtl="0" eaLnBrk="1" latinLnBrk="0" hangingPunct="1">
+    <a:lvl9pPr marL="3657600" algn="l" defTabSz="457200" rtl="0" eaLnBrk="1" latinLnBrk="0" hangingPunct="1">
       <a:defRPr sz="1800" kern="1200">
         <a:solidFill>
           <a:schemeClr val="tx1"/>
@@ -155,13 +157,7 @@
       </p:grpSpPr>
       <p:sp>
         <p:nvSpPr>
-          <p:cNvPr id="2" name="Title 1">
-            <a:extLst>
-              <a:ext uri="{FF2B5EF4-FFF2-40B4-BE49-F238E27FC236}">
-                <a16:creationId xmlns:a16="http://schemas.microsoft.com/office/drawing/2014/main" id="{4E7C0A98-D4AC-4CBA-A6AA-5BF69C6EFEC6}"/>
-              </a:ext>
-            </a:extLst>
-          </p:cNvPr>
+          <p:cNvPr id="2" name="Title 1"/>
           <p:cNvSpPr>
             <a:spLocks noGrp="1"/>
           </p:cNvSpPr>
@@ -171,15 +167,15 @@
         </p:nvSpPr>
         <p:spPr>
           <a:xfrm>
-            <a:off x="1524000" y="1122363"/>
-            <a:ext cx="9144000" cy="2387600"/>
+            <a:off x="1154955" y="1447800"/>
+            <a:ext cx="8825658" cy="3329581"/>
           </a:xfrm>
         </p:spPr>
         <p:txBody>
           <a:bodyPr anchor="b"/>
           <a:lstStyle>
-            <a:lvl1pPr algn="ctr">
-              <a:defRPr sz="6000"/>
+            <a:lvl1pPr>
+              <a:defRPr sz="7200"/>
             </a:lvl1pPr>
           </a:lstStyle>
           <a:p>
@@ -187,19 +183,13 @@
               <a:rPr lang="en-US"/>
               <a:t>Click to edit Master title style</a:t>
             </a:r>
-            <a:endParaRPr lang="en-IN"/>
-          </a:p>
-        </p:txBody>
-      </p:sp>
-      <p:sp>
-        <p:nvSpPr>
-          <p:cNvPr id="3" name="Subtitle 2">
-            <a:extLst>
-              <a:ext uri="{FF2B5EF4-FFF2-40B4-BE49-F238E27FC236}">
-                <a16:creationId xmlns:a16="http://schemas.microsoft.com/office/drawing/2014/main" id="{05D3BB5B-0618-4B9B-8D23-EE2792B84F75}"/>
-              </a:ext>
-            </a:extLst>
-          </p:cNvPr>
+            <a:endParaRPr lang="en-US" dirty="0"/>
+          </a:p>
+        </p:txBody>
+      </p:sp>
+      <p:sp>
+        <p:nvSpPr>
+          <p:cNvPr id="3" name="Subtitle 2"/>
           <p:cNvSpPr>
             <a:spLocks noGrp="1"/>
           </p:cNvSpPr>
@@ -209,48 +199,103 @@
         </p:nvSpPr>
         <p:spPr>
           <a:xfrm>
-            <a:off x="1524000" y="3602038"/>
-            <a:ext cx="9144000" cy="1655762"/>
+            <a:off x="1154955" y="4777380"/>
+            <a:ext cx="8825658" cy="861420"/>
           </a:xfrm>
         </p:spPr>
         <p:txBody>
-          <a:bodyPr/>
+          <a:bodyPr anchor="t"/>
           <a:lstStyle>
-            <a:lvl1pPr marL="0" indent="0" algn="ctr">
-              <a:buNone/>
-              <a:defRPr sz="2400"/>
+            <a:lvl1pPr marL="0" indent="0" algn="l">
+              <a:buNone/>
+              <a:defRPr cap="all">
+                <a:solidFill>
+                  <a:schemeClr val="bg2">
+                    <a:lumMod val="40000"/>
+                    <a:lumOff val="60000"/>
+                  </a:schemeClr>
+                </a:solidFill>
+              </a:defRPr>
             </a:lvl1pPr>
             <a:lvl2pPr marL="457200" indent="0" algn="ctr">
               <a:buNone/>
-              <a:defRPr sz="2000"/>
+              <a:defRPr>
+                <a:solidFill>
+                  <a:schemeClr val="tx1">
+                    <a:tint val="75000"/>
+                  </a:schemeClr>
+                </a:solidFill>
+              </a:defRPr>
             </a:lvl2pPr>
             <a:lvl3pPr marL="914400" indent="0" algn="ctr">
               <a:buNone/>
-              <a:defRPr sz="1800"/>
+              <a:defRPr>
+                <a:solidFill>
+                  <a:schemeClr val="tx1">
+                    <a:tint val="75000"/>
+                  </a:schemeClr>
+                </a:solidFill>
+              </a:defRPr>
             </a:lvl3pPr>
             <a:lvl4pPr marL="1371600" indent="0" algn="ctr">
               <a:buNone/>
-              <a:defRPr sz="1600"/>
+              <a:defRPr>
+                <a:solidFill>
+                  <a:schemeClr val="tx1">
+                    <a:tint val="75000"/>
+                  </a:schemeClr>
+                </a:solidFill>
+              </a:defRPr>
             </a:lvl4pPr>
             <a:lvl5pPr marL="1828800" indent="0" algn="ctr">
               <a:buNone/>
-              <a:defRPr sz="1600"/>
+              <a:defRPr>
+                <a:solidFill>
+                  <a:schemeClr val="tx1">
+                    <a:tint val="75000"/>
+                  </a:schemeClr>
+                </a:solidFill>
+              </a:defRPr>
             </a:lvl5pPr>
             <a:lvl6pPr marL="2286000" indent="0" algn="ctr">
               <a:buNone/>
-              <a:defRPr sz="1600"/>
+              <a:defRPr>
+                <a:solidFill>
+                  <a:schemeClr val="tx1">
+                    <a:tint val="75000"/>
+                  </a:schemeClr>
+                </a:solidFill>
+              </a:defRPr>
             </a:lvl6pPr>
             <a:lvl7pPr marL="2743200" indent="0" algn="ctr">
               <a:buNone/>
-              <a:defRPr sz="1600"/>
+              <a:defRPr>
+                <a:solidFill>
+                  <a:schemeClr val="tx1">
+                    <a:tint val="75000"/>
+                  </a:schemeClr>
+                </a:solidFill>
+              </a:defRPr>
             </a:lvl7pPr>
             <a:lvl8pPr marL="3200400" indent="0" algn="ctr">
               <a:buNone/>
-              <a:defRPr sz="1600"/>
+              <a:defRPr>
+                <a:solidFill>
+                  <a:schemeClr val="tx1">
+                    <a:tint val="75000"/>
+                  </a:schemeClr>
+                </a:solidFill>
+              </a:defRPr>
             </a:lvl8pPr>
             <a:lvl9pPr marL="3657600" indent="0" algn="ctr">
               <a:buNone/>
-              <a:defRPr sz="1600"/>
+              <a:defRPr>
+                <a:solidFill>
+                  <a:schemeClr val="tx1">
+                    <a:tint val="75000"/>
+                  </a:schemeClr>
+                </a:solidFill>
+              </a:defRPr>
             </a:lvl9pPr>
           </a:lstStyle>
           <a:p>
@@ -258,19 +303,13 @@
               <a:rPr lang="en-US"/>
               <a:t>Click to edit Master subtitle style</a:t>
             </a:r>
-            <a:endParaRPr lang="en-IN"/>
-          </a:p>
-        </p:txBody>
-      </p:sp>
-      <p:sp>
-        <p:nvSpPr>
-          <p:cNvPr id="4" name="Date Placeholder 3">
-            <a:extLst>
-              <a:ext uri="{FF2B5EF4-FFF2-40B4-BE49-F238E27FC236}">
-                <a16:creationId xmlns:a16="http://schemas.microsoft.com/office/drawing/2014/main" id="{841223CC-8B01-45FB-A93F-B2166018227C}"/>
-              </a:ext>
-            </a:extLst>
-          </p:cNvPr>
+            <a:endParaRPr lang="en-US" dirty="0"/>
+          </a:p>
+        </p:txBody>
+      </p:sp>
+      <p:sp>
+        <p:nvSpPr>
+          <p:cNvPr id="4" name="Date Placeholder 3"/>
           <p:cNvSpPr>
             <a:spLocks noGrp="1"/>
           </p:cNvSpPr>
@@ -285,7 +324,7 @@
           <a:p>
             <a:fld id="{EAE8375A-8306-412D-BDCB-DB3A416C3ADC}" type="datetimeFigureOut">
               <a:rPr lang="en-IN" smtClean="0"/>
-              <a:t>29-01-2021</a:t>
+              <a:t>01-02-2021</a:t>
             </a:fld>
             <a:endParaRPr lang="en-IN"/>
           </a:p>
@@ -293,13 +332,7 @@
       </p:sp>
       <p:sp>
         <p:nvSpPr>
-          <p:cNvPr id="5" name="Footer Placeholder 4">
-            <a:extLst>
-              <a:ext uri="{FF2B5EF4-FFF2-40B4-BE49-F238E27FC236}">
-                <a16:creationId xmlns:a16="http://schemas.microsoft.com/office/drawing/2014/main" id="{1B200B76-0DE8-4BF9-9C11-AC808FC4E56B}"/>
-              </a:ext>
-            </a:extLst>
-          </p:cNvPr>
+          <p:cNvPr id="5" name="Footer Placeholder 4"/>
           <p:cNvSpPr>
             <a:spLocks noGrp="1"/>
           </p:cNvSpPr>
@@ -318,13 +351,7 @@
       </p:sp>
       <p:sp>
         <p:nvSpPr>
-          <p:cNvPr id="6" name="Slide Number Placeholder 5">
-            <a:extLst>
-              <a:ext uri="{FF2B5EF4-FFF2-40B4-BE49-F238E27FC236}">
-                <a16:creationId xmlns:a16="http://schemas.microsoft.com/office/drawing/2014/main" id="{5D1E432C-572F-4A31-BE5B-F36F948F11FB}"/>
-              </a:ext>
-            </a:extLst>
-          </p:cNvPr>
+          <p:cNvPr id="6" name="Slide Number Placeholder 5"/>
           <p:cNvSpPr>
             <a:spLocks noGrp="1"/>
           </p:cNvSpPr>
@@ -348,7 +375,7 @@
     </p:spTree>
     <p:extLst>
       <p:ext uri="{BB962C8B-B14F-4D97-AF65-F5344CB8AC3E}">
-        <p14:creationId xmlns:p14="http://schemas.microsoft.com/office/powerpoint/2010/main" val="2835988612"/>
+        <p14:creationId xmlns:p14="http://schemas.microsoft.com/office/powerpoint/2010/main" val="2835490807"/>
       </p:ext>
     </p:extLst>
   </p:cSld>
@@ -359,6 +386,2572 @@
 </file>
 
 <file path=ppt/slideLayouts/slideLayout10.xml><?xml version="1.0" encoding="utf-8"?>
+<p:sldLayout xmlns:a="http://schemas.openxmlformats.org/drawingml/2006/main" xmlns:r="http://schemas.openxmlformats.org/officeDocument/2006/relationships" xmlns:p="http://schemas.openxmlformats.org/presentationml/2006/main" preserve="1">
+  <p:cSld name="Panoramic Picture with Caption">
+    <p:spTree>
+      <p:nvGrpSpPr>
+        <p:cNvPr id="1" name=""/>
+        <p:cNvGrpSpPr/>
+        <p:nvPr/>
+      </p:nvGrpSpPr>
+      <p:grpSpPr>
+        <a:xfrm>
+          <a:off x="0" y="0"/>
+          <a:ext cx="0" cy="0"/>
+          <a:chOff x="0" y="0"/>
+          <a:chExt cx="0" cy="0"/>
+        </a:xfrm>
+      </p:grpSpPr>
+      <p:sp>
+        <p:nvSpPr>
+          <p:cNvPr id="2" name="Title 1"/>
+          <p:cNvSpPr>
+            <a:spLocks noGrp="1"/>
+          </p:cNvSpPr>
+          <p:nvPr>
+            <p:ph type="title"/>
+          </p:nvPr>
+        </p:nvSpPr>
+        <p:spPr>
+          <a:xfrm>
+            <a:off x="1154956" y="4800587"/>
+            <a:ext cx="8825657" cy="566738"/>
+          </a:xfrm>
+        </p:spPr>
+        <p:txBody>
+          <a:bodyPr anchor="b">
+            <a:normAutofit/>
+          </a:bodyPr>
+          <a:lstStyle>
+            <a:lvl1pPr algn="l">
+              <a:defRPr sz="2400" b="0"/>
+            </a:lvl1pPr>
+          </a:lstStyle>
+          <a:p>
+            <a:r>
+              <a:rPr lang="en-US"/>
+              <a:t>Click to edit Master title style</a:t>
+            </a:r>
+            <a:endParaRPr lang="en-US" dirty="0"/>
+          </a:p>
+        </p:txBody>
+      </p:sp>
+      <p:sp>
+        <p:nvSpPr>
+          <p:cNvPr id="3" name="Picture Placeholder 2"/>
+          <p:cNvSpPr>
+            <a:spLocks noGrp="1" noChangeAspect="1"/>
+          </p:cNvSpPr>
+          <p:nvPr>
+            <p:ph type="pic" idx="1"/>
+          </p:nvPr>
+        </p:nvSpPr>
+        <p:spPr>
+          <a:xfrm>
+            <a:off x="1154955" y="685800"/>
+            <a:ext cx="8825658" cy="3640666"/>
+          </a:xfrm>
+          <a:prstGeom prst="roundRect">
+            <a:avLst>
+              <a:gd name="adj" fmla="val 1858"/>
+            </a:avLst>
+          </a:prstGeom>
+          <a:effectLst>
+            <a:outerShdw blurRad="50800" dist="50800" dir="5400000" algn="tl" rotWithShape="0">
+              <a:srgbClr val="000000">
+                <a:alpha val="43000"/>
+              </a:srgbClr>
+            </a:outerShdw>
+          </a:effectLst>
+        </p:spPr>
+        <p:txBody>
+          <a:bodyPr anchor="t">
+            <a:normAutofit/>
+          </a:bodyPr>
+          <a:lstStyle>
+            <a:lvl1pPr marL="0" indent="0" algn="ctr">
+              <a:buNone/>
+              <a:defRPr sz="1600"/>
+            </a:lvl1pPr>
+            <a:lvl2pPr marL="457200" indent="0">
+              <a:buNone/>
+              <a:defRPr sz="1600"/>
+            </a:lvl2pPr>
+            <a:lvl3pPr marL="914400" indent="0">
+              <a:buNone/>
+              <a:defRPr sz="1600"/>
+            </a:lvl3pPr>
+            <a:lvl4pPr marL="1371600" indent="0">
+              <a:buNone/>
+              <a:defRPr sz="1600"/>
+            </a:lvl4pPr>
+            <a:lvl5pPr marL="1828800" indent="0">
+              <a:buNone/>
+              <a:defRPr sz="1600"/>
+            </a:lvl5pPr>
+            <a:lvl6pPr marL="2286000" indent="0">
+              <a:buNone/>
+              <a:defRPr sz="1600"/>
+            </a:lvl6pPr>
+            <a:lvl7pPr marL="2743200" indent="0">
+              <a:buNone/>
+              <a:defRPr sz="1600"/>
+            </a:lvl7pPr>
+            <a:lvl8pPr marL="3200400" indent="0">
+              <a:buNone/>
+              <a:defRPr sz="1600"/>
+            </a:lvl8pPr>
+            <a:lvl9pPr marL="3657600" indent="0">
+              <a:buNone/>
+              <a:defRPr sz="1600"/>
+            </a:lvl9pPr>
+          </a:lstStyle>
+          <a:p>
+            <a:r>
+              <a:rPr lang="en-US"/>
+              <a:t>Click icon to add picture</a:t>
+            </a:r>
+            <a:endParaRPr lang="en-US" dirty="0"/>
+          </a:p>
+        </p:txBody>
+      </p:sp>
+      <p:sp>
+        <p:nvSpPr>
+          <p:cNvPr id="4" name="Text Placeholder 3"/>
+          <p:cNvSpPr>
+            <a:spLocks noGrp="1"/>
+          </p:cNvSpPr>
+          <p:nvPr>
+            <p:ph type="body" sz="half" idx="2"/>
+          </p:nvPr>
+        </p:nvSpPr>
+        <p:spPr>
+          <a:xfrm>
+            <a:off x="1154956" y="5367325"/>
+            <a:ext cx="8825656" cy="493712"/>
+          </a:xfrm>
+        </p:spPr>
+        <p:txBody>
+          <a:bodyPr>
+            <a:normAutofit/>
+          </a:bodyPr>
+          <a:lstStyle>
+            <a:lvl1pPr marL="0" indent="0">
+              <a:buNone/>
+              <a:defRPr sz="1200"/>
+            </a:lvl1pPr>
+            <a:lvl2pPr marL="457200" indent="0">
+              <a:buNone/>
+              <a:defRPr sz="1200"/>
+            </a:lvl2pPr>
+            <a:lvl3pPr marL="914400" indent="0">
+              <a:buNone/>
+              <a:defRPr sz="1000"/>
+            </a:lvl3pPr>
+            <a:lvl4pPr marL="1371600" indent="0">
+              <a:buNone/>
+              <a:defRPr sz="900"/>
+            </a:lvl4pPr>
+            <a:lvl5pPr marL="1828800" indent="0">
+              <a:buNone/>
+              <a:defRPr sz="900"/>
+            </a:lvl5pPr>
+            <a:lvl6pPr marL="2286000" indent="0">
+              <a:buNone/>
+              <a:defRPr sz="900"/>
+            </a:lvl6pPr>
+            <a:lvl7pPr marL="2743200" indent="0">
+              <a:buNone/>
+              <a:defRPr sz="900"/>
+            </a:lvl7pPr>
+            <a:lvl8pPr marL="3200400" indent="0">
+              <a:buNone/>
+              <a:defRPr sz="900"/>
+            </a:lvl8pPr>
+            <a:lvl9pPr marL="3657600" indent="0">
+              <a:buNone/>
+              <a:defRPr sz="900"/>
+            </a:lvl9pPr>
+          </a:lstStyle>
+          <a:p>
+            <a:pPr lvl="0"/>
+            <a:r>
+              <a:rPr lang="en-US"/>
+              <a:t>Click to edit Master text styles</a:t>
+            </a:r>
+          </a:p>
+        </p:txBody>
+      </p:sp>
+      <p:sp>
+        <p:nvSpPr>
+          <p:cNvPr id="5" name="Date Placeholder 4"/>
+          <p:cNvSpPr>
+            <a:spLocks noGrp="1"/>
+          </p:cNvSpPr>
+          <p:nvPr>
+            <p:ph type="dt" sz="half" idx="10"/>
+          </p:nvPr>
+        </p:nvSpPr>
+        <p:spPr/>
+        <p:txBody>
+          <a:bodyPr/>
+          <a:lstStyle/>
+          <a:p>
+            <a:fld id="{EAE8375A-8306-412D-BDCB-DB3A416C3ADC}" type="datetimeFigureOut">
+              <a:rPr lang="en-IN" smtClean="0"/>
+              <a:t>01-02-2021</a:t>
+            </a:fld>
+            <a:endParaRPr lang="en-IN"/>
+          </a:p>
+        </p:txBody>
+      </p:sp>
+      <p:sp>
+        <p:nvSpPr>
+          <p:cNvPr id="6" name="Footer Placeholder 5"/>
+          <p:cNvSpPr>
+            <a:spLocks noGrp="1"/>
+          </p:cNvSpPr>
+          <p:nvPr>
+            <p:ph type="ftr" sz="quarter" idx="11"/>
+          </p:nvPr>
+        </p:nvSpPr>
+        <p:spPr/>
+        <p:txBody>
+          <a:bodyPr/>
+          <a:lstStyle/>
+          <a:p>
+            <a:endParaRPr lang="en-IN"/>
+          </a:p>
+        </p:txBody>
+      </p:sp>
+      <p:sp>
+        <p:nvSpPr>
+          <p:cNvPr id="7" name="Slide Number Placeholder 6"/>
+          <p:cNvSpPr>
+            <a:spLocks noGrp="1"/>
+          </p:cNvSpPr>
+          <p:nvPr>
+            <p:ph type="sldNum" sz="quarter" idx="12"/>
+          </p:nvPr>
+        </p:nvSpPr>
+        <p:spPr/>
+        <p:txBody>
+          <a:bodyPr/>
+          <a:lstStyle/>
+          <a:p>
+            <a:fld id="{2F433A83-3F73-40E9-8D42-9E31BD9B811C}" type="slidenum">
+              <a:rPr lang="en-IN" smtClean="0"/>
+              <a:t>‹#›</a:t>
+            </a:fld>
+            <a:endParaRPr lang="en-IN"/>
+          </a:p>
+        </p:txBody>
+      </p:sp>
+    </p:spTree>
+    <p:extLst>
+      <p:ext uri="{BB962C8B-B14F-4D97-AF65-F5344CB8AC3E}">
+        <p14:creationId xmlns:p14="http://schemas.microsoft.com/office/powerpoint/2010/main" val="2191005215"/>
+      </p:ext>
+    </p:extLst>
+  </p:cSld>
+  <p:clrMapOvr>
+    <a:masterClrMapping/>
+  </p:clrMapOvr>
+</p:sldLayout>
+</file>
+
+<file path=ppt/slideLayouts/slideLayout11.xml><?xml version="1.0" encoding="utf-8"?>
+<p:sldLayout xmlns:a="http://schemas.openxmlformats.org/drawingml/2006/main" xmlns:r="http://schemas.openxmlformats.org/officeDocument/2006/relationships" xmlns:p="http://schemas.openxmlformats.org/presentationml/2006/main" preserve="1">
+  <p:cSld name="Title and Caption">
+    <p:spTree>
+      <p:nvGrpSpPr>
+        <p:cNvPr id="1" name=""/>
+        <p:cNvGrpSpPr/>
+        <p:nvPr/>
+      </p:nvGrpSpPr>
+      <p:grpSpPr>
+        <a:xfrm>
+          <a:off x="0" y="0"/>
+          <a:ext cx="0" cy="0"/>
+          <a:chOff x="0" y="0"/>
+          <a:chExt cx="0" cy="0"/>
+        </a:xfrm>
+      </p:grpSpPr>
+      <p:sp>
+        <p:nvSpPr>
+          <p:cNvPr id="2" name="Title 1"/>
+          <p:cNvSpPr>
+            <a:spLocks noGrp="1"/>
+          </p:cNvSpPr>
+          <p:nvPr>
+            <p:ph type="title"/>
+          </p:nvPr>
+        </p:nvSpPr>
+        <p:spPr>
+          <a:xfrm>
+            <a:off x="1154954" y="1447800"/>
+            <a:ext cx="8825659" cy="1981200"/>
+          </a:xfrm>
+        </p:spPr>
+        <p:txBody>
+          <a:bodyPr/>
+          <a:lstStyle>
+            <a:lvl1pPr>
+              <a:defRPr sz="4800"/>
+            </a:lvl1pPr>
+          </a:lstStyle>
+          <a:p>
+            <a:r>
+              <a:rPr lang="en-US"/>
+              <a:t>Click to edit Master title style</a:t>
+            </a:r>
+            <a:endParaRPr lang="en-US" dirty="0"/>
+          </a:p>
+        </p:txBody>
+      </p:sp>
+      <p:sp>
+        <p:nvSpPr>
+          <p:cNvPr id="8" name="Text Placeholder 3"/>
+          <p:cNvSpPr>
+            <a:spLocks noGrp="1"/>
+          </p:cNvSpPr>
+          <p:nvPr>
+            <p:ph type="body" sz="half" idx="2"/>
+          </p:nvPr>
+        </p:nvSpPr>
+        <p:spPr>
+          <a:xfrm>
+            <a:off x="1154954" y="3657600"/>
+            <a:ext cx="8825659" cy="2362200"/>
+          </a:xfrm>
+        </p:spPr>
+        <p:txBody>
+          <a:bodyPr anchor="ctr">
+            <a:normAutofit/>
+          </a:bodyPr>
+          <a:lstStyle>
+            <a:lvl1pPr marL="0" indent="0">
+              <a:buNone/>
+              <a:defRPr sz="1800"/>
+            </a:lvl1pPr>
+            <a:lvl2pPr marL="457200" indent="0">
+              <a:buNone/>
+              <a:defRPr sz="1200"/>
+            </a:lvl2pPr>
+            <a:lvl3pPr marL="914400" indent="0">
+              <a:buNone/>
+              <a:defRPr sz="1000"/>
+            </a:lvl3pPr>
+            <a:lvl4pPr marL="1371600" indent="0">
+              <a:buNone/>
+              <a:defRPr sz="900"/>
+            </a:lvl4pPr>
+            <a:lvl5pPr marL="1828800" indent="0">
+              <a:buNone/>
+              <a:defRPr sz="900"/>
+            </a:lvl5pPr>
+            <a:lvl6pPr marL="2286000" indent="0">
+              <a:buNone/>
+              <a:defRPr sz="900"/>
+            </a:lvl6pPr>
+            <a:lvl7pPr marL="2743200" indent="0">
+              <a:buNone/>
+              <a:defRPr sz="900"/>
+            </a:lvl7pPr>
+            <a:lvl8pPr marL="3200400" indent="0">
+              <a:buNone/>
+              <a:defRPr sz="900"/>
+            </a:lvl8pPr>
+            <a:lvl9pPr marL="3657600" indent="0">
+              <a:buNone/>
+              <a:defRPr sz="900"/>
+            </a:lvl9pPr>
+          </a:lstStyle>
+          <a:p>
+            <a:pPr lvl="0"/>
+            <a:r>
+              <a:rPr lang="en-US"/>
+              <a:t>Click to edit Master text styles</a:t>
+            </a:r>
+          </a:p>
+        </p:txBody>
+      </p:sp>
+      <p:sp>
+        <p:nvSpPr>
+          <p:cNvPr id="4" name="Date Placeholder 3"/>
+          <p:cNvSpPr>
+            <a:spLocks noGrp="1"/>
+          </p:cNvSpPr>
+          <p:nvPr>
+            <p:ph type="dt" sz="half" idx="10"/>
+          </p:nvPr>
+        </p:nvSpPr>
+        <p:spPr/>
+        <p:txBody>
+          <a:bodyPr/>
+          <a:lstStyle/>
+          <a:p>
+            <a:fld id="{EAE8375A-8306-412D-BDCB-DB3A416C3ADC}" type="datetimeFigureOut">
+              <a:rPr lang="en-IN" smtClean="0"/>
+              <a:t>01-02-2021</a:t>
+            </a:fld>
+            <a:endParaRPr lang="en-IN"/>
+          </a:p>
+        </p:txBody>
+      </p:sp>
+      <p:sp>
+        <p:nvSpPr>
+          <p:cNvPr id="5" name="Footer Placeholder 4"/>
+          <p:cNvSpPr>
+            <a:spLocks noGrp="1"/>
+          </p:cNvSpPr>
+          <p:nvPr>
+            <p:ph type="ftr" sz="quarter" idx="11"/>
+          </p:nvPr>
+        </p:nvSpPr>
+        <p:spPr/>
+        <p:txBody>
+          <a:bodyPr/>
+          <a:lstStyle/>
+          <a:p>
+            <a:endParaRPr lang="en-IN"/>
+          </a:p>
+        </p:txBody>
+      </p:sp>
+      <p:sp>
+        <p:nvSpPr>
+          <p:cNvPr id="6" name="Slide Number Placeholder 5"/>
+          <p:cNvSpPr>
+            <a:spLocks noGrp="1"/>
+          </p:cNvSpPr>
+          <p:nvPr>
+            <p:ph type="sldNum" sz="quarter" idx="12"/>
+          </p:nvPr>
+        </p:nvSpPr>
+        <p:spPr/>
+        <p:txBody>
+          <a:bodyPr/>
+          <a:lstStyle/>
+          <a:p>
+            <a:fld id="{2F433A83-3F73-40E9-8D42-9E31BD9B811C}" type="slidenum">
+              <a:rPr lang="en-IN" smtClean="0"/>
+              <a:t>‹#›</a:t>
+            </a:fld>
+            <a:endParaRPr lang="en-IN"/>
+          </a:p>
+        </p:txBody>
+      </p:sp>
+    </p:spTree>
+    <p:extLst>
+      <p:ext uri="{BB962C8B-B14F-4D97-AF65-F5344CB8AC3E}">
+        <p14:creationId xmlns:p14="http://schemas.microsoft.com/office/powerpoint/2010/main" val="3054754898"/>
+      </p:ext>
+    </p:extLst>
+  </p:cSld>
+  <p:clrMapOvr>
+    <a:masterClrMapping/>
+  </p:clrMapOvr>
+</p:sldLayout>
+</file>
+
+<file path=ppt/slideLayouts/slideLayout12.xml><?xml version="1.0" encoding="utf-8"?>
+<p:sldLayout xmlns:a="http://schemas.openxmlformats.org/drawingml/2006/main" xmlns:r="http://schemas.openxmlformats.org/officeDocument/2006/relationships" xmlns:p="http://schemas.openxmlformats.org/presentationml/2006/main" preserve="1">
+  <p:cSld name="Quote with Caption">
+    <p:spTree>
+      <p:nvGrpSpPr>
+        <p:cNvPr id="1" name=""/>
+        <p:cNvGrpSpPr/>
+        <p:nvPr/>
+      </p:nvGrpSpPr>
+      <p:grpSpPr>
+        <a:xfrm>
+          <a:off x="0" y="0"/>
+          <a:ext cx="0" cy="0"/>
+          <a:chOff x="0" y="0"/>
+          <a:chExt cx="0" cy="0"/>
+        </a:xfrm>
+      </p:grpSpPr>
+      <p:sp>
+        <p:nvSpPr>
+          <p:cNvPr id="2" name="Title 1"/>
+          <p:cNvSpPr>
+            <a:spLocks noGrp="1"/>
+          </p:cNvSpPr>
+          <p:nvPr>
+            <p:ph type="title"/>
+          </p:nvPr>
+        </p:nvSpPr>
+        <p:spPr>
+          <a:xfrm>
+            <a:off x="1574801" y="1447800"/>
+            <a:ext cx="7999315" cy="2323374"/>
+          </a:xfrm>
+        </p:spPr>
+        <p:txBody>
+          <a:bodyPr/>
+          <a:lstStyle>
+            <a:lvl1pPr>
+              <a:defRPr sz="4800"/>
+            </a:lvl1pPr>
+          </a:lstStyle>
+          <a:p>
+            <a:r>
+              <a:rPr lang="en-US"/>
+              <a:t>Click to edit Master title style</a:t>
+            </a:r>
+            <a:endParaRPr lang="en-US" dirty="0"/>
+          </a:p>
+        </p:txBody>
+      </p:sp>
+      <p:sp>
+        <p:nvSpPr>
+          <p:cNvPr id="11" name="Text Placeholder 3"/>
+          <p:cNvSpPr>
+            <a:spLocks noGrp="1"/>
+          </p:cNvSpPr>
+          <p:nvPr>
+            <p:ph type="body" sz="half" idx="14"/>
+          </p:nvPr>
+        </p:nvSpPr>
+        <p:spPr>
+          <a:xfrm>
+            <a:off x="1930400" y="3771174"/>
+            <a:ext cx="7279649" cy="342174"/>
+          </a:xfrm>
+        </p:spPr>
+        <p:txBody>
+          <a:bodyPr vert="horz" lIns="91440" tIns="45720" rIns="91440" bIns="45720" rtlCol="0" anchor="t">
+            <a:normAutofit/>
+          </a:bodyPr>
+          <a:lstStyle>
+            <a:lvl1pPr marL="0" indent="0">
+              <a:buNone/>
+              <a:defRPr lang="en-US" sz="1400" b="0" i="0" kern="1200" cap="small" dirty="0">
+                <a:solidFill>
+                  <a:schemeClr val="bg2">
+                    <a:lumMod val="40000"/>
+                    <a:lumOff val="60000"/>
+                  </a:schemeClr>
+                </a:solidFill>
+                <a:latin typeface="+mj-lt"/>
+                <a:ea typeface="+mj-ea"/>
+                <a:cs typeface="+mj-cs"/>
+              </a:defRPr>
+            </a:lvl1pPr>
+            <a:lvl2pPr marL="457200" indent="0">
+              <a:buNone/>
+              <a:defRPr sz="1200"/>
+            </a:lvl2pPr>
+            <a:lvl3pPr marL="914400" indent="0">
+              <a:buNone/>
+              <a:defRPr sz="1000"/>
+            </a:lvl3pPr>
+            <a:lvl4pPr marL="1371600" indent="0">
+              <a:buNone/>
+              <a:defRPr sz="900"/>
+            </a:lvl4pPr>
+            <a:lvl5pPr marL="1828800" indent="0">
+              <a:buNone/>
+              <a:defRPr sz="900"/>
+            </a:lvl5pPr>
+            <a:lvl6pPr marL="2286000" indent="0">
+              <a:buNone/>
+              <a:defRPr sz="900"/>
+            </a:lvl6pPr>
+            <a:lvl7pPr marL="2743200" indent="0">
+              <a:buNone/>
+              <a:defRPr sz="900"/>
+            </a:lvl7pPr>
+            <a:lvl8pPr marL="3200400" indent="0">
+              <a:buNone/>
+              <a:defRPr sz="900"/>
+            </a:lvl8pPr>
+            <a:lvl9pPr marL="3657600" indent="0">
+              <a:buNone/>
+              <a:defRPr sz="900"/>
+            </a:lvl9pPr>
+          </a:lstStyle>
+          <a:p>
+            <a:pPr marL="0" lvl="0" indent="0">
+              <a:buNone/>
+            </a:pPr>
+            <a:r>
+              <a:rPr lang="en-US"/>
+              <a:t>Click to edit Master text styles</a:t>
+            </a:r>
+          </a:p>
+        </p:txBody>
+      </p:sp>
+      <p:sp>
+        <p:nvSpPr>
+          <p:cNvPr id="10" name="Text Placeholder 3"/>
+          <p:cNvSpPr>
+            <a:spLocks noGrp="1"/>
+          </p:cNvSpPr>
+          <p:nvPr>
+            <p:ph type="body" sz="half" idx="2"/>
+          </p:nvPr>
+        </p:nvSpPr>
+        <p:spPr>
+          <a:xfrm>
+            <a:off x="1154954" y="4350657"/>
+            <a:ext cx="8825659" cy="1676400"/>
+          </a:xfrm>
+        </p:spPr>
+        <p:txBody>
+          <a:bodyPr anchor="ctr">
+            <a:normAutofit/>
+          </a:bodyPr>
+          <a:lstStyle>
+            <a:lvl1pPr marL="0" indent="0">
+              <a:buNone/>
+              <a:defRPr sz="1800"/>
+            </a:lvl1pPr>
+            <a:lvl2pPr marL="457200" indent="0">
+              <a:buNone/>
+              <a:defRPr sz="1200"/>
+            </a:lvl2pPr>
+            <a:lvl3pPr marL="914400" indent="0">
+              <a:buNone/>
+              <a:defRPr sz="1000"/>
+            </a:lvl3pPr>
+            <a:lvl4pPr marL="1371600" indent="0">
+              <a:buNone/>
+              <a:defRPr sz="900"/>
+            </a:lvl4pPr>
+            <a:lvl5pPr marL="1828800" indent="0">
+              <a:buNone/>
+              <a:defRPr sz="900"/>
+            </a:lvl5pPr>
+            <a:lvl6pPr marL="2286000" indent="0">
+              <a:buNone/>
+              <a:defRPr sz="900"/>
+            </a:lvl6pPr>
+            <a:lvl7pPr marL="2743200" indent="0">
+              <a:buNone/>
+              <a:defRPr sz="900"/>
+            </a:lvl7pPr>
+            <a:lvl8pPr marL="3200400" indent="0">
+              <a:buNone/>
+              <a:defRPr sz="900"/>
+            </a:lvl8pPr>
+            <a:lvl9pPr marL="3657600" indent="0">
+              <a:buNone/>
+              <a:defRPr sz="900"/>
+            </a:lvl9pPr>
+          </a:lstStyle>
+          <a:p>
+            <a:pPr lvl="0"/>
+            <a:r>
+              <a:rPr lang="en-US"/>
+              <a:t>Click to edit Master text styles</a:t>
+            </a:r>
+          </a:p>
+        </p:txBody>
+      </p:sp>
+      <p:sp>
+        <p:nvSpPr>
+          <p:cNvPr id="4" name="Date Placeholder 3"/>
+          <p:cNvSpPr>
+            <a:spLocks noGrp="1"/>
+          </p:cNvSpPr>
+          <p:nvPr>
+            <p:ph type="dt" sz="half" idx="10"/>
+          </p:nvPr>
+        </p:nvSpPr>
+        <p:spPr/>
+        <p:txBody>
+          <a:bodyPr/>
+          <a:lstStyle/>
+          <a:p>
+            <a:fld id="{EAE8375A-8306-412D-BDCB-DB3A416C3ADC}" type="datetimeFigureOut">
+              <a:rPr lang="en-IN" smtClean="0"/>
+              <a:t>01-02-2021</a:t>
+            </a:fld>
+            <a:endParaRPr lang="en-IN"/>
+          </a:p>
+        </p:txBody>
+      </p:sp>
+      <p:sp>
+        <p:nvSpPr>
+          <p:cNvPr id="5" name="Footer Placeholder 4"/>
+          <p:cNvSpPr>
+            <a:spLocks noGrp="1"/>
+          </p:cNvSpPr>
+          <p:nvPr>
+            <p:ph type="ftr" sz="quarter" idx="11"/>
+          </p:nvPr>
+        </p:nvSpPr>
+        <p:spPr/>
+        <p:txBody>
+          <a:bodyPr/>
+          <a:lstStyle/>
+          <a:p>
+            <a:endParaRPr lang="en-IN"/>
+          </a:p>
+        </p:txBody>
+      </p:sp>
+      <p:sp>
+        <p:nvSpPr>
+          <p:cNvPr id="6" name="Slide Number Placeholder 5"/>
+          <p:cNvSpPr>
+            <a:spLocks noGrp="1"/>
+          </p:cNvSpPr>
+          <p:nvPr>
+            <p:ph type="sldNum" sz="quarter" idx="12"/>
+          </p:nvPr>
+        </p:nvSpPr>
+        <p:spPr/>
+        <p:txBody>
+          <a:bodyPr/>
+          <a:lstStyle/>
+          <a:p>
+            <a:fld id="{2F433A83-3F73-40E9-8D42-9E31BD9B811C}" type="slidenum">
+              <a:rPr lang="en-IN" smtClean="0"/>
+              <a:t>‹#›</a:t>
+            </a:fld>
+            <a:endParaRPr lang="en-IN"/>
+          </a:p>
+        </p:txBody>
+      </p:sp>
+      <p:sp>
+        <p:nvSpPr>
+          <p:cNvPr id="12" name="TextBox 11"/>
+          <p:cNvSpPr txBox="1"/>
+          <p:nvPr/>
+        </p:nvSpPr>
+        <p:spPr>
+          <a:xfrm>
+            <a:off x="898295" y="971253"/>
+            <a:ext cx="801912" cy="1969770"/>
+          </a:xfrm>
+          <a:prstGeom prst="rect">
+            <a:avLst/>
+          </a:prstGeom>
+          <a:noFill/>
+        </p:spPr>
+        <p:txBody>
+          <a:bodyPr wrap="square" rtlCol="0">
+            <a:spAutoFit/>
+          </a:bodyPr>
+          <a:lstStyle>
+            <a:defPPr>
+              <a:defRPr lang="en-US"/>
+            </a:defPPr>
+            <a:lvl1pPr algn="r">
+              <a:defRPr sz="12200" b="0" i="0">
+                <a:solidFill>
+                  <a:schemeClr val="bg2">
+                    <a:lumMod val="40000"/>
+                    <a:lumOff val="60000"/>
+                  </a:schemeClr>
+                </a:solidFill>
+                <a:latin typeface="Arial"/>
+                <a:ea typeface="+mj-ea"/>
+                <a:cs typeface="+mj-cs"/>
+              </a:defRPr>
+            </a:lvl1pPr>
+          </a:lstStyle>
+          <a:p>
+            <a:pPr lvl="0"/>
+            <a:r>
+              <a:rPr lang="en-US" dirty="0"/>
+              <a:t>“</a:t>
+            </a:r>
+          </a:p>
+        </p:txBody>
+      </p:sp>
+      <p:sp>
+        <p:nvSpPr>
+          <p:cNvPr id="15" name="TextBox 14"/>
+          <p:cNvSpPr txBox="1"/>
+          <p:nvPr/>
+        </p:nvSpPr>
+        <p:spPr>
+          <a:xfrm>
+            <a:off x="9330490" y="2613787"/>
+            <a:ext cx="801912" cy="1969770"/>
+          </a:xfrm>
+          <a:prstGeom prst="rect">
+            <a:avLst/>
+          </a:prstGeom>
+          <a:noFill/>
+        </p:spPr>
+        <p:txBody>
+          <a:bodyPr wrap="square" rtlCol="0">
+            <a:spAutoFit/>
+          </a:bodyPr>
+          <a:lstStyle>
+            <a:defPPr>
+              <a:defRPr lang="en-US"/>
+            </a:defPPr>
+            <a:lvl1pPr algn="r">
+              <a:defRPr sz="12200" b="0" i="0">
+                <a:solidFill>
+                  <a:schemeClr val="bg2">
+                    <a:lumMod val="40000"/>
+                    <a:lumOff val="60000"/>
+                  </a:schemeClr>
+                </a:solidFill>
+                <a:latin typeface="Arial"/>
+                <a:ea typeface="+mj-ea"/>
+                <a:cs typeface="+mj-cs"/>
+              </a:defRPr>
+            </a:lvl1pPr>
+          </a:lstStyle>
+          <a:p>
+            <a:pPr lvl="0"/>
+            <a:r>
+              <a:rPr lang="en-US" dirty="0"/>
+              <a:t>”</a:t>
+            </a:r>
+          </a:p>
+        </p:txBody>
+      </p:sp>
+    </p:spTree>
+    <p:extLst>
+      <p:ext uri="{BB962C8B-B14F-4D97-AF65-F5344CB8AC3E}">
+        <p14:creationId xmlns:p14="http://schemas.microsoft.com/office/powerpoint/2010/main" val="1124601563"/>
+      </p:ext>
+    </p:extLst>
+  </p:cSld>
+  <p:clrMapOvr>
+    <a:masterClrMapping/>
+  </p:clrMapOvr>
+</p:sldLayout>
+</file>
+
+<file path=ppt/slideLayouts/slideLayout13.xml><?xml version="1.0" encoding="utf-8"?>
+<p:sldLayout xmlns:a="http://schemas.openxmlformats.org/drawingml/2006/main" xmlns:r="http://schemas.openxmlformats.org/officeDocument/2006/relationships" xmlns:p="http://schemas.openxmlformats.org/presentationml/2006/main" preserve="1">
+  <p:cSld name="Name Card">
+    <p:spTree>
+      <p:nvGrpSpPr>
+        <p:cNvPr id="1" name=""/>
+        <p:cNvGrpSpPr/>
+        <p:nvPr/>
+      </p:nvGrpSpPr>
+      <p:grpSpPr>
+        <a:xfrm>
+          <a:off x="0" y="0"/>
+          <a:ext cx="0" cy="0"/>
+          <a:chOff x="0" y="0"/>
+          <a:chExt cx="0" cy="0"/>
+        </a:xfrm>
+      </p:grpSpPr>
+      <p:sp>
+        <p:nvSpPr>
+          <p:cNvPr id="2" name="Title 1"/>
+          <p:cNvSpPr>
+            <a:spLocks noGrp="1"/>
+          </p:cNvSpPr>
+          <p:nvPr>
+            <p:ph type="title"/>
+          </p:nvPr>
+        </p:nvSpPr>
+        <p:spPr>
+          <a:xfrm>
+            <a:off x="1154954" y="3124201"/>
+            <a:ext cx="8825660" cy="1653180"/>
+          </a:xfrm>
+        </p:spPr>
+        <p:txBody>
+          <a:bodyPr anchor="b"/>
+          <a:lstStyle>
+            <a:lvl1pPr algn="l">
+              <a:defRPr sz="4000" b="0" cap="none"/>
+            </a:lvl1pPr>
+          </a:lstStyle>
+          <a:p>
+            <a:r>
+              <a:rPr lang="en-US"/>
+              <a:t>Click to edit Master title style</a:t>
+            </a:r>
+            <a:endParaRPr lang="en-US" dirty="0"/>
+          </a:p>
+        </p:txBody>
+      </p:sp>
+      <p:sp>
+        <p:nvSpPr>
+          <p:cNvPr id="3" name="Text Placeholder 2"/>
+          <p:cNvSpPr>
+            <a:spLocks noGrp="1"/>
+          </p:cNvSpPr>
+          <p:nvPr>
+            <p:ph type="body" idx="1"/>
+          </p:nvPr>
+        </p:nvSpPr>
+        <p:spPr>
+          <a:xfrm>
+            <a:off x="1154954" y="4777381"/>
+            <a:ext cx="8825659" cy="860400"/>
+          </a:xfrm>
+        </p:spPr>
+        <p:txBody>
+          <a:bodyPr anchor="t"/>
+          <a:lstStyle>
+            <a:lvl1pPr marL="0" indent="0" algn="l">
+              <a:buNone/>
+              <a:defRPr sz="2000" cap="none">
+                <a:solidFill>
+                  <a:schemeClr val="bg2">
+                    <a:lumMod val="40000"/>
+                    <a:lumOff val="60000"/>
+                  </a:schemeClr>
+                </a:solidFill>
+              </a:defRPr>
+            </a:lvl1pPr>
+            <a:lvl2pPr marL="457200" indent="0">
+              <a:buNone/>
+              <a:defRPr sz="1800">
+                <a:solidFill>
+                  <a:schemeClr val="tx1">
+                    <a:tint val="75000"/>
+                  </a:schemeClr>
+                </a:solidFill>
+              </a:defRPr>
+            </a:lvl2pPr>
+            <a:lvl3pPr marL="914400" indent="0">
+              <a:buNone/>
+              <a:defRPr sz="1600">
+                <a:solidFill>
+                  <a:schemeClr val="tx1">
+                    <a:tint val="75000"/>
+                  </a:schemeClr>
+                </a:solidFill>
+              </a:defRPr>
+            </a:lvl3pPr>
+            <a:lvl4pPr marL="1371600" indent="0">
+              <a:buNone/>
+              <a:defRPr sz="1400">
+                <a:solidFill>
+                  <a:schemeClr val="tx1">
+                    <a:tint val="75000"/>
+                  </a:schemeClr>
+                </a:solidFill>
+              </a:defRPr>
+            </a:lvl4pPr>
+            <a:lvl5pPr marL="1828800" indent="0">
+              <a:buNone/>
+              <a:defRPr sz="1400">
+                <a:solidFill>
+                  <a:schemeClr val="tx1">
+                    <a:tint val="75000"/>
+                  </a:schemeClr>
+                </a:solidFill>
+              </a:defRPr>
+            </a:lvl5pPr>
+            <a:lvl6pPr marL="2286000" indent="0">
+              <a:buNone/>
+              <a:defRPr sz="1400">
+                <a:solidFill>
+                  <a:schemeClr val="tx1">
+                    <a:tint val="75000"/>
+                  </a:schemeClr>
+                </a:solidFill>
+              </a:defRPr>
+            </a:lvl6pPr>
+            <a:lvl7pPr marL="2743200" indent="0">
+              <a:buNone/>
+              <a:defRPr sz="1400">
+                <a:solidFill>
+                  <a:schemeClr val="tx1">
+                    <a:tint val="75000"/>
+                  </a:schemeClr>
+                </a:solidFill>
+              </a:defRPr>
+            </a:lvl7pPr>
+            <a:lvl8pPr marL="3200400" indent="0">
+              <a:buNone/>
+              <a:defRPr sz="1400">
+                <a:solidFill>
+                  <a:schemeClr val="tx1">
+                    <a:tint val="75000"/>
+                  </a:schemeClr>
+                </a:solidFill>
+              </a:defRPr>
+            </a:lvl8pPr>
+            <a:lvl9pPr marL="3657600" indent="0">
+              <a:buNone/>
+              <a:defRPr sz="1400">
+                <a:solidFill>
+                  <a:schemeClr val="tx1">
+                    <a:tint val="75000"/>
+                  </a:schemeClr>
+                </a:solidFill>
+              </a:defRPr>
+            </a:lvl9pPr>
+          </a:lstStyle>
+          <a:p>
+            <a:pPr lvl="0"/>
+            <a:r>
+              <a:rPr lang="en-US"/>
+              <a:t>Click to edit Master text styles</a:t>
+            </a:r>
+          </a:p>
+        </p:txBody>
+      </p:sp>
+      <p:sp>
+        <p:nvSpPr>
+          <p:cNvPr id="4" name="Date Placeholder 3"/>
+          <p:cNvSpPr>
+            <a:spLocks noGrp="1"/>
+          </p:cNvSpPr>
+          <p:nvPr>
+            <p:ph type="dt" sz="half" idx="10"/>
+          </p:nvPr>
+        </p:nvSpPr>
+        <p:spPr/>
+        <p:txBody>
+          <a:bodyPr/>
+          <a:lstStyle/>
+          <a:p>
+            <a:fld id="{EAE8375A-8306-412D-BDCB-DB3A416C3ADC}" type="datetimeFigureOut">
+              <a:rPr lang="en-IN" smtClean="0"/>
+              <a:t>01-02-2021</a:t>
+            </a:fld>
+            <a:endParaRPr lang="en-IN"/>
+          </a:p>
+        </p:txBody>
+      </p:sp>
+      <p:sp>
+        <p:nvSpPr>
+          <p:cNvPr id="5" name="Footer Placeholder 4"/>
+          <p:cNvSpPr>
+            <a:spLocks noGrp="1"/>
+          </p:cNvSpPr>
+          <p:nvPr>
+            <p:ph type="ftr" sz="quarter" idx="11"/>
+          </p:nvPr>
+        </p:nvSpPr>
+        <p:spPr/>
+        <p:txBody>
+          <a:bodyPr/>
+          <a:lstStyle/>
+          <a:p>
+            <a:endParaRPr lang="en-IN"/>
+          </a:p>
+        </p:txBody>
+      </p:sp>
+      <p:sp>
+        <p:nvSpPr>
+          <p:cNvPr id="6" name="Slide Number Placeholder 5"/>
+          <p:cNvSpPr>
+            <a:spLocks noGrp="1"/>
+          </p:cNvSpPr>
+          <p:nvPr>
+            <p:ph type="sldNum" sz="quarter" idx="12"/>
+          </p:nvPr>
+        </p:nvSpPr>
+        <p:spPr/>
+        <p:txBody>
+          <a:bodyPr/>
+          <a:lstStyle/>
+          <a:p>
+            <a:fld id="{2F433A83-3F73-40E9-8D42-9E31BD9B811C}" type="slidenum">
+              <a:rPr lang="en-IN" smtClean="0"/>
+              <a:t>‹#›</a:t>
+            </a:fld>
+            <a:endParaRPr lang="en-IN"/>
+          </a:p>
+        </p:txBody>
+      </p:sp>
+    </p:spTree>
+    <p:extLst>
+      <p:ext uri="{BB962C8B-B14F-4D97-AF65-F5344CB8AC3E}">
+        <p14:creationId xmlns:p14="http://schemas.microsoft.com/office/powerpoint/2010/main" val="2977274811"/>
+      </p:ext>
+    </p:extLst>
+  </p:cSld>
+  <p:clrMapOvr>
+    <a:masterClrMapping/>
+  </p:clrMapOvr>
+</p:sldLayout>
+</file>
+
+<file path=ppt/slideLayouts/slideLayout14.xml><?xml version="1.0" encoding="utf-8"?>
+<p:sldLayout xmlns:a="http://schemas.openxmlformats.org/drawingml/2006/main" xmlns:r="http://schemas.openxmlformats.org/officeDocument/2006/relationships" xmlns:p="http://schemas.openxmlformats.org/presentationml/2006/main" preserve="1">
+  <p:cSld name="3 Column">
+    <p:spTree>
+      <p:nvGrpSpPr>
+        <p:cNvPr id="1" name=""/>
+        <p:cNvGrpSpPr/>
+        <p:nvPr/>
+      </p:nvGrpSpPr>
+      <p:grpSpPr>
+        <a:xfrm>
+          <a:off x="0" y="0"/>
+          <a:ext cx="0" cy="0"/>
+          <a:chOff x="0" y="0"/>
+          <a:chExt cx="0" cy="0"/>
+        </a:xfrm>
+      </p:grpSpPr>
+      <p:sp>
+        <p:nvSpPr>
+          <p:cNvPr id="2" name="Title 1"/>
+          <p:cNvSpPr>
+            <a:spLocks noGrp="1"/>
+          </p:cNvSpPr>
+          <p:nvPr>
+            <p:ph type="title"/>
+          </p:nvPr>
+        </p:nvSpPr>
+        <p:spPr/>
+        <p:txBody>
+          <a:bodyPr/>
+          <a:lstStyle>
+            <a:lvl1pPr>
+              <a:defRPr sz="4200"/>
+            </a:lvl1pPr>
+          </a:lstStyle>
+          <a:p>
+            <a:r>
+              <a:rPr lang="en-US"/>
+              <a:t>Click to edit Master title style</a:t>
+            </a:r>
+            <a:endParaRPr lang="en-US" dirty="0"/>
+          </a:p>
+        </p:txBody>
+      </p:sp>
+      <p:sp>
+        <p:nvSpPr>
+          <p:cNvPr id="3" name="Text Placeholder 2"/>
+          <p:cNvSpPr>
+            <a:spLocks noGrp="1"/>
+          </p:cNvSpPr>
+          <p:nvPr>
+            <p:ph type="body" idx="1"/>
+          </p:nvPr>
+        </p:nvSpPr>
+        <p:spPr>
+          <a:xfrm>
+            <a:off x="632947" y="1981200"/>
+            <a:ext cx="2946866" cy="576262"/>
+          </a:xfrm>
+        </p:spPr>
+        <p:txBody>
+          <a:bodyPr anchor="b">
+            <a:noAutofit/>
+          </a:bodyPr>
+          <a:lstStyle>
+            <a:lvl1pPr marL="0" indent="0">
+              <a:buNone/>
+              <a:defRPr sz="2400" b="0">
+                <a:solidFill>
+                  <a:schemeClr val="bg2">
+                    <a:lumMod val="40000"/>
+                    <a:lumOff val="60000"/>
+                  </a:schemeClr>
+                </a:solidFill>
+              </a:defRPr>
+            </a:lvl1pPr>
+            <a:lvl2pPr marL="457200" indent="0">
+              <a:buNone/>
+              <a:defRPr sz="2000" b="1"/>
+            </a:lvl2pPr>
+            <a:lvl3pPr marL="914400" indent="0">
+              <a:buNone/>
+              <a:defRPr sz="1800" b="1"/>
+            </a:lvl3pPr>
+            <a:lvl4pPr marL="1371600" indent="0">
+              <a:buNone/>
+              <a:defRPr sz="1600" b="1"/>
+            </a:lvl4pPr>
+            <a:lvl5pPr marL="1828800" indent="0">
+              <a:buNone/>
+              <a:defRPr sz="1600" b="1"/>
+            </a:lvl5pPr>
+            <a:lvl6pPr marL="2286000" indent="0">
+              <a:buNone/>
+              <a:defRPr sz="1600" b="1"/>
+            </a:lvl6pPr>
+            <a:lvl7pPr marL="2743200" indent="0">
+              <a:buNone/>
+              <a:defRPr sz="1600" b="1"/>
+            </a:lvl7pPr>
+            <a:lvl8pPr marL="3200400" indent="0">
+              <a:buNone/>
+              <a:defRPr sz="1600" b="1"/>
+            </a:lvl8pPr>
+            <a:lvl9pPr marL="3657600" indent="0">
+              <a:buNone/>
+              <a:defRPr sz="1600" b="1"/>
+            </a:lvl9pPr>
+          </a:lstStyle>
+          <a:p>
+            <a:pPr lvl="0"/>
+            <a:r>
+              <a:rPr lang="en-US"/>
+              <a:t>Click to edit Master text styles</a:t>
+            </a:r>
+          </a:p>
+        </p:txBody>
+      </p:sp>
+      <p:sp>
+        <p:nvSpPr>
+          <p:cNvPr id="16" name="Text Placeholder 3"/>
+          <p:cNvSpPr>
+            <a:spLocks noGrp="1"/>
+          </p:cNvSpPr>
+          <p:nvPr>
+            <p:ph type="body" sz="half" idx="15"/>
+          </p:nvPr>
+        </p:nvSpPr>
+        <p:spPr>
+          <a:xfrm>
+            <a:off x="652463" y="2667000"/>
+            <a:ext cx="2927350" cy="3589338"/>
+          </a:xfrm>
+        </p:spPr>
+        <p:txBody>
+          <a:bodyPr anchor="t">
+            <a:normAutofit/>
+          </a:bodyPr>
+          <a:lstStyle>
+            <a:lvl1pPr marL="0" indent="0">
+              <a:buNone/>
+              <a:defRPr sz="1400"/>
+            </a:lvl1pPr>
+            <a:lvl2pPr marL="457200" indent="0">
+              <a:buNone/>
+              <a:defRPr sz="1200"/>
+            </a:lvl2pPr>
+            <a:lvl3pPr marL="914400" indent="0">
+              <a:buNone/>
+              <a:defRPr sz="1000"/>
+            </a:lvl3pPr>
+            <a:lvl4pPr marL="1371600" indent="0">
+              <a:buNone/>
+              <a:defRPr sz="900"/>
+            </a:lvl4pPr>
+            <a:lvl5pPr marL="1828800" indent="0">
+              <a:buNone/>
+              <a:defRPr sz="900"/>
+            </a:lvl5pPr>
+            <a:lvl6pPr marL="2286000" indent="0">
+              <a:buNone/>
+              <a:defRPr sz="900"/>
+            </a:lvl6pPr>
+            <a:lvl7pPr marL="2743200" indent="0">
+              <a:buNone/>
+              <a:defRPr sz="900"/>
+            </a:lvl7pPr>
+            <a:lvl8pPr marL="3200400" indent="0">
+              <a:buNone/>
+              <a:defRPr sz="900"/>
+            </a:lvl8pPr>
+            <a:lvl9pPr marL="3657600" indent="0">
+              <a:buNone/>
+              <a:defRPr sz="900"/>
+            </a:lvl9pPr>
+          </a:lstStyle>
+          <a:p>
+            <a:pPr lvl="0"/>
+            <a:r>
+              <a:rPr lang="en-US"/>
+              <a:t>Click to edit Master text styles</a:t>
+            </a:r>
+          </a:p>
+        </p:txBody>
+      </p:sp>
+      <p:sp>
+        <p:nvSpPr>
+          <p:cNvPr id="5" name="Text Placeholder 4"/>
+          <p:cNvSpPr>
+            <a:spLocks noGrp="1"/>
+          </p:cNvSpPr>
+          <p:nvPr>
+            <p:ph type="body" sz="quarter" idx="3"/>
+          </p:nvPr>
+        </p:nvSpPr>
+        <p:spPr>
+          <a:xfrm>
+            <a:off x="3883659" y="1981200"/>
+            <a:ext cx="2936241" cy="576262"/>
+          </a:xfrm>
+        </p:spPr>
+        <p:txBody>
+          <a:bodyPr anchor="b">
+            <a:noAutofit/>
+          </a:bodyPr>
+          <a:lstStyle>
+            <a:lvl1pPr marL="0" indent="0">
+              <a:buNone/>
+              <a:defRPr sz="2400" b="0">
+                <a:solidFill>
+                  <a:schemeClr val="bg2">
+                    <a:lumMod val="40000"/>
+                    <a:lumOff val="60000"/>
+                  </a:schemeClr>
+                </a:solidFill>
+              </a:defRPr>
+            </a:lvl1pPr>
+            <a:lvl2pPr marL="457200" indent="0">
+              <a:buNone/>
+              <a:defRPr sz="2000" b="1"/>
+            </a:lvl2pPr>
+            <a:lvl3pPr marL="914400" indent="0">
+              <a:buNone/>
+              <a:defRPr sz="1800" b="1"/>
+            </a:lvl3pPr>
+            <a:lvl4pPr marL="1371600" indent="0">
+              <a:buNone/>
+              <a:defRPr sz="1600" b="1"/>
+            </a:lvl4pPr>
+            <a:lvl5pPr marL="1828800" indent="0">
+              <a:buNone/>
+              <a:defRPr sz="1600" b="1"/>
+            </a:lvl5pPr>
+            <a:lvl6pPr marL="2286000" indent="0">
+              <a:buNone/>
+              <a:defRPr sz="1600" b="1"/>
+            </a:lvl6pPr>
+            <a:lvl7pPr marL="2743200" indent="0">
+              <a:buNone/>
+              <a:defRPr sz="1600" b="1"/>
+            </a:lvl7pPr>
+            <a:lvl8pPr marL="3200400" indent="0">
+              <a:buNone/>
+              <a:defRPr sz="1600" b="1"/>
+            </a:lvl8pPr>
+            <a:lvl9pPr marL="3657600" indent="0">
+              <a:buNone/>
+              <a:defRPr sz="1600" b="1"/>
+            </a:lvl9pPr>
+          </a:lstStyle>
+          <a:p>
+            <a:pPr lvl="0"/>
+            <a:r>
+              <a:rPr lang="en-US"/>
+              <a:t>Click to edit Master text styles</a:t>
+            </a:r>
+          </a:p>
+        </p:txBody>
+      </p:sp>
+      <p:sp>
+        <p:nvSpPr>
+          <p:cNvPr id="19" name="Text Placeholder 3"/>
+          <p:cNvSpPr>
+            <a:spLocks noGrp="1"/>
+          </p:cNvSpPr>
+          <p:nvPr>
+            <p:ph type="body" sz="half" idx="16"/>
+          </p:nvPr>
+        </p:nvSpPr>
+        <p:spPr>
+          <a:xfrm>
+            <a:off x="3873106" y="2667000"/>
+            <a:ext cx="2946794" cy="3589338"/>
+          </a:xfrm>
+        </p:spPr>
+        <p:txBody>
+          <a:bodyPr anchor="t">
+            <a:normAutofit/>
+          </a:bodyPr>
+          <a:lstStyle>
+            <a:lvl1pPr marL="0" indent="0">
+              <a:buNone/>
+              <a:defRPr sz="1400"/>
+            </a:lvl1pPr>
+            <a:lvl2pPr marL="457200" indent="0">
+              <a:buNone/>
+              <a:defRPr sz="1200"/>
+            </a:lvl2pPr>
+            <a:lvl3pPr marL="914400" indent="0">
+              <a:buNone/>
+              <a:defRPr sz="1000"/>
+            </a:lvl3pPr>
+            <a:lvl4pPr marL="1371600" indent="0">
+              <a:buNone/>
+              <a:defRPr sz="900"/>
+            </a:lvl4pPr>
+            <a:lvl5pPr marL="1828800" indent="0">
+              <a:buNone/>
+              <a:defRPr sz="900"/>
+            </a:lvl5pPr>
+            <a:lvl6pPr marL="2286000" indent="0">
+              <a:buNone/>
+              <a:defRPr sz="900"/>
+            </a:lvl6pPr>
+            <a:lvl7pPr marL="2743200" indent="0">
+              <a:buNone/>
+              <a:defRPr sz="900"/>
+            </a:lvl7pPr>
+            <a:lvl8pPr marL="3200400" indent="0">
+              <a:buNone/>
+              <a:defRPr sz="900"/>
+            </a:lvl8pPr>
+            <a:lvl9pPr marL="3657600" indent="0">
+              <a:buNone/>
+              <a:defRPr sz="900"/>
+            </a:lvl9pPr>
+          </a:lstStyle>
+          <a:p>
+            <a:pPr lvl="0"/>
+            <a:r>
+              <a:rPr lang="en-US"/>
+              <a:t>Click to edit Master text styles</a:t>
+            </a:r>
+          </a:p>
+        </p:txBody>
+      </p:sp>
+      <p:sp>
+        <p:nvSpPr>
+          <p:cNvPr id="14" name="Text Placeholder 4"/>
+          <p:cNvSpPr>
+            <a:spLocks noGrp="1"/>
+          </p:cNvSpPr>
+          <p:nvPr>
+            <p:ph type="body" sz="quarter" idx="13"/>
+          </p:nvPr>
+        </p:nvSpPr>
+        <p:spPr>
+          <a:xfrm>
+            <a:off x="7124700" y="1981200"/>
+            <a:ext cx="2932113" cy="576262"/>
+          </a:xfrm>
+        </p:spPr>
+        <p:txBody>
+          <a:bodyPr anchor="b">
+            <a:noAutofit/>
+          </a:bodyPr>
+          <a:lstStyle>
+            <a:lvl1pPr marL="0" indent="0">
+              <a:buNone/>
+              <a:defRPr sz="2400" b="0">
+                <a:solidFill>
+                  <a:schemeClr val="bg2">
+                    <a:lumMod val="40000"/>
+                    <a:lumOff val="60000"/>
+                  </a:schemeClr>
+                </a:solidFill>
+              </a:defRPr>
+            </a:lvl1pPr>
+            <a:lvl2pPr marL="457200" indent="0">
+              <a:buNone/>
+              <a:defRPr sz="2000" b="1"/>
+            </a:lvl2pPr>
+            <a:lvl3pPr marL="914400" indent="0">
+              <a:buNone/>
+              <a:defRPr sz="1800" b="1"/>
+            </a:lvl3pPr>
+            <a:lvl4pPr marL="1371600" indent="0">
+              <a:buNone/>
+              <a:defRPr sz="1600" b="1"/>
+            </a:lvl4pPr>
+            <a:lvl5pPr marL="1828800" indent="0">
+              <a:buNone/>
+              <a:defRPr sz="1600" b="1"/>
+            </a:lvl5pPr>
+            <a:lvl6pPr marL="2286000" indent="0">
+              <a:buNone/>
+              <a:defRPr sz="1600" b="1"/>
+            </a:lvl6pPr>
+            <a:lvl7pPr marL="2743200" indent="0">
+              <a:buNone/>
+              <a:defRPr sz="1600" b="1"/>
+            </a:lvl7pPr>
+            <a:lvl8pPr marL="3200400" indent="0">
+              <a:buNone/>
+              <a:defRPr sz="1600" b="1"/>
+            </a:lvl8pPr>
+            <a:lvl9pPr marL="3657600" indent="0">
+              <a:buNone/>
+              <a:defRPr sz="1600" b="1"/>
+            </a:lvl9pPr>
+          </a:lstStyle>
+          <a:p>
+            <a:pPr lvl="0"/>
+            <a:r>
+              <a:rPr lang="en-US"/>
+              <a:t>Click to edit Master text styles</a:t>
+            </a:r>
+          </a:p>
+        </p:txBody>
+      </p:sp>
+      <p:sp>
+        <p:nvSpPr>
+          <p:cNvPr id="20" name="Text Placeholder 3"/>
+          <p:cNvSpPr>
+            <a:spLocks noGrp="1"/>
+          </p:cNvSpPr>
+          <p:nvPr>
+            <p:ph type="body" sz="half" idx="17"/>
+          </p:nvPr>
+        </p:nvSpPr>
+        <p:spPr>
+          <a:xfrm>
+            <a:off x="7124700" y="2667000"/>
+            <a:ext cx="2932113" cy="3589338"/>
+          </a:xfrm>
+        </p:spPr>
+        <p:txBody>
+          <a:bodyPr anchor="t">
+            <a:normAutofit/>
+          </a:bodyPr>
+          <a:lstStyle>
+            <a:lvl1pPr marL="0" indent="0">
+              <a:buNone/>
+              <a:defRPr sz="1400"/>
+            </a:lvl1pPr>
+            <a:lvl2pPr marL="457200" indent="0">
+              <a:buNone/>
+              <a:defRPr sz="1200"/>
+            </a:lvl2pPr>
+            <a:lvl3pPr marL="914400" indent="0">
+              <a:buNone/>
+              <a:defRPr sz="1000"/>
+            </a:lvl3pPr>
+            <a:lvl4pPr marL="1371600" indent="0">
+              <a:buNone/>
+              <a:defRPr sz="900"/>
+            </a:lvl4pPr>
+            <a:lvl5pPr marL="1828800" indent="0">
+              <a:buNone/>
+              <a:defRPr sz="900"/>
+            </a:lvl5pPr>
+            <a:lvl6pPr marL="2286000" indent="0">
+              <a:buNone/>
+              <a:defRPr sz="900"/>
+            </a:lvl6pPr>
+            <a:lvl7pPr marL="2743200" indent="0">
+              <a:buNone/>
+              <a:defRPr sz="900"/>
+            </a:lvl7pPr>
+            <a:lvl8pPr marL="3200400" indent="0">
+              <a:buNone/>
+              <a:defRPr sz="900"/>
+            </a:lvl8pPr>
+            <a:lvl9pPr marL="3657600" indent="0">
+              <a:buNone/>
+              <a:defRPr sz="900"/>
+            </a:lvl9pPr>
+          </a:lstStyle>
+          <a:p>
+            <a:pPr lvl="0"/>
+            <a:r>
+              <a:rPr lang="en-US"/>
+              <a:t>Click to edit Master text styles</a:t>
+            </a:r>
+          </a:p>
+        </p:txBody>
+      </p:sp>
+      <p:cxnSp>
+        <p:nvCxnSpPr>
+          <p:cNvPr id="17" name="Straight Connector 16"/>
+          <p:cNvCxnSpPr/>
+          <p:nvPr/>
+        </p:nvCxnSpPr>
+        <p:spPr>
+          <a:xfrm>
+            <a:off x="3726142" y="2133600"/>
+            <a:ext cx="0" cy="3962400"/>
+          </a:xfrm>
+          <a:prstGeom prst="line">
+            <a:avLst/>
+          </a:prstGeom>
+          <a:ln w="12700" cmpd="sng">
+            <a:solidFill>
+              <a:schemeClr val="bg2">
+                <a:lumMod val="40000"/>
+                <a:lumOff val="60000"/>
+                <a:alpha val="40000"/>
+              </a:schemeClr>
+            </a:solidFill>
+          </a:ln>
+        </p:spPr>
+        <p:style>
+          <a:lnRef idx="2">
+            <a:schemeClr val="accent1"/>
+          </a:lnRef>
+          <a:fillRef idx="0">
+            <a:schemeClr val="accent1"/>
+          </a:fillRef>
+          <a:effectRef idx="1">
+            <a:schemeClr val="accent1"/>
+          </a:effectRef>
+          <a:fontRef idx="minor">
+            <a:schemeClr val="tx1"/>
+          </a:fontRef>
+        </p:style>
+      </p:cxnSp>
+      <p:cxnSp>
+        <p:nvCxnSpPr>
+          <p:cNvPr id="18" name="Straight Connector 17"/>
+          <p:cNvCxnSpPr/>
+          <p:nvPr/>
+        </p:nvCxnSpPr>
+        <p:spPr>
+          <a:xfrm>
+            <a:off x="6962227" y="2133600"/>
+            <a:ext cx="0" cy="3966882"/>
+          </a:xfrm>
+          <a:prstGeom prst="line">
+            <a:avLst/>
+          </a:prstGeom>
+          <a:ln w="12700" cmpd="sng">
+            <a:solidFill>
+              <a:schemeClr val="bg2">
+                <a:lumMod val="40000"/>
+                <a:lumOff val="60000"/>
+                <a:alpha val="40000"/>
+              </a:schemeClr>
+            </a:solidFill>
+          </a:ln>
+        </p:spPr>
+        <p:style>
+          <a:lnRef idx="2">
+            <a:schemeClr val="accent1"/>
+          </a:lnRef>
+          <a:fillRef idx="0">
+            <a:schemeClr val="accent1"/>
+          </a:fillRef>
+          <a:effectRef idx="1">
+            <a:schemeClr val="accent1"/>
+          </a:effectRef>
+          <a:fontRef idx="minor">
+            <a:schemeClr val="tx1"/>
+          </a:fontRef>
+        </p:style>
+      </p:cxnSp>
+      <p:sp>
+        <p:nvSpPr>
+          <p:cNvPr id="7" name="Date Placeholder 3"/>
+          <p:cNvSpPr>
+            <a:spLocks noGrp="1"/>
+          </p:cNvSpPr>
+          <p:nvPr>
+            <p:ph type="dt" sz="half" idx="10"/>
+          </p:nvPr>
+        </p:nvSpPr>
+        <p:spPr/>
+        <p:txBody>
+          <a:bodyPr/>
+          <a:lstStyle/>
+          <a:p>
+            <a:fld id="{EAE8375A-8306-412D-BDCB-DB3A416C3ADC}" type="datetimeFigureOut">
+              <a:rPr lang="en-IN" smtClean="0"/>
+              <a:t>01-02-2021</a:t>
+            </a:fld>
+            <a:endParaRPr lang="en-IN"/>
+          </a:p>
+        </p:txBody>
+      </p:sp>
+      <p:sp>
+        <p:nvSpPr>
+          <p:cNvPr id="4" name="Footer Placeholder 4"/>
+          <p:cNvSpPr>
+            <a:spLocks noGrp="1"/>
+          </p:cNvSpPr>
+          <p:nvPr>
+            <p:ph type="ftr" sz="quarter" idx="11"/>
+          </p:nvPr>
+        </p:nvSpPr>
+        <p:spPr/>
+        <p:txBody>
+          <a:bodyPr/>
+          <a:lstStyle/>
+          <a:p>
+            <a:endParaRPr lang="en-IN"/>
+          </a:p>
+        </p:txBody>
+      </p:sp>
+      <p:sp>
+        <p:nvSpPr>
+          <p:cNvPr id="6" name="Slide Number Placeholder 5"/>
+          <p:cNvSpPr>
+            <a:spLocks noGrp="1"/>
+          </p:cNvSpPr>
+          <p:nvPr>
+            <p:ph type="sldNum" sz="quarter" idx="12"/>
+          </p:nvPr>
+        </p:nvSpPr>
+        <p:spPr/>
+        <p:txBody>
+          <a:bodyPr/>
+          <a:lstStyle/>
+          <a:p>
+            <a:fld id="{2F433A83-3F73-40E9-8D42-9E31BD9B811C}" type="slidenum">
+              <a:rPr lang="en-IN" smtClean="0"/>
+              <a:t>‹#›</a:t>
+            </a:fld>
+            <a:endParaRPr lang="en-IN"/>
+          </a:p>
+        </p:txBody>
+      </p:sp>
+    </p:spTree>
+    <p:extLst>
+      <p:ext uri="{BB962C8B-B14F-4D97-AF65-F5344CB8AC3E}">
+        <p14:creationId xmlns:p14="http://schemas.microsoft.com/office/powerpoint/2010/main" val="3130356970"/>
+      </p:ext>
+    </p:extLst>
+  </p:cSld>
+  <p:clrMapOvr>
+    <a:masterClrMapping/>
+  </p:clrMapOvr>
+</p:sldLayout>
+</file>
+
+<file path=ppt/slideLayouts/slideLayout15.xml><?xml version="1.0" encoding="utf-8"?>
+<p:sldLayout xmlns:a="http://schemas.openxmlformats.org/drawingml/2006/main" xmlns:r="http://schemas.openxmlformats.org/officeDocument/2006/relationships" xmlns:p="http://schemas.openxmlformats.org/presentationml/2006/main" preserve="1">
+  <p:cSld name="3 Picture Column">
+    <p:spTree>
+      <p:nvGrpSpPr>
+        <p:cNvPr id="1" name=""/>
+        <p:cNvGrpSpPr/>
+        <p:nvPr/>
+      </p:nvGrpSpPr>
+      <p:grpSpPr>
+        <a:xfrm>
+          <a:off x="0" y="0"/>
+          <a:ext cx="0" cy="0"/>
+          <a:chOff x="0" y="0"/>
+          <a:chExt cx="0" cy="0"/>
+        </a:xfrm>
+      </p:grpSpPr>
+      <p:sp>
+        <p:nvSpPr>
+          <p:cNvPr id="2" name="Title 1"/>
+          <p:cNvSpPr>
+            <a:spLocks noGrp="1"/>
+          </p:cNvSpPr>
+          <p:nvPr>
+            <p:ph type="title"/>
+          </p:nvPr>
+        </p:nvSpPr>
+        <p:spPr/>
+        <p:txBody>
+          <a:bodyPr/>
+          <a:lstStyle>
+            <a:lvl1pPr>
+              <a:defRPr sz="4200"/>
+            </a:lvl1pPr>
+          </a:lstStyle>
+          <a:p>
+            <a:r>
+              <a:rPr lang="en-US"/>
+              <a:t>Click to edit Master title style</a:t>
+            </a:r>
+            <a:endParaRPr lang="en-US" dirty="0"/>
+          </a:p>
+        </p:txBody>
+      </p:sp>
+      <p:sp>
+        <p:nvSpPr>
+          <p:cNvPr id="3" name="Text Placeholder 2"/>
+          <p:cNvSpPr>
+            <a:spLocks noGrp="1"/>
+          </p:cNvSpPr>
+          <p:nvPr>
+            <p:ph type="body" idx="1"/>
+          </p:nvPr>
+        </p:nvSpPr>
+        <p:spPr>
+          <a:xfrm>
+            <a:off x="652463" y="4250949"/>
+            <a:ext cx="2940050" cy="576262"/>
+          </a:xfrm>
+        </p:spPr>
+        <p:txBody>
+          <a:bodyPr anchor="b">
+            <a:noAutofit/>
+          </a:bodyPr>
+          <a:lstStyle>
+            <a:lvl1pPr marL="0" indent="0">
+              <a:buNone/>
+              <a:defRPr sz="2400" b="0">
+                <a:solidFill>
+                  <a:schemeClr val="bg2">
+                    <a:lumMod val="40000"/>
+                    <a:lumOff val="60000"/>
+                  </a:schemeClr>
+                </a:solidFill>
+              </a:defRPr>
+            </a:lvl1pPr>
+            <a:lvl2pPr marL="457200" indent="0">
+              <a:buNone/>
+              <a:defRPr sz="2000" b="1"/>
+            </a:lvl2pPr>
+            <a:lvl3pPr marL="914400" indent="0">
+              <a:buNone/>
+              <a:defRPr sz="1800" b="1"/>
+            </a:lvl3pPr>
+            <a:lvl4pPr marL="1371600" indent="0">
+              <a:buNone/>
+              <a:defRPr sz="1600" b="1"/>
+            </a:lvl4pPr>
+            <a:lvl5pPr marL="1828800" indent="0">
+              <a:buNone/>
+              <a:defRPr sz="1600" b="1"/>
+            </a:lvl5pPr>
+            <a:lvl6pPr marL="2286000" indent="0">
+              <a:buNone/>
+              <a:defRPr sz="1600" b="1"/>
+            </a:lvl6pPr>
+            <a:lvl7pPr marL="2743200" indent="0">
+              <a:buNone/>
+              <a:defRPr sz="1600" b="1"/>
+            </a:lvl7pPr>
+            <a:lvl8pPr marL="3200400" indent="0">
+              <a:buNone/>
+              <a:defRPr sz="1600" b="1"/>
+            </a:lvl8pPr>
+            <a:lvl9pPr marL="3657600" indent="0">
+              <a:buNone/>
+              <a:defRPr sz="1600" b="1"/>
+            </a:lvl9pPr>
+          </a:lstStyle>
+          <a:p>
+            <a:pPr lvl="0"/>
+            <a:r>
+              <a:rPr lang="en-US"/>
+              <a:t>Click to edit Master text styles</a:t>
+            </a:r>
+          </a:p>
+        </p:txBody>
+      </p:sp>
+      <p:sp>
+        <p:nvSpPr>
+          <p:cNvPr id="29" name="Picture Placeholder 2"/>
+          <p:cNvSpPr>
+            <a:spLocks noGrp="1" noChangeAspect="1"/>
+          </p:cNvSpPr>
+          <p:nvPr>
+            <p:ph type="pic" idx="15"/>
+          </p:nvPr>
+        </p:nvSpPr>
+        <p:spPr>
+          <a:xfrm>
+            <a:off x="652463" y="2209800"/>
+            <a:ext cx="2940050" cy="1524000"/>
+          </a:xfrm>
+          <a:prstGeom prst="roundRect">
+            <a:avLst>
+              <a:gd name="adj" fmla="val 1858"/>
+            </a:avLst>
+          </a:prstGeom>
+          <a:effectLst>
+            <a:outerShdw blurRad="50800" dist="50800" dir="5400000" algn="tl" rotWithShape="0">
+              <a:srgbClr val="000000">
+                <a:alpha val="43000"/>
+              </a:srgbClr>
+            </a:outerShdw>
+          </a:effectLst>
+        </p:spPr>
+        <p:txBody>
+          <a:bodyPr anchor="t">
+            <a:normAutofit/>
+          </a:bodyPr>
+          <a:lstStyle>
+            <a:lvl1pPr marL="0" indent="0" algn="ctr">
+              <a:buNone/>
+              <a:defRPr sz="1600"/>
+            </a:lvl1pPr>
+            <a:lvl2pPr marL="457200" indent="0">
+              <a:buNone/>
+              <a:defRPr sz="1600"/>
+            </a:lvl2pPr>
+            <a:lvl3pPr marL="914400" indent="0">
+              <a:buNone/>
+              <a:defRPr sz="1600"/>
+            </a:lvl3pPr>
+            <a:lvl4pPr marL="1371600" indent="0">
+              <a:buNone/>
+              <a:defRPr sz="1600"/>
+            </a:lvl4pPr>
+            <a:lvl5pPr marL="1828800" indent="0">
+              <a:buNone/>
+              <a:defRPr sz="1600"/>
+            </a:lvl5pPr>
+            <a:lvl6pPr marL="2286000" indent="0">
+              <a:buNone/>
+              <a:defRPr sz="1600"/>
+            </a:lvl6pPr>
+            <a:lvl7pPr marL="2743200" indent="0">
+              <a:buNone/>
+              <a:defRPr sz="1600"/>
+            </a:lvl7pPr>
+            <a:lvl8pPr marL="3200400" indent="0">
+              <a:buNone/>
+              <a:defRPr sz="1600"/>
+            </a:lvl8pPr>
+            <a:lvl9pPr marL="3657600" indent="0">
+              <a:buNone/>
+              <a:defRPr sz="1600"/>
+            </a:lvl9pPr>
+          </a:lstStyle>
+          <a:p>
+            <a:r>
+              <a:rPr lang="en-US"/>
+              <a:t>Click icon to add picture</a:t>
+            </a:r>
+            <a:endParaRPr lang="en-US" dirty="0"/>
+          </a:p>
+        </p:txBody>
+      </p:sp>
+      <p:sp>
+        <p:nvSpPr>
+          <p:cNvPr id="22" name="Text Placeholder 3"/>
+          <p:cNvSpPr>
+            <a:spLocks noGrp="1"/>
+          </p:cNvSpPr>
+          <p:nvPr>
+            <p:ph type="body" sz="half" idx="18"/>
+          </p:nvPr>
+        </p:nvSpPr>
+        <p:spPr>
+          <a:xfrm>
+            <a:off x="652463" y="4827211"/>
+            <a:ext cx="2940050" cy="659189"/>
+          </a:xfrm>
+        </p:spPr>
+        <p:txBody>
+          <a:bodyPr anchor="t">
+            <a:normAutofit/>
+          </a:bodyPr>
+          <a:lstStyle>
+            <a:lvl1pPr marL="0" indent="0">
+              <a:buNone/>
+              <a:defRPr sz="1400"/>
+            </a:lvl1pPr>
+            <a:lvl2pPr marL="457200" indent="0">
+              <a:buNone/>
+              <a:defRPr sz="1200"/>
+            </a:lvl2pPr>
+            <a:lvl3pPr marL="914400" indent="0">
+              <a:buNone/>
+              <a:defRPr sz="1000"/>
+            </a:lvl3pPr>
+            <a:lvl4pPr marL="1371600" indent="0">
+              <a:buNone/>
+              <a:defRPr sz="900"/>
+            </a:lvl4pPr>
+            <a:lvl5pPr marL="1828800" indent="0">
+              <a:buNone/>
+              <a:defRPr sz="900"/>
+            </a:lvl5pPr>
+            <a:lvl6pPr marL="2286000" indent="0">
+              <a:buNone/>
+              <a:defRPr sz="900"/>
+            </a:lvl6pPr>
+            <a:lvl7pPr marL="2743200" indent="0">
+              <a:buNone/>
+              <a:defRPr sz="900"/>
+            </a:lvl7pPr>
+            <a:lvl8pPr marL="3200400" indent="0">
+              <a:buNone/>
+              <a:defRPr sz="900"/>
+            </a:lvl8pPr>
+            <a:lvl9pPr marL="3657600" indent="0">
+              <a:buNone/>
+              <a:defRPr sz="900"/>
+            </a:lvl9pPr>
+          </a:lstStyle>
+          <a:p>
+            <a:pPr lvl="0"/>
+            <a:r>
+              <a:rPr lang="en-US"/>
+              <a:t>Click to edit Master text styles</a:t>
+            </a:r>
+          </a:p>
+        </p:txBody>
+      </p:sp>
+      <p:sp>
+        <p:nvSpPr>
+          <p:cNvPr id="5" name="Text Placeholder 4"/>
+          <p:cNvSpPr>
+            <a:spLocks noGrp="1"/>
+          </p:cNvSpPr>
+          <p:nvPr>
+            <p:ph type="body" sz="quarter" idx="3"/>
+          </p:nvPr>
+        </p:nvSpPr>
+        <p:spPr>
+          <a:xfrm>
+            <a:off x="3889375" y="4250949"/>
+            <a:ext cx="2930525" cy="576262"/>
+          </a:xfrm>
+        </p:spPr>
+        <p:txBody>
+          <a:bodyPr anchor="b">
+            <a:noAutofit/>
+          </a:bodyPr>
+          <a:lstStyle>
+            <a:lvl1pPr marL="0" indent="0">
+              <a:buNone/>
+              <a:defRPr sz="2400" b="0">
+                <a:solidFill>
+                  <a:schemeClr val="bg2">
+                    <a:lumMod val="40000"/>
+                    <a:lumOff val="60000"/>
+                  </a:schemeClr>
+                </a:solidFill>
+              </a:defRPr>
+            </a:lvl1pPr>
+            <a:lvl2pPr marL="457200" indent="0">
+              <a:buNone/>
+              <a:defRPr sz="2000" b="1"/>
+            </a:lvl2pPr>
+            <a:lvl3pPr marL="914400" indent="0">
+              <a:buNone/>
+              <a:defRPr sz="1800" b="1"/>
+            </a:lvl3pPr>
+            <a:lvl4pPr marL="1371600" indent="0">
+              <a:buNone/>
+              <a:defRPr sz="1600" b="1"/>
+            </a:lvl4pPr>
+            <a:lvl5pPr marL="1828800" indent="0">
+              <a:buNone/>
+              <a:defRPr sz="1600" b="1"/>
+            </a:lvl5pPr>
+            <a:lvl6pPr marL="2286000" indent="0">
+              <a:buNone/>
+              <a:defRPr sz="1600" b="1"/>
+            </a:lvl6pPr>
+            <a:lvl7pPr marL="2743200" indent="0">
+              <a:buNone/>
+              <a:defRPr sz="1600" b="1"/>
+            </a:lvl7pPr>
+            <a:lvl8pPr marL="3200400" indent="0">
+              <a:buNone/>
+              <a:defRPr sz="1600" b="1"/>
+            </a:lvl8pPr>
+            <a:lvl9pPr marL="3657600" indent="0">
+              <a:buNone/>
+              <a:defRPr sz="1600" b="1"/>
+            </a:lvl9pPr>
+          </a:lstStyle>
+          <a:p>
+            <a:pPr lvl="0"/>
+            <a:r>
+              <a:rPr lang="en-US"/>
+              <a:t>Click to edit Master text styles</a:t>
+            </a:r>
+          </a:p>
+        </p:txBody>
+      </p:sp>
+      <p:sp>
+        <p:nvSpPr>
+          <p:cNvPr id="30" name="Picture Placeholder 2"/>
+          <p:cNvSpPr>
+            <a:spLocks noGrp="1" noChangeAspect="1"/>
+          </p:cNvSpPr>
+          <p:nvPr>
+            <p:ph type="pic" idx="21"/>
+          </p:nvPr>
+        </p:nvSpPr>
+        <p:spPr>
+          <a:xfrm>
+            <a:off x="3889374" y="2209800"/>
+            <a:ext cx="2930525" cy="1524000"/>
+          </a:xfrm>
+          <a:prstGeom prst="roundRect">
+            <a:avLst>
+              <a:gd name="adj" fmla="val 1858"/>
+            </a:avLst>
+          </a:prstGeom>
+          <a:effectLst>
+            <a:outerShdw blurRad="50800" dist="50800" dir="5400000" algn="tl" rotWithShape="0">
+              <a:srgbClr val="000000">
+                <a:alpha val="43000"/>
+              </a:srgbClr>
+            </a:outerShdw>
+          </a:effectLst>
+        </p:spPr>
+        <p:txBody>
+          <a:bodyPr anchor="t">
+            <a:normAutofit/>
+          </a:bodyPr>
+          <a:lstStyle>
+            <a:lvl1pPr marL="0" indent="0" algn="ctr">
+              <a:buNone/>
+              <a:defRPr sz="1600"/>
+            </a:lvl1pPr>
+            <a:lvl2pPr marL="457200" indent="0">
+              <a:buNone/>
+              <a:defRPr sz="1600"/>
+            </a:lvl2pPr>
+            <a:lvl3pPr marL="914400" indent="0">
+              <a:buNone/>
+              <a:defRPr sz="1600"/>
+            </a:lvl3pPr>
+            <a:lvl4pPr marL="1371600" indent="0">
+              <a:buNone/>
+              <a:defRPr sz="1600"/>
+            </a:lvl4pPr>
+            <a:lvl5pPr marL="1828800" indent="0">
+              <a:buNone/>
+              <a:defRPr sz="1600"/>
+            </a:lvl5pPr>
+            <a:lvl6pPr marL="2286000" indent="0">
+              <a:buNone/>
+              <a:defRPr sz="1600"/>
+            </a:lvl6pPr>
+            <a:lvl7pPr marL="2743200" indent="0">
+              <a:buNone/>
+              <a:defRPr sz="1600"/>
+            </a:lvl7pPr>
+            <a:lvl8pPr marL="3200400" indent="0">
+              <a:buNone/>
+              <a:defRPr sz="1600"/>
+            </a:lvl8pPr>
+            <a:lvl9pPr marL="3657600" indent="0">
+              <a:buNone/>
+              <a:defRPr sz="1600"/>
+            </a:lvl9pPr>
+          </a:lstStyle>
+          <a:p>
+            <a:r>
+              <a:rPr lang="en-US"/>
+              <a:t>Click icon to add picture</a:t>
+            </a:r>
+            <a:endParaRPr lang="en-US" dirty="0"/>
+          </a:p>
+        </p:txBody>
+      </p:sp>
+      <p:sp>
+        <p:nvSpPr>
+          <p:cNvPr id="23" name="Text Placeholder 3"/>
+          <p:cNvSpPr>
+            <a:spLocks noGrp="1"/>
+          </p:cNvSpPr>
+          <p:nvPr>
+            <p:ph type="body" sz="half" idx="19"/>
+          </p:nvPr>
+        </p:nvSpPr>
+        <p:spPr>
+          <a:xfrm>
+            <a:off x="3888022" y="4827210"/>
+            <a:ext cx="2934406" cy="659189"/>
+          </a:xfrm>
+        </p:spPr>
+        <p:txBody>
+          <a:bodyPr anchor="t">
+            <a:normAutofit/>
+          </a:bodyPr>
+          <a:lstStyle>
+            <a:lvl1pPr marL="0" indent="0">
+              <a:buNone/>
+              <a:defRPr sz="1400"/>
+            </a:lvl1pPr>
+            <a:lvl2pPr marL="457200" indent="0">
+              <a:buNone/>
+              <a:defRPr sz="1200"/>
+            </a:lvl2pPr>
+            <a:lvl3pPr marL="914400" indent="0">
+              <a:buNone/>
+              <a:defRPr sz="1000"/>
+            </a:lvl3pPr>
+            <a:lvl4pPr marL="1371600" indent="0">
+              <a:buNone/>
+              <a:defRPr sz="900"/>
+            </a:lvl4pPr>
+            <a:lvl5pPr marL="1828800" indent="0">
+              <a:buNone/>
+              <a:defRPr sz="900"/>
+            </a:lvl5pPr>
+            <a:lvl6pPr marL="2286000" indent="0">
+              <a:buNone/>
+              <a:defRPr sz="900"/>
+            </a:lvl6pPr>
+            <a:lvl7pPr marL="2743200" indent="0">
+              <a:buNone/>
+              <a:defRPr sz="900"/>
+            </a:lvl7pPr>
+            <a:lvl8pPr marL="3200400" indent="0">
+              <a:buNone/>
+              <a:defRPr sz="900"/>
+            </a:lvl8pPr>
+            <a:lvl9pPr marL="3657600" indent="0">
+              <a:buNone/>
+              <a:defRPr sz="900"/>
+            </a:lvl9pPr>
+          </a:lstStyle>
+          <a:p>
+            <a:pPr lvl="0"/>
+            <a:r>
+              <a:rPr lang="en-US"/>
+              <a:t>Click to edit Master text styles</a:t>
+            </a:r>
+          </a:p>
+        </p:txBody>
+      </p:sp>
+      <p:sp>
+        <p:nvSpPr>
+          <p:cNvPr id="14" name="Text Placeholder 4"/>
+          <p:cNvSpPr>
+            <a:spLocks noGrp="1"/>
+          </p:cNvSpPr>
+          <p:nvPr>
+            <p:ph type="body" sz="quarter" idx="13"/>
+          </p:nvPr>
+        </p:nvSpPr>
+        <p:spPr>
+          <a:xfrm>
+            <a:off x="7124700" y="4250949"/>
+            <a:ext cx="2932113" cy="576262"/>
+          </a:xfrm>
+        </p:spPr>
+        <p:txBody>
+          <a:bodyPr anchor="b">
+            <a:noAutofit/>
+          </a:bodyPr>
+          <a:lstStyle>
+            <a:lvl1pPr marL="0" indent="0">
+              <a:buNone/>
+              <a:defRPr sz="2400" b="0">
+                <a:solidFill>
+                  <a:schemeClr val="bg2">
+                    <a:lumMod val="40000"/>
+                    <a:lumOff val="60000"/>
+                  </a:schemeClr>
+                </a:solidFill>
+              </a:defRPr>
+            </a:lvl1pPr>
+            <a:lvl2pPr marL="457200" indent="0">
+              <a:buNone/>
+              <a:defRPr sz="2000" b="1"/>
+            </a:lvl2pPr>
+            <a:lvl3pPr marL="914400" indent="0">
+              <a:buNone/>
+              <a:defRPr sz="1800" b="1"/>
+            </a:lvl3pPr>
+            <a:lvl4pPr marL="1371600" indent="0">
+              <a:buNone/>
+              <a:defRPr sz="1600" b="1"/>
+            </a:lvl4pPr>
+            <a:lvl5pPr marL="1828800" indent="0">
+              <a:buNone/>
+              <a:defRPr sz="1600" b="1"/>
+            </a:lvl5pPr>
+            <a:lvl6pPr marL="2286000" indent="0">
+              <a:buNone/>
+              <a:defRPr sz="1600" b="1"/>
+            </a:lvl6pPr>
+            <a:lvl7pPr marL="2743200" indent="0">
+              <a:buNone/>
+              <a:defRPr sz="1600" b="1"/>
+            </a:lvl7pPr>
+            <a:lvl8pPr marL="3200400" indent="0">
+              <a:buNone/>
+              <a:defRPr sz="1600" b="1"/>
+            </a:lvl8pPr>
+            <a:lvl9pPr marL="3657600" indent="0">
+              <a:buNone/>
+              <a:defRPr sz="1600" b="1"/>
+            </a:lvl9pPr>
+          </a:lstStyle>
+          <a:p>
+            <a:pPr lvl="0"/>
+            <a:r>
+              <a:rPr lang="en-US"/>
+              <a:t>Click to edit Master text styles</a:t>
+            </a:r>
+          </a:p>
+        </p:txBody>
+      </p:sp>
+      <p:sp>
+        <p:nvSpPr>
+          <p:cNvPr id="31" name="Picture Placeholder 2"/>
+          <p:cNvSpPr>
+            <a:spLocks noGrp="1" noChangeAspect="1"/>
+          </p:cNvSpPr>
+          <p:nvPr>
+            <p:ph type="pic" idx="22"/>
+          </p:nvPr>
+        </p:nvSpPr>
+        <p:spPr>
+          <a:xfrm>
+            <a:off x="7124699" y="2209800"/>
+            <a:ext cx="2932113" cy="1524000"/>
+          </a:xfrm>
+          <a:prstGeom prst="roundRect">
+            <a:avLst>
+              <a:gd name="adj" fmla="val 1858"/>
+            </a:avLst>
+          </a:prstGeom>
+          <a:effectLst>
+            <a:outerShdw blurRad="50800" dist="50800" dir="5400000" algn="tl" rotWithShape="0">
+              <a:srgbClr val="000000">
+                <a:alpha val="43000"/>
+              </a:srgbClr>
+            </a:outerShdw>
+          </a:effectLst>
+        </p:spPr>
+        <p:txBody>
+          <a:bodyPr anchor="t">
+            <a:normAutofit/>
+          </a:bodyPr>
+          <a:lstStyle>
+            <a:lvl1pPr marL="0" indent="0" algn="ctr">
+              <a:buNone/>
+              <a:defRPr sz="1600"/>
+            </a:lvl1pPr>
+            <a:lvl2pPr marL="457200" indent="0">
+              <a:buNone/>
+              <a:defRPr sz="1600"/>
+            </a:lvl2pPr>
+            <a:lvl3pPr marL="914400" indent="0">
+              <a:buNone/>
+              <a:defRPr sz="1600"/>
+            </a:lvl3pPr>
+            <a:lvl4pPr marL="1371600" indent="0">
+              <a:buNone/>
+              <a:defRPr sz="1600"/>
+            </a:lvl4pPr>
+            <a:lvl5pPr marL="1828800" indent="0">
+              <a:buNone/>
+              <a:defRPr sz="1600"/>
+            </a:lvl5pPr>
+            <a:lvl6pPr marL="2286000" indent="0">
+              <a:buNone/>
+              <a:defRPr sz="1600"/>
+            </a:lvl6pPr>
+            <a:lvl7pPr marL="2743200" indent="0">
+              <a:buNone/>
+              <a:defRPr sz="1600"/>
+            </a:lvl7pPr>
+            <a:lvl8pPr marL="3200400" indent="0">
+              <a:buNone/>
+              <a:defRPr sz="1600"/>
+            </a:lvl8pPr>
+            <a:lvl9pPr marL="3657600" indent="0">
+              <a:buNone/>
+              <a:defRPr sz="1600"/>
+            </a:lvl9pPr>
+          </a:lstStyle>
+          <a:p>
+            <a:r>
+              <a:rPr lang="en-US"/>
+              <a:t>Click icon to add picture</a:t>
+            </a:r>
+            <a:endParaRPr lang="en-US" dirty="0"/>
+          </a:p>
+        </p:txBody>
+      </p:sp>
+      <p:sp>
+        <p:nvSpPr>
+          <p:cNvPr id="24" name="Text Placeholder 3"/>
+          <p:cNvSpPr>
+            <a:spLocks noGrp="1"/>
+          </p:cNvSpPr>
+          <p:nvPr>
+            <p:ph type="body" sz="half" idx="20"/>
+          </p:nvPr>
+        </p:nvSpPr>
+        <p:spPr>
+          <a:xfrm>
+            <a:off x="7124575" y="4827208"/>
+            <a:ext cx="2935997" cy="659189"/>
+          </a:xfrm>
+        </p:spPr>
+        <p:txBody>
+          <a:bodyPr anchor="t">
+            <a:normAutofit/>
+          </a:bodyPr>
+          <a:lstStyle>
+            <a:lvl1pPr marL="0" indent="0">
+              <a:buNone/>
+              <a:defRPr sz="1400"/>
+            </a:lvl1pPr>
+            <a:lvl2pPr marL="457200" indent="0">
+              <a:buNone/>
+              <a:defRPr sz="1200"/>
+            </a:lvl2pPr>
+            <a:lvl3pPr marL="914400" indent="0">
+              <a:buNone/>
+              <a:defRPr sz="1000"/>
+            </a:lvl3pPr>
+            <a:lvl4pPr marL="1371600" indent="0">
+              <a:buNone/>
+              <a:defRPr sz="900"/>
+            </a:lvl4pPr>
+            <a:lvl5pPr marL="1828800" indent="0">
+              <a:buNone/>
+              <a:defRPr sz="900"/>
+            </a:lvl5pPr>
+            <a:lvl6pPr marL="2286000" indent="0">
+              <a:buNone/>
+              <a:defRPr sz="900"/>
+            </a:lvl6pPr>
+            <a:lvl7pPr marL="2743200" indent="0">
+              <a:buNone/>
+              <a:defRPr sz="900"/>
+            </a:lvl7pPr>
+            <a:lvl8pPr marL="3200400" indent="0">
+              <a:buNone/>
+              <a:defRPr sz="900"/>
+            </a:lvl8pPr>
+            <a:lvl9pPr marL="3657600" indent="0">
+              <a:buNone/>
+              <a:defRPr sz="900"/>
+            </a:lvl9pPr>
+          </a:lstStyle>
+          <a:p>
+            <a:pPr lvl="0"/>
+            <a:r>
+              <a:rPr lang="en-US"/>
+              <a:t>Click to edit Master text styles</a:t>
+            </a:r>
+          </a:p>
+        </p:txBody>
+      </p:sp>
+      <p:cxnSp>
+        <p:nvCxnSpPr>
+          <p:cNvPr id="19" name="Straight Connector 18"/>
+          <p:cNvCxnSpPr/>
+          <p:nvPr/>
+        </p:nvCxnSpPr>
+        <p:spPr>
+          <a:xfrm>
+            <a:off x="3726142" y="2133600"/>
+            <a:ext cx="0" cy="3962400"/>
+          </a:xfrm>
+          <a:prstGeom prst="line">
+            <a:avLst/>
+          </a:prstGeom>
+          <a:ln w="12700" cmpd="sng">
+            <a:solidFill>
+              <a:schemeClr val="bg2">
+                <a:lumMod val="40000"/>
+                <a:lumOff val="60000"/>
+                <a:alpha val="40000"/>
+              </a:schemeClr>
+            </a:solidFill>
+          </a:ln>
+        </p:spPr>
+        <p:style>
+          <a:lnRef idx="2">
+            <a:schemeClr val="accent1"/>
+          </a:lnRef>
+          <a:fillRef idx="0">
+            <a:schemeClr val="accent1"/>
+          </a:fillRef>
+          <a:effectRef idx="1">
+            <a:schemeClr val="accent1"/>
+          </a:effectRef>
+          <a:fontRef idx="minor">
+            <a:schemeClr val="tx1"/>
+          </a:fontRef>
+        </p:style>
+      </p:cxnSp>
+      <p:cxnSp>
+        <p:nvCxnSpPr>
+          <p:cNvPr id="20" name="Straight Connector 19"/>
+          <p:cNvCxnSpPr/>
+          <p:nvPr/>
+        </p:nvCxnSpPr>
+        <p:spPr>
+          <a:xfrm>
+            <a:off x="6962227" y="2133600"/>
+            <a:ext cx="0" cy="3966882"/>
+          </a:xfrm>
+          <a:prstGeom prst="line">
+            <a:avLst/>
+          </a:prstGeom>
+          <a:ln w="12700" cmpd="sng">
+            <a:solidFill>
+              <a:schemeClr val="bg2">
+                <a:lumMod val="40000"/>
+                <a:lumOff val="60000"/>
+                <a:alpha val="40000"/>
+              </a:schemeClr>
+            </a:solidFill>
+          </a:ln>
+        </p:spPr>
+        <p:style>
+          <a:lnRef idx="2">
+            <a:schemeClr val="accent1"/>
+          </a:lnRef>
+          <a:fillRef idx="0">
+            <a:schemeClr val="accent1"/>
+          </a:fillRef>
+          <a:effectRef idx="1">
+            <a:schemeClr val="accent1"/>
+          </a:effectRef>
+          <a:fontRef idx="minor">
+            <a:schemeClr val="tx1"/>
+          </a:fontRef>
+        </p:style>
+      </p:cxnSp>
+      <p:sp>
+        <p:nvSpPr>
+          <p:cNvPr id="7" name="Date Placeholder 3"/>
+          <p:cNvSpPr>
+            <a:spLocks noGrp="1"/>
+          </p:cNvSpPr>
+          <p:nvPr>
+            <p:ph type="dt" sz="half" idx="10"/>
+          </p:nvPr>
+        </p:nvSpPr>
+        <p:spPr/>
+        <p:txBody>
+          <a:bodyPr/>
+          <a:lstStyle/>
+          <a:p>
+            <a:fld id="{EAE8375A-8306-412D-BDCB-DB3A416C3ADC}" type="datetimeFigureOut">
+              <a:rPr lang="en-IN" smtClean="0"/>
+              <a:t>01-02-2021</a:t>
+            </a:fld>
+            <a:endParaRPr lang="en-IN"/>
+          </a:p>
+        </p:txBody>
+      </p:sp>
+      <p:sp>
+        <p:nvSpPr>
+          <p:cNvPr id="4" name="Footer Placeholder 4"/>
+          <p:cNvSpPr>
+            <a:spLocks noGrp="1"/>
+          </p:cNvSpPr>
+          <p:nvPr>
+            <p:ph type="ftr" sz="quarter" idx="11"/>
+          </p:nvPr>
+        </p:nvSpPr>
+        <p:spPr/>
+        <p:txBody>
+          <a:bodyPr/>
+          <a:lstStyle/>
+          <a:p>
+            <a:endParaRPr lang="en-IN"/>
+          </a:p>
+        </p:txBody>
+      </p:sp>
+      <p:sp>
+        <p:nvSpPr>
+          <p:cNvPr id="6" name="Slide Number Placeholder 5"/>
+          <p:cNvSpPr>
+            <a:spLocks noGrp="1"/>
+          </p:cNvSpPr>
+          <p:nvPr>
+            <p:ph type="sldNum" sz="quarter" idx="12"/>
+          </p:nvPr>
+        </p:nvSpPr>
+        <p:spPr/>
+        <p:txBody>
+          <a:bodyPr/>
+          <a:lstStyle/>
+          <a:p>
+            <a:fld id="{2F433A83-3F73-40E9-8D42-9E31BD9B811C}" type="slidenum">
+              <a:rPr lang="en-IN" smtClean="0"/>
+              <a:t>‹#›</a:t>
+            </a:fld>
+            <a:endParaRPr lang="en-IN"/>
+          </a:p>
+        </p:txBody>
+      </p:sp>
+    </p:spTree>
+    <p:extLst>
+      <p:ext uri="{BB962C8B-B14F-4D97-AF65-F5344CB8AC3E}">
+        <p14:creationId xmlns:p14="http://schemas.microsoft.com/office/powerpoint/2010/main" val="686790582"/>
+      </p:ext>
+    </p:extLst>
+  </p:cSld>
+  <p:clrMapOvr>
+    <a:masterClrMapping/>
+  </p:clrMapOvr>
+</p:sldLayout>
+</file>
+
+<file path=ppt/slideLayouts/slideLayout16.xml><?xml version="1.0" encoding="utf-8"?>
 <p:sldLayout xmlns:a="http://schemas.openxmlformats.org/drawingml/2006/main" xmlns:r="http://schemas.openxmlformats.org/officeDocument/2006/relationships" xmlns:p="http://schemas.openxmlformats.org/presentationml/2006/main" type="vertTx" preserve="1">
   <p:cSld name="Title and Vertical Text">
     <p:spTree>
@@ -377,13 +2970,7 @@
       </p:grpSpPr>
       <p:sp>
         <p:nvSpPr>
-          <p:cNvPr id="2" name="Title 1">
-            <a:extLst>
-              <a:ext uri="{FF2B5EF4-FFF2-40B4-BE49-F238E27FC236}">
-                <a16:creationId xmlns:a16="http://schemas.microsoft.com/office/drawing/2014/main" id="{A73BB96C-D32D-4F78-B468-FEAE89643A88}"/>
-              </a:ext>
-            </a:extLst>
-          </p:cNvPr>
+          <p:cNvPr id="2" name="Title 1"/>
           <p:cNvSpPr>
             <a:spLocks noGrp="1"/>
           </p:cNvSpPr>
@@ -400,19 +2987,13 @@
               <a:rPr lang="en-US"/>
               <a:t>Click to edit Master title style</a:t>
             </a:r>
-            <a:endParaRPr lang="en-IN"/>
-          </a:p>
-        </p:txBody>
-      </p:sp>
-      <p:sp>
-        <p:nvSpPr>
-          <p:cNvPr id="3" name="Vertical Text Placeholder 2">
-            <a:extLst>
-              <a:ext uri="{FF2B5EF4-FFF2-40B4-BE49-F238E27FC236}">
-                <a16:creationId xmlns:a16="http://schemas.microsoft.com/office/drawing/2014/main" id="{39EE5CE1-DE06-45D8-B88B-26FEF7715047}"/>
-              </a:ext>
-            </a:extLst>
-          </p:cNvPr>
+            <a:endParaRPr lang="en-US" dirty="0"/>
+          </a:p>
+        </p:txBody>
+      </p:sp>
+      <p:sp>
+        <p:nvSpPr>
+          <p:cNvPr id="3" name="Vertical Text Placeholder 2"/>
           <p:cNvSpPr>
             <a:spLocks noGrp="1"/>
           </p:cNvSpPr>
@@ -422,7 +3003,7 @@
         </p:nvSpPr>
         <p:spPr/>
         <p:txBody>
-          <a:bodyPr vert="eaVert"/>
+          <a:bodyPr vert="eaVert" anchor="t" anchorCtr="0"/>
           <a:lstStyle/>
           <a:p>
             <a:pPr lvl="0"/>
@@ -458,19 +3039,13 @@
               <a:rPr lang="en-US"/>
               <a:t>Fifth level</a:t>
             </a:r>
-            <a:endParaRPr lang="en-IN"/>
-          </a:p>
-        </p:txBody>
-      </p:sp>
-      <p:sp>
-        <p:nvSpPr>
-          <p:cNvPr id="4" name="Date Placeholder 3">
-            <a:extLst>
-              <a:ext uri="{FF2B5EF4-FFF2-40B4-BE49-F238E27FC236}">
-                <a16:creationId xmlns:a16="http://schemas.microsoft.com/office/drawing/2014/main" id="{13F13E84-7CCF-4C00-A8CF-557C3781B77C}"/>
-              </a:ext>
-            </a:extLst>
-          </p:cNvPr>
+            <a:endParaRPr lang="en-US" dirty="0"/>
+          </a:p>
+        </p:txBody>
+      </p:sp>
+      <p:sp>
+        <p:nvSpPr>
+          <p:cNvPr id="4" name="Date Placeholder 3"/>
           <p:cNvSpPr>
             <a:spLocks noGrp="1"/>
           </p:cNvSpPr>
@@ -485,7 +3060,7 @@
           <a:p>
             <a:fld id="{EAE8375A-8306-412D-BDCB-DB3A416C3ADC}" type="datetimeFigureOut">
               <a:rPr lang="en-IN" smtClean="0"/>
-              <a:t>29-01-2021</a:t>
+              <a:t>01-02-2021</a:t>
             </a:fld>
             <a:endParaRPr lang="en-IN"/>
           </a:p>
@@ -493,13 +3068,7 @@
       </p:sp>
       <p:sp>
         <p:nvSpPr>
-          <p:cNvPr id="5" name="Footer Placeholder 4">
-            <a:extLst>
-              <a:ext uri="{FF2B5EF4-FFF2-40B4-BE49-F238E27FC236}">
-                <a16:creationId xmlns:a16="http://schemas.microsoft.com/office/drawing/2014/main" id="{11D8ECA8-9B5E-4FE3-AC52-D44EA4BC242D}"/>
-              </a:ext>
-            </a:extLst>
-          </p:cNvPr>
+          <p:cNvPr id="5" name="Footer Placeholder 4"/>
           <p:cNvSpPr>
             <a:spLocks noGrp="1"/>
           </p:cNvSpPr>
@@ -518,13 +3087,7 @@
       </p:sp>
       <p:sp>
         <p:nvSpPr>
-          <p:cNvPr id="6" name="Slide Number Placeholder 5">
-            <a:extLst>
-              <a:ext uri="{FF2B5EF4-FFF2-40B4-BE49-F238E27FC236}">
-                <a16:creationId xmlns:a16="http://schemas.microsoft.com/office/drawing/2014/main" id="{23FE8A63-A896-4A73-B338-514A00805F34}"/>
-              </a:ext>
-            </a:extLst>
-          </p:cNvPr>
+          <p:cNvPr id="6" name="Slide Number Placeholder 5"/>
           <p:cNvSpPr>
             <a:spLocks noGrp="1"/>
           </p:cNvSpPr>
@@ -548,7 +3111,7 @@
     </p:spTree>
     <p:extLst>
       <p:ext uri="{BB962C8B-B14F-4D97-AF65-F5344CB8AC3E}">
-        <p14:creationId xmlns:p14="http://schemas.microsoft.com/office/powerpoint/2010/main" val="4126260947"/>
+        <p14:creationId xmlns:p14="http://schemas.microsoft.com/office/powerpoint/2010/main" val="2247048666"/>
       </p:ext>
     </p:extLst>
   </p:cSld>
@@ -558,7 +3121,7 @@
 </p:sldLayout>
 </file>
 
-<file path=ppt/slideLayouts/slideLayout11.xml><?xml version="1.0" encoding="utf-8"?>
+<file path=ppt/slideLayouts/slideLayout17.xml><?xml version="1.0" encoding="utf-8"?>
 <p:sldLayout xmlns:a="http://schemas.openxmlformats.org/drawingml/2006/main" xmlns:r="http://schemas.openxmlformats.org/officeDocument/2006/relationships" xmlns:p="http://schemas.openxmlformats.org/presentationml/2006/main" type="vertTitleAndTx" preserve="1">
   <p:cSld name="Vertical Title and Text">
     <p:spTree>
@@ -577,13 +3140,7 @@
       </p:grpSpPr>
       <p:sp>
         <p:nvSpPr>
-          <p:cNvPr id="2" name="Vertical Title 1">
-            <a:extLst>
-              <a:ext uri="{FF2B5EF4-FFF2-40B4-BE49-F238E27FC236}">
-                <a16:creationId xmlns:a16="http://schemas.microsoft.com/office/drawing/2014/main" id="{BE85CBBB-7E43-41C4-B155-29A2A9A524E4}"/>
-              </a:ext>
-            </a:extLst>
-          </p:cNvPr>
+          <p:cNvPr id="2" name="Vertical Title 1"/>
           <p:cNvSpPr>
             <a:spLocks noGrp="1"/>
           </p:cNvSpPr>
@@ -593,31 +3150,25 @@
         </p:nvSpPr>
         <p:spPr>
           <a:xfrm>
-            <a:off x="8724900" y="365125"/>
-            <a:ext cx="2628900" cy="5811838"/>
+            <a:off x="8304212" y="430213"/>
+            <a:ext cx="1752601" cy="5826125"/>
           </a:xfrm>
         </p:spPr>
         <p:txBody>
-          <a:bodyPr vert="eaVert"/>
+          <a:bodyPr vert="eaVert" anchor="b" anchorCtr="0"/>
           <a:lstStyle/>
           <a:p>
             <a:r>
               <a:rPr lang="en-US"/>
               <a:t>Click to edit Master title style</a:t>
             </a:r>
-            <a:endParaRPr lang="en-IN"/>
-          </a:p>
-        </p:txBody>
-      </p:sp>
-      <p:sp>
-        <p:nvSpPr>
-          <p:cNvPr id="3" name="Vertical Text Placeholder 2">
-            <a:extLst>
-              <a:ext uri="{FF2B5EF4-FFF2-40B4-BE49-F238E27FC236}">
-                <a16:creationId xmlns:a16="http://schemas.microsoft.com/office/drawing/2014/main" id="{56E85A0D-AA36-4D03-AD4D-27469819F78F}"/>
-              </a:ext>
-            </a:extLst>
-          </p:cNvPr>
+            <a:endParaRPr lang="en-US" dirty="0"/>
+          </a:p>
+        </p:txBody>
+      </p:sp>
+      <p:sp>
+        <p:nvSpPr>
+          <p:cNvPr id="3" name="Vertical Text Placeholder 2"/>
           <p:cNvSpPr>
             <a:spLocks noGrp="1"/>
           </p:cNvSpPr>
@@ -627,8 +3178,8 @@
         </p:nvSpPr>
         <p:spPr>
           <a:xfrm>
-            <a:off x="838200" y="365125"/>
-            <a:ext cx="7734300" cy="5811838"/>
+            <a:off x="652463" y="887414"/>
+            <a:ext cx="7423149" cy="5368924"/>
           </a:xfrm>
         </p:spPr>
         <p:txBody>
@@ -668,19 +3219,13 @@
               <a:rPr lang="en-US"/>
               <a:t>Fifth level</a:t>
             </a:r>
-            <a:endParaRPr lang="en-IN"/>
-          </a:p>
-        </p:txBody>
-      </p:sp>
-      <p:sp>
-        <p:nvSpPr>
-          <p:cNvPr id="4" name="Date Placeholder 3">
-            <a:extLst>
-              <a:ext uri="{FF2B5EF4-FFF2-40B4-BE49-F238E27FC236}">
-                <a16:creationId xmlns:a16="http://schemas.microsoft.com/office/drawing/2014/main" id="{4B019AB2-15AD-4587-8F7D-08D5D2024294}"/>
-              </a:ext>
-            </a:extLst>
-          </p:cNvPr>
+            <a:endParaRPr lang="en-US" dirty="0"/>
+          </a:p>
+        </p:txBody>
+      </p:sp>
+      <p:sp>
+        <p:nvSpPr>
+          <p:cNvPr id="4" name="Date Placeholder 3"/>
           <p:cNvSpPr>
             <a:spLocks noGrp="1"/>
           </p:cNvSpPr>
@@ -695,7 +3240,7 @@
           <a:p>
             <a:fld id="{EAE8375A-8306-412D-BDCB-DB3A416C3ADC}" type="datetimeFigureOut">
               <a:rPr lang="en-IN" smtClean="0"/>
-              <a:t>29-01-2021</a:t>
+              <a:t>01-02-2021</a:t>
             </a:fld>
             <a:endParaRPr lang="en-IN"/>
           </a:p>
@@ -703,13 +3248,7 @@
       </p:sp>
       <p:sp>
         <p:nvSpPr>
-          <p:cNvPr id="5" name="Footer Placeholder 4">
-            <a:extLst>
-              <a:ext uri="{FF2B5EF4-FFF2-40B4-BE49-F238E27FC236}">
-                <a16:creationId xmlns:a16="http://schemas.microsoft.com/office/drawing/2014/main" id="{8721BD35-F649-4F8E-AF8A-568BED7B71C5}"/>
-              </a:ext>
-            </a:extLst>
-          </p:cNvPr>
+          <p:cNvPr id="5" name="Footer Placeholder 4"/>
           <p:cNvSpPr>
             <a:spLocks noGrp="1"/>
           </p:cNvSpPr>
@@ -728,13 +3267,7 @@
       </p:sp>
       <p:sp>
         <p:nvSpPr>
-          <p:cNvPr id="6" name="Slide Number Placeholder 5">
-            <a:extLst>
-              <a:ext uri="{FF2B5EF4-FFF2-40B4-BE49-F238E27FC236}">
-                <a16:creationId xmlns:a16="http://schemas.microsoft.com/office/drawing/2014/main" id="{B8A6E294-46CD-4A63-863F-DA80CA4CC3D3}"/>
-              </a:ext>
-            </a:extLst>
-          </p:cNvPr>
+          <p:cNvPr id="6" name="Slide Number Placeholder 5"/>
           <p:cNvSpPr>
             <a:spLocks noGrp="1"/>
           </p:cNvSpPr>
@@ -758,7 +3291,7 @@
     </p:spTree>
     <p:extLst>
       <p:ext uri="{BB962C8B-B14F-4D97-AF65-F5344CB8AC3E}">
-        <p14:creationId xmlns:p14="http://schemas.microsoft.com/office/powerpoint/2010/main" val="2004533614"/>
+        <p14:creationId xmlns:p14="http://schemas.microsoft.com/office/powerpoint/2010/main" val="763730062"/>
       </p:ext>
     </p:extLst>
   </p:cSld>
@@ -787,13 +3320,7 @@
       </p:grpSpPr>
       <p:sp>
         <p:nvSpPr>
-          <p:cNvPr id="2" name="Title 1">
-            <a:extLst>
-              <a:ext uri="{FF2B5EF4-FFF2-40B4-BE49-F238E27FC236}">
-                <a16:creationId xmlns:a16="http://schemas.microsoft.com/office/drawing/2014/main" id="{8BF1459F-04B8-49F0-96F1-167BD00C646D}"/>
-              </a:ext>
-            </a:extLst>
-          </p:cNvPr>
+          <p:cNvPr id="2" name="Title 1"/>
           <p:cNvSpPr>
             <a:spLocks noGrp="1"/>
           </p:cNvSpPr>
@@ -810,19 +3337,13 @@
               <a:rPr lang="en-US"/>
               <a:t>Click to edit Master title style</a:t>
             </a:r>
-            <a:endParaRPr lang="en-IN"/>
-          </a:p>
-        </p:txBody>
-      </p:sp>
-      <p:sp>
-        <p:nvSpPr>
-          <p:cNvPr id="3" name="Content Placeholder 2">
-            <a:extLst>
-              <a:ext uri="{FF2B5EF4-FFF2-40B4-BE49-F238E27FC236}">
-                <a16:creationId xmlns:a16="http://schemas.microsoft.com/office/drawing/2014/main" id="{9A7AD602-AA63-4E59-81A2-28EE7A050DDA}"/>
-              </a:ext>
-            </a:extLst>
-          </p:cNvPr>
+            <a:endParaRPr lang="en-US" dirty="0"/>
+          </a:p>
+        </p:txBody>
+      </p:sp>
+      <p:sp>
+        <p:nvSpPr>
+          <p:cNvPr id="3" name="Content Placeholder 2"/>
           <p:cNvSpPr>
             <a:spLocks noGrp="1"/>
           </p:cNvSpPr>
@@ -868,19 +3389,13 @@
               <a:rPr lang="en-US"/>
               <a:t>Fifth level</a:t>
             </a:r>
-            <a:endParaRPr lang="en-IN"/>
-          </a:p>
-        </p:txBody>
-      </p:sp>
-      <p:sp>
-        <p:nvSpPr>
-          <p:cNvPr id="4" name="Date Placeholder 3">
-            <a:extLst>
-              <a:ext uri="{FF2B5EF4-FFF2-40B4-BE49-F238E27FC236}">
-                <a16:creationId xmlns:a16="http://schemas.microsoft.com/office/drawing/2014/main" id="{F955CA69-BF07-4BB9-AF26-642A2553CB3C}"/>
-              </a:ext>
-            </a:extLst>
-          </p:cNvPr>
+            <a:endParaRPr lang="en-US" dirty="0"/>
+          </a:p>
+        </p:txBody>
+      </p:sp>
+      <p:sp>
+        <p:nvSpPr>
+          <p:cNvPr id="7" name="Date Placeholder 3"/>
           <p:cNvSpPr>
             <a:spLocks noGrp="1"/>
           </p:cNvSpPr>
@@ -895,7 +3410,7 @@
           <a:p>
             <a:fld id="{EAE8375A-8306-412D-BDCB-DB3A416C3ADC}" type="datetimeFigureOut">
               <a:rPr lang="en-IN" smtClean="0"/>
-              <a:t>29-01-2021</a:t>
+              <a:t>01-02-2021</a:t>
             </a:fld>
             <a:endParaRPr lang="en-IN"/>
           </a:p>
@@ -903,13 +3418,7 @@
       </p:sp>
       <p:sp>
         <p:nvSpPr>
-          <p:cNvPr id="5" name="Footer Placeholder 4">
-            <a:extLst>
-              <a:ext uri="{FF2B5EF4-FFF2-40B4-BE49-F238E27FC236}">
-                <a16:creationId xmlns:a16="http://schemas.microsoft.com/office/drawing/2014/main" id="{623F7007-53D3-46EA-AECF-3F2CE4419218}"/>
-              </a:ext>
-            </a:extLst>
-          </p:cNvPr>
+          <p:cNvPr id="5" name="Footer Placeholder 4"/>
           <p:cNvSpPr>
             <a:spLocks noGrp="1"/>
           </p:cNvSpPr>
@@ -928,13 +3437,7 @@
       </p:sp>
       <p:sp>
         <p:nvSpPr>
-          <p:cNvPr id="6" name="Slide Number Placeholder 5">
-            <a:extLst>
-              <a:ext uri="{FF2B5EF4-FFF2-40B4-BE49-F238E27FC236}">
-                <a16:creationId xmlns:a16="http://schemas.microsoft.com/office/drawing/2014/main" id="{B9F301A3-ED97-46A1-903B-9EC022161A03}"/>
-              </a:ext>
-            </a:extLst>
-          </p:cNvPr>
+          <p:cNvPr id="6" name="Slide Number Placeholder 5"/>
           <p:cNvSpPr>
             <a:spLocks noGrp="1"/>
           </p:cNvSpPr>
@@ -958,7 +3461,7 @@
     </p:spTree>
     <p:extLst>
       <p:ext uri="{BB962C8B-B14F-4D97-AF65-F5344CB8AC3E}">
-        <p14:creationId xmlns:p14="http://schemas.microsoft.com/office/powerpoint/2010/main" val="2411053217"/>
+        <p14:creationId xmlns:p14="http://schemas.microsoft.com/office/powerpoint/2010/main" val="3487260310"/>
       </p:ext>
     </p:extLst>
   </p:cSld>
@@ -987,13 +3490,7 @@
       </p:grpSpPr>
       <p:sp>
         <p:nvSpPr>
-          <p:cNvPr id="2" name="Title 1">
-            <a:extLst>
-              <a:ext uri="{FF2B5EF4-FFF2-40B4-BE49-F238E27FC236}">
-                <a16:creationId xmlns:a16="http://schemas.microsoft.com/office/drawing/2014/main" id="{ADC876EF-2215-4AF1-9378-FB36CB123048}"/>
-              </a:ext>
-            </a:extLst>
-          </p:cNvPr>
+          <p:cNvPr id="2" name="Title 1"/>
           <p:cNvSpPr>
             <a:spLocks noGrp="1"/>
           </p:cNvSpPr>
@@ -1003,15 +3500,15 @@
         </p:nvSpPr>
         <p:spPr>
           <a:xfrm>
-            <a:off x="831850" y="1709738"/>
-            <a:ext cx="10515600" cy="2852737"/>
+            <a:off x="1154956" y="2861733"/>
+            <a:ext cx="8825657" cy="1915647"/>
           </a:xfrm>
         </p:spPr>
         <p:txBody>
           <a:bodyPr anchor="b"/>
           <a:lstStyle>
-            <a:lvl1pPr>
-              <a:defRPr sz="6000"/>
+            <a:lvl1pPr algn="l">
+              <a:defRPr sz="4000" b="0" cap="none"/>
             </a:lvl1pPr>
           </a:lstStyle>
           <a:p>
@@ -1019,19 +3516,13 @@
               <a:rPr lang="en-US"/>
               <a:t>Click to edit Master title style</a:t>
             </a:r>
-            <a:endParaRPr lang="en-IN"/>
-          </a:p>
-        </p:txBody>
-      </p:sp>
-      <p:sp>
-        <p:nvSpPr>
-          <p:cNvPr id="3" name="Text Placeholder 2">
-            <a:extLst>
-              <a:ext uri="{FF2B5EF4-FFF2-40B4-BE49-F238E27FC236}">
-                <a16:creationId xmlns:a16="http://schemas.microsoft.com/office/drawing/2014/main" id="{DB0BA85D-F49B-4335-8DDC-3917610AFCB0}"/>
-              </a:ext>
-            </a:extLst>
-          </p:cNvPr>
+            <a:endParaRPr lang="en-US" dirty="0"/>
+          </a:p>
+        </p:txBody>
+      </p:sp>
+      <p:sp>
+        <p:nvSpPr>
+          <p:cNvPr id="3" name="Text Placeholder 2"/>
           <p:cNvSpPr>
             <a:spLocks noGrp="1"/>
           </p:cNvSpPr>
@@ -1041,26 +3532,27 @@
         </p:nvSpPr>
         <p:spPr>
           <a:xfrm>
-            <a:off x="831850" y="4589463"/>
-            <a:ext cx="10515600" cy="1500187"/>
+            <a:off x="1154955" y="4777381"/>
+            <a:ext cx="8825658" cy="860400"/>
           </a:xfrm>
         </p:spPr>
         <p:txBody>
-          <a:bodyPr/>
+          <a:bodyPr anchor="t"/>
           <a:lstStyle>
-            <a:lvl1pPr marL="0" indent="0">
-              <a:buNone/>
-              <a:defRPr sz="2400">
+            <a:lvl1pPr marL="0" indent="0" algn="l">
+              <a:buNone/>
+              <a:defRPr sz="2000" cap="all">
                 <a:solidFill>
-                  <a:schemeClr val="tx1">
-                    <a:tint val="75000"/>
+                  <a:schemeClr val="bg2">
+                    <a:lumMod val="40000"/>
+                    <a:lumOff val="60000"/>
                   </a:schemeClr>
                 </a:solidFill>
               </a:defRPr>
             </a:lvl1pPr>
             <a:lvl2pPr marL="457200" indent="0">
               <a:buNone/>
-              <a:defRPr sz="2000">
+              <a:defRPr sz="1800">
                 <a:solidFill>
                   <a:schemeClr val="tx1">
                     <a:tint val="75000"/>
@@ -1070,7 +3562,7 @@
             </a:lvl2pPr>
             <a:lvl3pPr marL="914400" indent="0">
               <a:buNone/>
-              <a:defRPr sz="1800">
+              <a:defRPr sz="1600">
                 <a:solidFill>
                   <a:schemeClr val="tx1">
                     <a:tint val="75000"/>
@@ -1080,7 +3572,7 @@
             </a:lvl3pPr>
             <a:lvl4pPr marL="1371600" indent="0">
               <a:buNone/>
-              <a:defRPr sz="1600">
+              <a:defRPr sz="1400">
                 <a:solidFill>
                   <a:schemeClr val="tx1">
                     <a:tint val="75000"/>
@@ -1090,7 +3582,7 @@
             </a:lvl4pPr>
             <a:lvl5pPr marL="1828800" indent="0">
               <a:buNone/>
-              <a:defRPr sz="1600">
+              <a:defRPr sz="1400">
                 <a:solidFill>
                   <a:schemeClr val="tx1">
                     <a:tint val="75000"/>
@@ -1100,7 +3592,7 @@
             </a:lvl5pPr>
             <a:lvl6pPr marL="2286000" indent="0">
               <a:buNone/>
-              <a:defRPr sz="1600">
+              <a:defRPr sz="1400">
                 <a:solidFill>
                   <a:schemeClr val="tx1">
                     <a:tint val="75000"/>
@@ -1110,7 +3602,7 @@
             </a:lvl6pPr>
             <a:lvl7pPr marL="2743200" indent="0">
               <a:buNone/>
-              <a:defRPr sz="1600">
+              <a:defRPr sz="1400">
                 <a:solidFill>
                   <a:schemeClr val="tx1">
                     <a:tint val="75000"/>
@@ -1120,7 +3612,7 @@
             </a:lvl7pPr>
             <a:lvl8pPr marL="3200400" indent="0">
               <a:buNone/>
-              <a:defRPr sz="1600">
+              <a:defRPr sz="1400">
                 <a:solidFill>
                   <a:schemeClr val="tx1">
                     <a:tint val="75000"/>
@@ -1130,7 +3622,7 @@
             </a:lvl8pPr>
             <a:lvl9pPr marL="3657600" indent="0">
               <a:buNone/>
-              <a:defRPr sz="1600">
+              <a:defRPr sz="1400">
                 <a:solidFill>
                   <a:schemeClr val="tx1">
                     <a:tint val="75000"/>
@@ -1150,13 +3642,7 @@
       </p:sp>
       <p:sp>
         <p:nvSpPr>
-          <p:cNvPr id="4" name="Date Placeholder 3">
-            <a:extLst>
-              <a:ext uri="{FF2B5EF4-FFF2-40B4-BE49-F238E27FC236}">
-                <a16:creationId xmlns:a16="http://schemas.microsoft.com/office/drawing/2014/main" id="{3C596DEB-8624-4FF3-9331-FA8332C6B473}"/>
-              </a:ext>
-            </a:extLst>
-          </p:cNvPr>
+          <p:cNvPr id="4" name="Date Placeholder 3"/>
           <p:cNvSpPr>
             <a:spLocks noGrp="1"/>
           </p:cNvSpPr>
@@ -1171,7 +3657,7 @@
           <a:p>
             <a:fld id="{EAE8375A-8306-412D-BDCB-DB3A416C3ADC}" type="datetimeFigureOut">
               <a:rPr lang="en-IN" smtClean="0"/>
-              <a:t>29-01-2021</a:t>
+              <a:t>01-02-2021</a:t>
             </a:fld>
             <a:endParaRPr lang="en-IN"/>
           </a:p>
@@ -1179,13 +3665,7 @@
       </p:sp>
       <p:sp>
         <p:nvSpPr>
-          <p:cNvPr id="5" name="Footer Placeholder 4">
-            <a:extLst>
-              <a:ext uri="{FF2B5EF4-FFF2-40B4-BE49-F238E27FC236}">
-                <a16:creationId xmlns:a16="http://schemas.microsoft.com/office/drawing/2014/main" id="{5801CAF0-EEB8-4497-9E3D-390FAA3EE573}"/>
-              </a:ext>
-            </a:extLst>
-          </p:cNvPr>
+          <p:cNvPr id="5" name="Footer Placeholder 4"/>
           <p:cNvSpPr>
             <a:spLocks noGrp="1"/>
           </p:cNvSpPr>
@@ -1204,13 +3684,7 @@
       </p:sp>
       <p:sp>
         <p:nvSpPr>
-          <p:cNvPr id="6" name="Slide Number Placeholder 5">
-            <a:extLst>
-              <a:ext uri="{FF2B5EF4-FFF2-40B4-BE49-F238E27FC236}">
-                <a16:creationId xmlns:a16="http://schemas.microsoft.com/office/drawing/2014/main" id="{7474988D-18EF-4CB8-B04A-4957B033F205}"/>
-              </a:ext>
-            </a:extLst>
-          </p:cNvPr>
+          <p:cNvPr id="6" name="Slide Number Placeholder 5"/>
           <p:cNvSpPr>
             <a:spLocks noGrp="1"/>
           </p:cNvSpPr>
@@ -1234,7 +3708,7 @@
     </p:spTree>
     <p:extLst>
       <p:ext uri="{BB962C8B-B14F-4D97-AF65-F5344CB8AC3E}">
-        <p14:creationId xmlns:p14="http://schemas.microsoft.com/office/powerpoint/2010/main" val="2523941699"/>
+        <p14:creationId xmlns:p14="http://schemas.microsoft.com/office/powerpoint/2010/main" val="2454916400"/>
       </p:ext>
     </p:extLst>
   </p:cSld>
@@ -1263,13 +3737,7 @@
       </p:grpSpPr>
       <p:sp>
         <p:nvSpPr>
-          <p:cNvPr id="2" name="Title 1">
-            <a:extLst>
-              <a:ext uri="{FF2B5EF4-FFF2-40B4-BE49-F238E27FC236}">
-                <a16:creationId xmlns:a16="http://schemas.microsoft.com/office/drawing/2014/main" id="{92AD94C7-ABB5-4008-8C50-EC5F724D4A22}"/>
-              </a:ext>
-            </a:extLst>
-          </p:cNvPr>
+          <p:cNvPr id="2" name="Title 1"/>
           <p:cNvSpPr>
             <a:spLocks noGrp="1"/>
           </p:cNvSpPr>
@@ -1286,19 +3754,13 @@
               <a:rPr lang="en-US"/>
               <a:t>Click to edit Master title style</a:t>
             </a:r>
-            <a:endParaRPr lang="en-IN"/>
-          </a:p>
-        </p:txBody>
-      </p:sp>
-      <p:sp>
-        <p:nvSpPr>
-          <p:cNvPr id="3" name="Content Placeholder 2">
-            <a:extLst>
-              <a:ext uri="{FF2B5EF4-FFF2-40B4-BE49-F238E27FC236}">
-                <a16:creationId xmlns:a16="http://schemas.microsoft.com/office/drawing/2014/main" id="{B6EBD754-8930-4CC8-847A-450B23B0FE43}"/>
-              </a:ext>
-            </a:extLst>
-          </p:cNvPr>
+            <a:endParaRPr lang="en-US" dirty="0"/>
+          </a:p>
+        </p:txBody>
+      </p:sp>
+      <p:sp>
+        <p:nvSpPr>
+          <p:cNvPr id="3" name="Content Placeholder 2"/>
           <p:cNvSpPr>
             <a:spLocks noGrp="1"/>
           </p:cNvSpPr>
@@ -1308,13 +3770,43 @@
         </p:nvSpPr>
         <p:spPr>
           <a:xfrm>
-            <a:off x="838200" y="1825625"/>
-            <a:ext cx="5181600" cy="4351338"/>
+            <a:off x="1103312" y="2060575"/>
+            <a:ext cx="4396339" cy="4195763"/>
           </a:xfrm>
         </p:spPr>
         <p:txBody>
-          <a:bodyPr/>
-          <a:lstStyle/>
+          <a:bodyPr>
+            <a:normAutofit/>
+          </a:bodyPr>
+          <a:lstStyle>
+            <a:lvl1pPr>
+              <a:defRPr sz="1800"/>
+            </a:lvl1pPr>
+            <a:lvl2pPr>
+              <a:defRPr sz="1600"/>
+            </a:lvl2pPr>
+            <a:lvl3pPr>
+              <a:defRPr sz="1400"/>
+            </a:lvl3pPr>
+            <a:lvl4pPr>
+              <a:defRPr sz="1200"/>
+            </a:lvl4pPr>
+            <a:lvl5pPr>
+              <a:defRPr sz="1200"/>
+            </a:lvl5pPr>
+            <a:lvl6pPr>
+              <a:defRPr sz="1200"/>
+            </a:lvl6pPr>
+            <a:lvl7pPr>
+              <a:defRPr sz="1200"/>
+            </a:lvl7pPr>
+            <a:lvl8pPr>
+              <a:defRPr sz="1200"/>
+            </a:lvl8pPr>
+            <a:lvl9pPr>
+              <a:defRPr sz="1200"/>
+            </a:lvl9pPr>
+          </a:lstStyle>
           <a:p>
             <a:pPr lvl="0"/>
             <a:r>
@@ -1349,19 +3841,13 @@
               <a:rPr lang="en-US"/>
               <a:t>Fifth level</a:t>
             </a:r>
-            <a:endParaRPr lang="en-IN"/>
-          </a:p>
-        </p:txBody>
-      </p:sp>
-      <p:sp>
-        <p:nvSpPr>
-          <p:cNvPr id="4" name="Content Placeholder 3">
-            <a:extLst>
-              <a:ext uri="{FF2B5EF4-FFF2-40B4-BE49-F238E27FC236}">
-                <a16:creationId xmlns:a16="http://schemas.microsoft.com/office/drawing/2014/main" id="{17C41A85-C697-42C9-9606-8BE06648F8A2}"/>
-              </a:ext>
-            </a:extLst>
-          </p:cNvPr>
+            <a:endParaRPr lang="en-US" dirty="0"/>
+          </a:p>
+        </p:txBody>
+      </p:sp>
+      <p:sp>
+        <p:nvSpPr>
+          <p:cNvPr id="4" name="Content Placeholder 3"/>
           <p:cNvSpPr>
             <a:spLocks noGrp="1"/>
           </p:cNvSpPr>
@@ -1371,13 +3857,43 @@
         </p:nvSpPr>
         <p:spPr>
           <a:xfrm>
-            <a:off x="6172200" y="1825625"/>
-            <a:ext cx="5181600" cy="4351338"/>
+            <a:off x="5654493" y="2056092"/>
+            <a:ext cx="4396341" cy="4200245"/>
           </a:xfrm>
         </p:spPr>
         <p:txBody>
-          <a:bodyPr/>
-          <a:lstStyle/>
+          <a:bodyPr>
+            <a:normAutofit/>
+          </a:bodyPr>
+          <a:lstStyle>
+            <a:lvl1pPr>
+              <a:defRPr sz="1800"/>
+            </a:lvl1pPr>
+            <a:lvl2pPr>
+              <a:defRPr sz="1600"/>
+            </a:lvl2pPr>
+            <a:lvl3pPr>
+              <a:defRPr sz="1400"/>
+            </a:lvl3pPr>
+            <a:lvl4pPr>
+              <a:defRPr sz="1200"/>
+            </a:lvl4pPr>
+            <a:lvl5pPr>
+              <a:defRPr sz="1200"/>
+            </a:lvl5pPr>
+            <a:lvl6pPr>
+              <a:defRPr sz="1200"/>
+            </a:lvl6pPr>
+            <a:lvl7pPr>
+              <a:defRPr sz="1200"/>
+            </a:lvl7pPr>
+            <a:lvl8pPr>
+              <a:defRPr sz="1200"/>
+            </a:lvl8pPr>
+            <a:lvl9pPr>
+              <a:defRPr sz="1200"/>
+            </a:lvl9pPr>
+          </a:lstStyle>
           <a:p>
             <a:pPr lvl="0"/>
             <a:r>
@@ -1412,19 +3928,13 @@
               <a:rPr lang="en-US"/>
               <a:t>Fifth level</a:t>
             </a:r>
-            <a:endParaRPr lang="en-IN"/>
-          </a:p>
-        </p:txBody>
-      </p:sp>
-      <p:sp>
-        <p:nvSpPr>
-          <p:cNvPr id="5" name="Date Placeholder 4">
-            <a:extLst>
-              <a:ext uri="{FF2B5EF4-FFF2-40B4-BE49-F238E27FC236}">
-                <a16:creationId xmlns:a16="http://schemas.microsoft.com/office/drawing/2014/main" id="{6D08DC22-E80F-4FFD-BDFE-510EA5753745}"/>
-              </a:ext>
-            </a:extLst>
-          </p:cNvPr>
+            <a:endParaRPr lang="en-US" dirty="0"/>
+          </a:p>
+        </p:txBody>
+      </p:sp>
+      <p:sp>
+        <p:nvSpPr>
+          <p:cNvPr id="5" name="Date Placeholder 4"/>
           <p:cNvSpPr>
             <a:spLocks noGrp="1"/>
           </p:cNvSpPr>
@@ -1439,7 +3949,7 @@
           <a:p>
             <a:fld id="{EAE8375A-8306-412D-BDCB-DB3A416C3ADC}" type="datetimeFigureOut">
               <a:rPr lang="en-IN" smtClean="0"/>
-              <a:t>29-01-2021</a:t>
+              <a:t>01-02-2021</a:t>
             </a:fld>
             <a:endParaRPr lang="en-IN"/>
           </a:p>
@@ -1447,13 +3957,7 @@
       </p:sp>
       <p:sp>
         <p:nvSpPr>
-          <p:cNvPr id="6" name="Footer Placeholder 5">
-            <a:extLst>
-              <a:ext uri="{FF2B5EF4-FFF2-40B4-BE49-F238E27FC236}">
-                <a16:creationId xmlns:a16="http://schemas.microsoft.com/office/drawing/2014/main" id="{1DB4B64E-3700-45BC-B0F0-F11D2E772FFB}"/>
-              </a:ext>
-            </a:extLst>
-          </p:cNvPr>
+          <p:cNvPr id="6" name="Footer Placeholder 5"/>
           <p:cNvSpPr>
             <a:spLocks noGrp="1"/>
           </p:cNvSpPr>
@@ -1472,13 +3976,7 @@
       </p:sp>
       <p:sp>
         <p:nvSpPr>
-          <p:cNvPr id="7" name="Slide Number Placeholder 6">
-            <a:extLst>
-              <a:ext uri="{FF2B5EF4-FFF2-40B4-BE49-F238E27FC236}">
-                <a16:creationId xmlns:a16="http://schemas.microsoft.com/office/drawing/2014/main" id="{C14E1262-584A-42CA-8366-FDAE75B7B5F4}"/>
-              </a:ext>
-            </a:extLst>
-          </p:cNvPr>
+          <p:cNvPr id="7" name="Slide Number Placeholder 6"/>
           <p:cNvSpPr>
             <a:spLocks noGrp="1"/>
           </p:cNvSpPr>
@@ -1502,7 +4000,7 @@
     </p:spTree>
     <p:extLst>
       <p:ext uri="{BB962C8B-B14F-4D97-AF65-F5344CB8AC3E}">
-        <p14:creationId xmlns:p14="http://schemas.microsoft.com/office/powerpoint/2010/main" val="842479712"/>
+        <p14:creationId xmlns:p14="http://schemas.microsoft.com/office/powerpoint/2010/main" val="3024331454"/>
       </p:ext>
     </p:extLst>
   </p:cSld>
@@ -1531,66 +4029,62 @@
       </p:grpSpPr>
       <p:sp>
         <p:nvSpPr>
-          <p:cNvPr id="2" name="Title 1">
-            <a:extLst>
-              <a:ext uri="{FF2B5EF4-FFF2-40B4-BE49-F238E27FC236}">
-                <a16:creationId xmlns:a16="http://schemas.microsoft.com/office/drawing/2014/main" id="{87447DAF-F488-4932-88BF-949245364457}"/>
-              </a:ext>
-            </a:extLst>
-          </p:cNvPr>
+          <p:cNvPr id="2" name="Title 1"/>
           <p:cNvSpPr>
             <a:spLocks noGrp="1"/>
           </p:cNvSpPr>
           <p:nvPr>
             <p:ph type="title"/>
+          </p:nvPr>
+        </p:nvSpPr>
+        <p:spPr/>
+        <p:txBody>
+          <a:bodyPr/>
+          <a:lstStyle>
+            <a:lvl1pPr>
+              <a:defRPr/>
+            </a:lvl1pPr>
+          </a:lstStyle>
+          <a:p>
+            <a:r>
+              <a:rPr lang="en-US"/>
+              <a:t>Click to edit Master title style</a:t>
+            </a:r>
+            <a:endParaRPr lang="en-US" dirty="0"/>
+          </a:p>
+        </p:txBody>
+      </p:sp>
+      <p:sp>
+        <p:nvSpPr>
+          <p:cNvPr id="3" name="Text Placeholder 2"/>
+          <p:cNvSpPr>
+            <a:spLocks noGrp="1"/>
+          </p:cNvSpPr>
+          <p:nvPr>
+            <p:ph type="body" idx="1"/>
           </p:nvPr>
         </p:nvSpPr>
         <p:spPr>
           <a:xfrm>
-            <a:off x="839788" y="365125"/>
-            <a:ext cx="10515600" cy="1325563"/>
+            <a:off x="1103313" y="1905000"/>
+            <a:ext cx="4396338" cy="576262"/>
           </a:xfrm>
         </p:spPr>
         <p:txBody>
-          <a:bodyPr/>
-          <a:lstStyle/>
-          <a:p>
-            <a:r>
-              <a:rPr lang="en-US"/>
-              <a:t>Click to edit Master title style</a:t>
-            </a:r>
-            <a:endParaRPr lang="en-IN"/>
-          </a:p>
-        </p:txBody>
-      </p:sp>
-      <p:sp>
-        <p:nvSpPr>
-          <p:cNvPr id="3" name="Text Placeholder 2">
-            <a:extLst>
-              <a:ext uri="{FF2B5EF4-FFF2-40B4-BE49-F238E27FC236}">
-                <a16:creationId xmlns:a16="http://schemas.microsoft.com/office/drawing/2014/main" id="{C03D3838-70A6-4DBC-95B6-2D1EA0760243}"/>
-              </a:ext>
-            </a:extLst>
-          </p:cNvPr>
-          <p:cNvSpPr>
-            <a:spLocks noGrp="1"/>
-          </p:cNvSpPr>
-          <p:nvPr>
-            <p:ph type="body" idx="1"/>
-          </p:nvPr>
-        </p:nvSpPr>
-        <p:spPr>
-          <a:xfrm>
-            <a:off x="839788" y="1681163"/>
-            <a:ext cx="5157787" cy="823912"/>
-          </a:xfrm>
-        </p:spPr>
-        <p:txBody>
-          <a:bodyPr anchor="b"/>
+          <a:bodyPr anchor="b">
+            <a:noAutofit/>
+          </a:bodyPr>
           <a:lstStyle>
             <a:lvl1pPr marL="0" indent="0">
               <a:buNone/>
-              <a:defRPr sz="2400" b="1"/>
+              <a:defRPr sz="2400" b="0">
+                <a:solidFill>
+                  <a:schemeClr val="bg2">
+                    <a:lumMod val="40000"/>
+                    <a:lumOff val="60000"/>
+                  </a:schemeClr>
+                </a:solidFill>
+              </a:defRPr>
             </a:lvl1pPr>
             <a:lvl2pPr marL="457200" indent="0">
               <a:buNone/>
@@ -1636,13 +4130,7 @@
       </p:sp>
       <p:sp>
         <p:nvSpPr>
-          <p:cNvPr id="4" name="Content Placeholder 3">
-            <a:extLst>
-              <a:ext uri="{FF2B5EF4-FFF2-40B4-BE49-F238E27FC236}">
-                <a16:creationId xmlns:a16="http://schemas.microsoft.com/office/drawing/2014/main" id="{44C8E6FE-AC60-476D-BC74-3E4D5160D2F7}"/>
-              </a:ext>
-            </a:extLst>
-          </p:cNvPr>
+          <p:cNvPr id="4" name="Content Placeholder 3"/>
           <p:cNvSpPr>
             <a:spLocks noGrp="1"/>
           </p:cNvSpPr>
@@ -1652,13 +4140,43 @@
         </p:nvSpPr>
         <p:spPr>
           <a:xfrm>
-            <a:off x="839788" y="2505075"/>
-            <a:ext cx="5157787" cy="3684588"/>
+            <a:off x="1103312" y="2514600"/>
+            <a:ext cx="4396339" cy="3741738"/>
           </a:xfrm>
         </p:spPr>
         <p:txBody>
-          <a:bodyPr/>
-          <a:lstStyle/>
+          <a:bodyPr>
+            <a:normAutofit/>
+          </a:bodyPr>
+          <a:lstStyle>
+            <a:lvl1pPr>
+              <a:defRPr sz="1800"/>
+            </a:lvl1pPr>
+            <a:lvl2pPr>
+              <a:defRPr sz="1600"/>
+            </a:lvl2pPr>
+            <a:lvl3pPr>
+              <a:defRPr sz="1400"/>
+            </a:lvl3pPr>
+            <a:lvl4pPr>
+              <a:defRPr sz="1200"/>
+            </a:lvl4pPr>
+            <a:lvl5pPr>
+              <a:defRPr sz="1200"/>
+            </a:lvl5pPr>
+            <a:lvl6pPr>
+              <a:defRPr sz="1200"/>
+            </a:lvl6pPr>
+            <a:lvl7pPr>
+              <a:defRPr sz="1200"/>
+            </a:lvl7pPr>
+            <a:lvl8pPr>
+              <a:defRPr sz="1200"/>
+            </a:lvl8pPr>
+            <a:lvl9pPr>
+              <a:defRPr sz="1200"/>
+            </a:lvl9pPr>
+          </a:lstStyle>
           <a:p>
             <a:pPr lvl="0"/>
             <a:r>
@@ -1693,19 +4211,13 @@
               <a:rPr lang="en-US"/>
               <a:t>Fifth level</a:t>
             </a:r>
-            <a:endParaRPr lang="en-IN"/>
-          </a:p>
-        </p:txBody>
-      </p:sp>
-      <p:sp>
-        <p:nvSpPr>
-          <p:cNvPr id="5" name="Text Placeholder 4">
-            <a:extLst>
-              <a:ext uri="{FF2B5EF4-FFF2-40B4-BE49-F238E27FC236}">
-                <a16:creationId xmlns:a16="http://schemas.microsoft.com/office/drawing/2014/main" id="{0543AEF7-9EB4-4045-B498-F421A8E4A664}"/>
-              </a:ext>
-            </a:extLst>
-          </p:cNvPr>
+            <a:endParaRPr lang="en-US" dirty="0"/>
+          </a:p>
+        </p:txBody>
+      </p:sp>
+      <p:sp>
+        <p:nvSpPr>
+          <p:cNvPr id="5" name="Text Placeholder 4"/>
           <p:cNvSpPr>
             <a:spLocks noGrp="1"/>
           </p:cNvSpPr>
@@ -1715,16 +4227,25 @@
         </p:nvSpPr>
         <p:spPr>
           <a:xfrm>
-            <a:off x="6172200" y="1681163"/>
-            <a:ext cx="5183188" cy="823912"/>
+            <a:off x="5654495" y="1905000"/>
+            <a:ext cx="4396339" cy="576262"/>
           </a:xfrm>
         </p:spPr>
         <p:txBody>
-          <a:bodyPr anchor="b"/>
+          <a:bodyPr anchor="b">
+            <a:noAutofit/>
+          </a:bodyPr>
           <a:lstStyle>
             <a:lvl1pPr marL="0" indent="0">
               <a:buNone/>
-              <a:defRPr sz="2400" b="1"/>
+              <a:defRPr sz="2400" b="0">
+                <a:solidFill>
+                  <a:schemeClr val="bg2">
+                    <a:lumMod val="40000"/>
+                    <a:lumOff val="60000"/>
+                  </a:schemeClr>
+                </a:solidFill>
+              </a:defRPr>
             </a:lvl1pPr>
             <a:lvl2pPr marL="457200" indent="0">
               <a:buNone/>
@@ -1770,13 +4291,7 @@
       </p:sp>
       <p:sp>
         <p:nvSpPr>
-          <p:cNvPr id="6" name="Content Placeholder 5">
-            <a:extLst>
-              <a:ext uri="{FF2B5EF4-FFF2-40B4-BE49-F238E27FC236}">
-                <a16:creationId xmlns:a16="http://schemas.microsoft.com/office/drawing/2014/main" id="{E324EFA9-071C-465C-91F0-C7BBECA7F874}"/>
-              </a:ext>
-            </a:extLst>
-          </p:cNvPr>
+          <p:cNvPr id="6" name="Content Placeholder 5"/>
           <p:cNvSpPr>
             <a:spLocks noGrp="1"/>
           </p:cNvSpPr>
@@ -1786,13 +4301,43 @@
         </p:nvSpPr>
         <p:spPr>
           <a:xfrm>
-            <a:off x="6172200" y="2505075"/>
-            <a:ext cx="5183188" cy="3684588"/>
+            <a:off x="5654495" y="2514600"/>
+            <a:ext cx="4396339" cy="3741738"/>
           </a:xfrm>
         </p:spPr>
         <p:txBody>
-          <a:bodyPr/>
-          <a:lstStyle/>
+          <a:bodyPr>
+            <a:normAutofit/>
+          </a:bodyPr>
+          <a:lstStyle>
+            <a:lvl1pPr>
+              <a:defRPr sz="1800"/>
+            </a:lvl1pPr>
+            <a:lvl2pPr>
+              <a:defRPr sz="1600"/>
+            </a:lvl2pPr>
+            <a:lvl3pPr>
+              <a:defRPr sz="1400"/>
+            </a:lvl3pPr>
+            <a:lvl4pPr>
+              <a:defRPr sz="1200"/>
+            </a:lvl4pPr>
+            <a:lvl5pPr>
+              <a:defRPr sz="1200"/>
+            </a:lvl5pPr>
+            <a:lvl6pPr>
+              <a:defRPr sz="1200"/>
+            </a:lvl6pPr>
+            <a:lvl7pPr>
+              <a:defRPr sz="1200"/>
+            </a:lvl7pPr>
+            <a:lvl8pPr>
+              <a:defRPr sz="1200"/>
+            </a:lvl8pPr>
+            <a:lvl9pPr>
+              <a:defRPr sz="1200"/>
+            </a:lvl9pPr>
+          </a:lstStyle>
           <a:p>
             <a:pPr lvl="0"/>
             <a:r>
@@ -1827,19 +4372,13 @@
               <a:rPr lang="en-US"/>
               <a:t>Fifth level</a:t>
             </a:r>
-            <a:endParaRPr lang="en-IN"/>
-          </a:p>
-        </p:txBody>
-      </p:sp>
-      <p:sp>
-        <p:nvSpPr>
-          <p:cNvPr id="7" name="Date Placeholder 6">
-            <a:extLst>
-              <a:ext uri="{FF2B5EF4-FFF2-40B4-BE49-F238E27FC236}">
-                <a16:creationId xmlns:a16="http://schemas.microsoft.com/office/drawing/2014/main" id="{739EC1AF-1E30-4245-BCB9-3C9F56FEF166}"/>
-              </a:ext>
-            </a:extLst>
-          </p:cNvPr>
+            <a:endParaRPr lang="en-US" dirty="0"/>
+          </a:p>
+        </p:txBody>
+      </p:sp>
+      <p:sp>
+        <p:nvSpPr>
+          <p:cNvPr id="7" name="Date Placeholder 6"/>
           <p:cNvSpPr>
             <a:spLocks noGrp="1"/>
           </p:cNvSpPr>
@@ -1854,7 +4393,7 @@
           <a:p>
             <a:fld id="{EAE8375A-8306-412D-BDCB-DB3A416C3ADC}" type="datetimeFigureOut">
               <a:rPr lang="en-IN" smtClean="0"/>
-              <a:t>29-01-2021</a:t>
+              <a:t>01-02-2021</a:t>
             </a:fld>
             <a:endParaRPr lang="en-IN"/>
           </a:p>
@@ -1862,13 +4401,7 @@
       </p:sp>
       <p:sp>
         <p:nvSpPr>
-          <p:cNvPr id="8" name="Footer Placeholder 7">
-            <a:extLst>
-              <a:ext uri="{FF2B5EF4-FFF2-40B4-BE49-F238E27FC236}">
-                <a16:creationId xmlns:a16="http://schemas.microsoft.com/office/drawing/2014/main" id="{0ED1A585-4DE5-463E-86D5-3CA55CFB9DBE}"/>
-              </a:ext>
-            </a:extLst>
-          </p:cNvPr>
+          <p:cNvPr id="8" name="Footer Placeholder 7"/>
           <p:cNvSpPr>
             <a:spLocks noGrp="1"/>
           </p:cNvSpPr>
@@ -1887,13 +4420,7 @@
       </p:sp>
       <p:sp>
         <p:nvSpPr>
-          <p:cNvPr id="9" name="Slide Number Placeholder 8">
-            <a:extLst>
-              <a:ext uri="{FF2B5EF4-FFF2-40B4-BE49-F238E27FC236}">
-                <a16:creationId xmlns:a16="http://schemas.microsoft.com/office/drawing/2014/main" id="{AD74AFAF-D819-4311-AC5F-002F6F60EBB4}"/>
-              </a:ext>
-            </a:extLst>
-          </p:cNvPr>
+          <p:cNvPr id="9" name="Slide Number Placeholder 8"/>
           <p:cNvSpPr>
             <a:spLocks noGrp="1"/>
           </p:cNvSpPr>
@@ -1917,7 +4444,7 @@
     </p:spTree>
     <p:extLst>
       <p:ext uri="{BB962C8B-B14F-4D97-AF65-F5344CB8AC3E}">
-        <p14:creationId xmlns:p14="http://schemas.microsoft.com/office/powerpoint/2010/main" val="2791991366"/>
+        <p14:creationId xmlns:p14="http://schemas.microsoft.com/office/powerpoint/2010/main" val="3770088895"/>
       </p:ext>
     </p:extLst>
   </p:cSld>
@@ -1946,13 +4473,7 @@
       </p:grpSpPr>
       <p:sp>
         <p:nvSpPr>
-          <p:cNvPr id="2" name="Title 1">
-            <a:extLst>
-              <a:ext uri="{FF2B5EF4-FFF2-40B4-BE49-F238E27FC236}">
-                <a16:creationId xmlns:a16="http://schemas.microsoft.com/office/drawing/2014/main" id="{2B9ED122-8FD7-4EFB-A68C-EE136E35C855}"/>
-              </a:ext>
-            </a:extLst>
-          </p:cNvPr>
+          <p:cNvPr id="2" name="Title 1"/>
           <p:cNvSpPr>
             <a:spLocks noGrp="1"/>
           </p:cNvSpPr>
@@ -1969,19 +4490,13 @@
               <a:rPr lang="en-US"/>
               <a:t>Click to edit Master title style</a:t>
             </a:r>
-            <a:endParaRPr lang="en-IN"/>
-          </a:p>
-        </p:txBody>
-      </p:sp>
-      <p:sp>
-        <p:nvSpPr>
-          <p:cNvPr id="3" name="Date Placeholder 2">
-            <a:extLst>
-              <a:ext uri="{FF2B5EF4-FFF2-40B4-BE49-F238E27FC236}">
-                <a16:creationId xmlns:a16="http://schemas.microsoft.com/office/drawing/2014/main" id="{88F5AB5A-0FA6-4729-8FEB-8099F2C5C0C5}"/>
-              </a:ext>
-            </a:extLst>
-          </p:cNvPr>
+            <a:endParaRPr lang="en-US" dirty="0"/>
+          </a:p>
+        </p:txBody>
+      </p:sp>
+      <p:sp>
+        <p:nvSpPr>
+          <p:cNvPr id="7" name="Date Placeholder 2"/>
           <p:cNvSpPr>
             <a:spLocks noGrp="1"/>
           </p:cNvSpPr>
@@ -1996,7 +4511,7 @@
           <a:p>
             <a:fld id="{EAE8375A-8306-412D-BDCB-DB3A416C3ADC}" type="datetimeFigureOut">
               <a:rPr lang="en-IN" smtClean="0"/>
-              <a:t>29-01-2021</a:t>
+              <a:t>01-02-2021</a:t>
             </a:fld>
             <a:endParaRPr lang="en-IN"/>
           </a:p>
@@ -2004,13 +4519,7 @@
       </p:sp>
       <p:sp>
         <p:nvSpPr>
-          <p:cNvPr id="4" name="Footer Placeholder 3">
-            <a:extLst>
-              <a:ext uri="{FF2B5EF4-FFF2-40B4-BE49-F238E27FC236}">
-                <a16:creationId xmlns:a16="http://schemas.microsoft.com/office/drawing/2014/main" id="{7D207CF9-BC44-4E73-8AA0-11E403073DB4}"/>
-              </a:ext>
-            </a:extLst>
-          </p:cNvPr>
+          <p:cNvPr id="5" name="Footer Placeholder 3"/>
           <p:cNvSpPr>
             <a:spLocks noGrp="1"/>
           </p:cNvSpPr>
@@ -2029,13 +4538,7 @@
       </p:sp>
       <p:sp>
         <p:nvSpPr>
-          <p:cNvPr id="5" name="Slide Number Placeholder 4">
-            <a:extLst>
-              <a:ext uri="{FF2B5EF4-FFF2-40B4-BE49-F238E27FC236}">
-                <a16:creationId xmlns:a16="http://schemas.microsoft.com/office/drawing/2014/main" id="{8C1AEBA1-8088-4B68-AD68-59AA62355085}"/>
-              </a:ext>
-            </a:extLst>
-          </p:cNvPr>
+          <p:cNvPr id="6" name="Slide Number Placeholder 4"/>
           <p:cNvSpPr>
             <a:spLocks noGrp="1"/>
           </p:cNvSpPr>
@@ -2059,7 +4562,7 @@
     </p:spTree>
     <p:extLst>
       <p:ext uri="{BB962C8B-B14F-4D97-AF65-F5344CB8AC3E}">
-        <p14:creationId xmlns:p14="http://schemas.microsoft.com/office/powerpoint/2010/main" val="1577149638"/>
+        <p14:creationId xmlns:p14="http://schemas.microsoft.com/office/powerpoint/2010/main" val="1901679493"/>
       </p:ext>
     </p:extLst>
   </p:cSld>
@@ -2088,13 +4591,7 @@
       </p:grpSpPr>
       <p:sp>
         <p:nvSpPr>
-          <p:cNvPr id="2" name="Date Placeholder 1">
-            <a:extLst>
-              <a:ext uri="{FF2B5EF4-FFF2-40B4-BE49-F238E27FC236}">
-                <a16:creationId xmlns:a16="http://schemas.microsoft.com/office/drawing/2014/main" id="{B5199BAC-A9FA-4269-AAC8-4F13C710D7E2}"/>
-              </a:ext>
-            </a:extLst>
-          </p:cNvPr>
+          <p:cNvPr id="7" name="Date Placeholder 1"/>
           <p:cNvSpPr>
             <a:spLocks noGrp="1"/>
           </p:cNvSpPr>
@@ -2109,7 +4606,7 @@
           <a:p>
             <a:fld id="{EAE8375A-8306-412D-BDCB-DB3A416C3ADC}" type="datetimeFigureOut">
               <a:rPr lang="en-IN" smtClean="0"/>
-              <a:t>29-01-2021</a:t>
+              <a:t>01-02-2021</a:t>
             </a:fld>
             <a:endParaRPr lang="en-IN"/>
           </a:p>
@@ -2117,13 +4614,7 @@
       </p:sp>
       <p:sp>
         <p:nvSpPr>
-          <p:cNvPr id="3" name="Footer Placeholder 2">
-            <a:extLst>
-              <a:ext uri="{FF2B5EF4-FFF2-40B4-BE49-F238E27FC236}">
-                <a16:creationId xmlns:a16="http://schemas.microsoft.com/office/drawing/2014/main" id="{609E43B8-2BA1-4D3A-9FF1-F3D5D78582AF}"/>
-              </a:ext>
-            </a:extLst>
-          </p:cNvPr>
+          <p:cNvPr id="5" name="Footer Placeholder 2"/>
           <p:cNvSpPr>
             <a:spLocks noGrp="1"/>
           </p:cNvSpPr>
@@ -2142,13 +4633,7 @@
       </p:sp>
       <p:sp>
         <p:nvSpPr>
-          <p:cNvPr id="4" name="Slide Number Placeholder 3">
-            <a:extLst>
-              <a:ext uri="{FF2B5EF4-FFF2-40B4-BE49-F238E27FC236}">
-                <a16:creationId xmlns:a16="http://schemas.microsoft.com/office/drawing/2014/main" id="{A59CF7D9-275D-4927-A7F4-C3095B035661}"/>
-              </a:ext>
-            </a:extLst>
-          </p:cNvPr>
+          <p:cNvPr id="6" name="Slide Number Placeholder 3"/>
           <p:cNvSpPr>
             <a:spLocks noGrp="1"/>
           </p:cNvSpPr>
@@ -2172,7 +4657,7 @@
     </p:spTree>
     <p:extLst>
       <p:ext uri="{BB962C8B-B14F-4D97-AF65-F5344CB8AC3E}">
-        <p14:creationId xmlns:p14="http://schemas.microsoft.com/office/powerpoint/2010/main" val="661665376"/>
+        <p14:creationId xmlns:p14="http://schemas.microsoft.com/office/powerpoint/2010/main" val="2828257220"/>
       </p:ext>
     </p:extLst>
   </p:cSld>
@@ -2201,13 +4686,7 @@
       </p:grpSpPr>
       <p:sp>
         <p:nvSpPr>
-          <p:cNvPr id="2" name="Title 1">
-            <a:extLst>
-              <a:ext uri="{FF2B5EF4-FFF2-40B4-BE49-F238E27FC236}">
-                <a16:creationId xmlns:a16="http://schemas.microsoft.com/office/drawing/2014/main" id="{DA102B90-C94B-42D2-A545-BE26F78CECA9}"/>
-              </a:ext>
-            </a:extLst>
-          </p:cNvPr>
+          <p:cNvPr id="2" name="Title 1"/>
           <p:cNvSpPr>
             <a:spLocks noGrp="1"/>
           </p:cNvSpPr>
@@ -2217,15 +4696,15 @@
         </p:nvSpPr>
         <p:spPr>
           <a:xfrm>
-            <a:off x="839788" y="457200"/>
-            <a:ext cx="3932237" cy="1600200"/>
+            <a:off x="1154953" y="1447800"/>
+            <a:ext cx="3401064" cy="1447800"/>
           </a:xfrm>
         </p:spPr>
         <p:txBody>
           <a:bodyPr anchor="b"/>
           <a:lstStyle>
-            <a:lvl1pPr>
-              <a:defRPr sz="3200"/>
+            <a:lvl1pPr algn="l">
+              <a:defRPr sz="2400" b="0"/>
             </a:lvl1pPr>
           </a:lstStyle>
           <a:p>
@@ -2233,19 +4712,13 @@
               <a:rPr lang="en-US"/>
               <a:t>Click to edit Master title style</a:t>
             </a:r>
-            <a:endParaRPr lang="en-IN"/>
-          </a:p>
-        </p:txBody>
-      </p:sp>
-      <p:sp>
-        <p:nvSpPr>
-          <p:cNvPr id="3" name="Content Placeholder 2">
-            <a:extLst>
-              <a:ext uri="{FF2B5EF4-FFF2-40B4-BE49-F238E27FC236}">
-                <a16:creationId xmlns:a16="http://schemas.microsoft.com/office/drawing/2014/main" id="{02539393-39D7-422E-8C7C-20CB85AA6390}"/>
-              </a:ext>
-            </a:extLst>
-          </p:cNvPr>
+            <a:endParaRPr lang="en-US" dirty="0"/>
+          </a:p>
+        </p:txBody>
+      </p:sp>
+      <p:sp>
+        <p:nvSpPr>
+          <p:cNvPr id="3" name="Content Placeholder 2"/>
           <p:cNvSpPr>
             <a:spLocks noGrp="1"/>
           </p:cNvSpPr>
@@ -2255,39 +4728,41 @@
         </p:nvSpPr>
         <p:spPr>
           <a:xfrm>
-            <a:off x="5183188" y="987425"/>
-            <a:ext cx="6172200" cy="4873625"/>
+            <a:off x="4784616" y="1447800"/>
+            <a:ext cx="5195997" cy="4572000"/>
           </a:xfrm>
         </p:spPr>
         <p:txBody>
-          <a:bodyPr/>
+          <a:bodyPr anchor="ctr">
+            <a:normAutofit/>
+          </a:bodyPr>
           <a:lstStyle>
             <a:lvl1pPr>
-              <a:defRPr sz="3200"/>
+              <a:defRPr sz="2000"/>
             </a:lvl1pPr>
             <a:lvl2pPr>
-              <a:defRPr sz="2800"/>
+              <a:defRPr sz="1800"/>
             </a:lvl2pPr>
             <a:lvl3pPr>
-              <a:defRPr sz="2400"/>
+              <a:defRPr sz="1600"/>
             </a:lvl3pPr>
             <a:lvl4pPr>
-              <a:defRPr sz="2000"/>
+              <a:defRPr sz="1400"/>
             </a:lvl4pPr>
             <a:lvl5pPr>
-              <a:defRPr sz="2000"/>
+              <a:defRPr sz="1400"/>
             </a:lvl5pPr>
             <a:lvl6pPr>
-              <a:defRPr sz="2000"/>
+              <a:defRPr sz="1400"/>
             </a:lvl6pPr>
             <a:lvl7pPr>
-              <a:defRPr sz="2000"/>
+              <a:defRPr sz="1400"/>
             </a:lvl7pPr>
             <a:lvl8pPr>
-              <a:defRPr sz="2000"/>
+              <a:defRPr sz="1400"/>
             </a:lvl8pPr>
             <a:lvl9pPr>
-              <a:defRPr sz="2000"/>
+              <a:defRPr sz="1400"/>
             </a:lvl9pPr>
           </a:lstStyle>
           <a:p>
@@ -2324,19 +4799,13 @@
               <a:rPr lang="en-US"/>
               <a:t>Fifth level</a:t>
             </a:r>
-            <a:endParaRPr lang="en-IN"/>
-          </a:p>
-        </p:txBody>
-      </p:sp>
-      <p:sp>
-        <p:nvSpPr>
-          <p:cNvPr id="4" name="Text Placeholder 3">
-            <a:extLst>
-              <a:ext uri="{FF2B5EF4-FFF2-40B4-BE49-F238E27FC236}">
-                <a16:creationId xmlns:a16="http://schemas.microsoft.com/office/drawing/2014/main" id="{98F8F3DF-68F5-44B6-B44D-10F50384B582}"/>
-              </a:ext>
-            </a:extLst>
-          </p:cNvPr>
+            <a:endParaRPr lang="en-US" dirty="0"/>
+          </a:p>
+        </p:txBody>
+      </p:sp>
+      <p:sp>
+        <p:nvSpPr>
+          <p:cNvPr id="4" name="Text Placeholder 3"/>
           <p:cNvSpPr>
             <a:spLocks noGrp="1"/>
           </p:cNvSpPr>
@@ -2346,8 +4815,8 @@
         </p:nvSpPr>
         <p:spPr>
           <a:xfrm>
-            <a:off x="839788" y="2057400"/>
-            <a:ext cx="3932237" cy="3811588"/>
+            <a:off x="1154953" y="3129280"/>
+            <a:ext cx="3401063" cy="2895599"/>
           </a:xfrm>
         </p:spPr>
         <p:txBody>
@@ -2355,39 +4824,39 @@
           <a:lstStyle>
             <a:lvl1pPr marL="0" indent="0">
               <a:buNone/>
-              <a:defRPr sz="1600"/>
+              <a:defRPr sz="1400"/>
             </a:lvl1pPr>
             <a:lvl2pPr marL="457200" indent="0">
               <a:buNone/>
-              <a:defRPr sz="1400"/>
+              <a:defRPr sz="1200"/>
             </a:lvl2pPr>
             <a:lvl3pPr marL="914400" indent="0">
               <a:buNone/>
-              <a:defRPr sz="1200"/>
+              <a:defRPr sz="1000"/>
             </a:lvl3pPr>
             <a:lvl4pPr marL="1371600" indent="0">
               <a:buNone/>
-              <a:defRPr sz="1000"/>
+              <a:defRPr sz="900"/>
             </a:lvl4pPr>
             <a:lvl5pPr marL="1828800" indent="0">
               <a:buNone/>
-              <a:defRPr sz="1000"/>
+              <a:defRPr sz="900"/>
             </a:lvl5pPr>
             <a:lvl6pPr marL="2286000" indent="0">
               <a:buNone/>
-              <a:defRPr sz="1000"/>
+              <a:defRPr sz="900"/>
             </a:lvl6pPr>
             <a:lvl7pPr marL="2743200" indent="0">
               <a:buNone/>
-              <a:defRPr sz="1000"/>
+              <a:defRPr sz="900"/>
             </a:lvl7pPr>
             <a:lvl8pPr marL="3200400" indent="0">
               <a:buNone/>
-              <a:defRPr sz="1000"/>
+              <a:defRPr sz="900"/>
             </a:lvl8pPr>
             <a:lvl9pPr marL="3657600" indent="0">
               <a:buNone/>
-              <a:defRPr sz="1000"/>
+              <a:defRPr sz="900"/>
             </a:lvl9pPr>
           </a:lstStyle>
           <a:p>
@@ -2401,13 +4870,7 @@
       </p:sp>
       <p:sp>
         <p:nvSpPr>
-          <p:cNvPr id="5" name="Date Placeholder 4">
-            <a:extLst>
-              <a:ext uri="{FF2B5EF4-FFF2-40B4-BE49-F238E27FC236}">
-                <a16:creationId xmlns:a16="http://schemas.microsoft.com/office/drawing/2014/main" id="{1EFD62AB-5825-4946-979F-C76EB1545D89}"/>
-              </a:ext>
-            </a:extLst>
-          </p:cNvPr>
+          <p:cNvPr id="7" name="Date Placeholder 4"/>
           <p:cNvSpPr>
             <a:spLocks noGrp="1"/>
           </p:cNvSpPr>
@@ -2422,7 +4885,7 @@
           <a:p>
             <a:fld id="{EAE8375A-8306-412D-BDCB-DB3A416C3ADC}" type="datetimeFigureOut">
               <a:rPr lang="en-IN" smtClean="0"/>
-              <a:t>29-01-2021</a:t>
+              <a:t>01-02-2021</a:t>
             </a:fld>
             <a:endParaRPr lang="en-IN"/>
           </a:p>
@@ -2430,13 +4893,7 @@
       </p:sp>
       <p:sp>
         <p:nvSpPr>
-          <p:cNvPr id="6" name="Footer Placeholder 5">
-            <a:extLst>
-              <a:ext uri="{FF2B5EF4-FFF2-40B4-BE49-F238E27FC236}">
-                <a16:creationId xmlns:a16="http://schemas.microsoft.com/office/drawing/2014/main" id="{FC85419B-48F3-4784-95C2-F2F40D52C3D8}"/>
-              </a:ext>
-            </a:extLst>
-          </p:cNvPr>
+          <p:cNvPr id="5" name="Footer Placeholder 5"/>
           <p:cNvSpPr>
             <a:spLocks noGrp="1"/>
           </p:cNvSpPr>
@@ -2455,13 +4912,7 @@
       </p:sp>
       <p:sp>
         <p:nvSpPr>
-          <p:cNvPr id="7" name="Slide Number Placeholder 6">
-            <a:extLst>
-              <a:ext uri="{FF2B5EF4-FFF2-40B4-BE49-F238E27FC236}">
-                <a16:creationId xmlns:a16="http://schemas.microsoft.com/office/drawing/2014/main" id="{446E685F-01AF-4D2E-A8E4-997447573192}"/>
-              </a:ext>
-            </a:extLst>
-          </p:cNvPr>
+          <p:cNvPr id="6" name="Slide Number Placeholder 6"/>
           <p:cNvSpPr>
             <a:spLocks noGrp="1"/>
           </p:cNvSpPr>
@@ -2485,7 +4936,7 @@
     </p:spTree>
     <p:extLst>
       <p:ext uri="{BB962C8B-B14F-4D97-AF65-F5344CB8AC3E}">
-        <p14:creationId xmlns:p14="http://schemas.microsoft.com/office/powerpoint/2010/main" val="2941434273"/>
+        <p14:creationId xmlns:p14="http://schemas.microsoft.com/office/powerpoint/2010/main" val="1141294518"/>
       </p:ext>
     </p:extLst>
   </p:cSld>
@@ -2514,13 +4965,7 @@
       </p:grpSpPr>
       <p:sp>
         <p:nvSpPr>
-          <p:cNvPr id="2" name="Title 1">
-            <a:extLst>
-              <a:ext uri="{FF2B5EF4-FFF2-40B4-BE49-F238E27FC236}">
-                <a16:creationId xmlns:a16="http://schemas.microsoft.com/office/drawing/2014/main" id="{72E7F462-E215-41F7-98FD-5CB2AE998934}"/>
-              </a:ext>
-            </a:extLst>
-          </p:cNvPr>
+          <p:cNvPr id="2" name="Title 1"/>
           <p:cNvSpPr>
             <a:spLocks noGrp="1"/>
           </p:cNvSpPr>
@@ -2530,15 +4975,17 @@
         </p:nvSpPr>
         <p:spPr>
           <a:xfrm>
-            <a:off x="839788" y="457200"/>
-            <a:ext cx="3932237" cy="1600200"/>
+            <a:off x="1153907" y="1854192"/>
+            <a:ext cx="5092906" cy="1574808"/>
           </a:xfrm>
         </p:spPr>
         <p:txBody>
-          <a:bodyPr anchor="b"/>
+          <a:bodyPr anchor="b">
+            <a:normAutofit/>
+          </a:bodyPr>
           <a:lstStyle>
-            <a:lvl1pPr>
-              <a:defRPr sz="3200"/>
+            <a:lvl1pPr algn="l">
+              <a:defRPr sz="3600" b="0"/>
             </a:lvl1pPr>
           </a:lstStyle>
           <a:p>
@@ -2546,21 +4993,15 @@
               <a:rPr lang="en-US"/>
               <a:t>Click to edit Master title style</a:t>
             </a:r>
-            <a:endParaRPr lang="en-IN"/>
-          </a:p>
-        </p:txBody>
-      </p:sp>
-      <p:sp>
-        <p:nvSpPr>
-          <p:cNvPr id="3" name="Picture Placeholder 2">
-            <a:extLst>
-              <a:ext uri="{FF2B5EF4-FFF2-40B4-BE49-F238E27FC236}">
-                <a16:creationId xmlns:a16="http://schemas.microsoft.com/office/drawing/2014/main" id="{94F77F94-B252-40D4-BC4A-1D3A16E9EDB1}"/>
-              </a:ext>
-            </a:extLst>
-          </p:cNvPr>
-          <p:cNvSpPr>
-            <a:spLocks noGrp="1"/>
+            <a:endParaRPr lang="en-US" dirty="0"/>
+          </a:p>
+        </p:txBody>
+      </p:sp>
+      <p:sp>
+        <p:nvSpPr>
+          <p:cNvPr id="3" name="Picture Placeholder 2"/>
+          <p:cNvSpPr>
+            <a:spLocks noGrp="1" noChangeAspect="1"/>
           </p:cNvSpPr>
           <p:nvPr>
             <p:ph type="pic" idx="1"/>
@@ -2568,118 +5009,132 @@
         </p:nvSpPr>
         <p:spPr>
           <a:xfrm>
-            <a:off x="5183188" y="987425"/>
-            <a:ext cx="6172200" cy="4873625"/>
+            <a:off x="6949546" y="1143000"/>
+            <a:ext cx="3200400" cy="4572000"/>
           </a:xfrm>
+          <a:prstGeom prst="roundRect">
+            <a:avLst>
+              <a:gd name="adj" fmla="val 1858"/>
+            </a:avLst>
+          </a:prstGeom>
+          <a:effectLst>
+            <a:outerShdw blurRad="50800" dist="50800" dir="5400000" algn="tl" rotWithShape="0">
+              <a:srgbClr val="000000">
+                <a:alpha val="43000"/>
+              </a:srgbClr>
+            </a:outerShdw>
+          </a:effectLst>
         </p:spPr>
         <p:txBody>
-          <a:bodyPr/>
+          <a:bodyPr anchor="t">
+            <a:normAutofit/>
+          </a:bodyPr>
           <a:lstStyle>
-            <a:lvl1pPr marL="0" indent="0">
-              <a:buNone/>
-              <a:defRPr sz="3200"/>
-            </a:lvl1pPr>
-            <a:lvl2pPr marL="457200" indent="0">
-              <a:buNone/>
-              <a:defRPr sz="2800"/>
-            </a:lvl2pPr>
-            <a:lvl3pPr marL="914400" indent="0">
-              <a:buNone/>
-              <a:defRPr sz="2400"/>
-            </a:lvl3pPr>
-            <a:lvl4pPr marL="1371600" indent="0">
-              <a:buNone/>
-              <a:defRPr sz="2000"/>
-            </a:lvl4pPr>
-            <a:lvl5pPr marL="1828800" indent="0">
-              <a:buNone/>
-              <a:defRPr sz="2000"/>
-            </a:lvl5pPr>
-            <a:lvl6pPr marL="2286000" indent="0">
-              <a:buNone/>
-              <a:defRPr sz="2000"/>
-            </a:lvl6pPr>
-            <a:lvl7pPr marL="2743200" indent="0">
-              <a:buNone/>
-              <a:defRPr sz="2000"/>
-            </a:lvl7pPr>
-            <a:lvl8pPr marL="3200400" indent="0">
-              <a:buNone/>
-              <a:defRPr sz="2000"/>
-            </a:lvl8pPr>
-            <a:lvl9pPr marL="3657600" indent="0">
-              <a:buNone/>
-              <a:defRPr sz="2000"/>
-            </a:lvl9pPr>
-          </a:lstStyle>
-          <a:p>
-            <a:endParaRPr lang="en-IN"/>
-          </a:p>
-        </p:txBody>
-      </p:sp>
-      <p:sp>
-        <p:nvSpPr>
-          <p:cNvPr id="4" name="Text Placeholder 3">
-            <a:extLst>
-              <a:ext uri="{FF2B5EF4-FFF2-40B4-BE49-F238E27FC236}">
-                <a16:creationId xmlns:a16="http://schemas.microsoft.com/office/drawing/2014/main" id="{8FD295B9-3852-43EF-B781-2F86C18B0030}"/>
-              </a:ext>
-            </a:extLst>
-          </p:cNvPr>
-          <p:cNvSpPr>
-            <a:spLocks noGrp="1"/>
-          </p:cNvSpPr>
-          <p:nvPr>
-            <p:ph type="body" sz="half" idx="2"/>
-          </p:nvPr>
-        </p:nvSpPr>
-        <p:spPr>
-          <a:xfrm>
-            <a:off x="839788" y="2057400"/>
-            <a:ext cx="3932237" cy="3811588"/>
-          </a:xfrm>
-        </p:spPr>
-        <p:txBody>
-          <a:bodyPr/>
-          <a:lstStyle>
-            <a:lvl1pPr marL="0" indent="0">
+            <a:lvl1pPr marL="0" indent="0" algn="ctr">
               <a:buNone/>
               <a:defRPr sz="1600"/>
             </a:lvl1pPr>
             <a:lvl2pPr marL="457200" indent="0">
               <a:buNone/>
-              <a:defRPr sz="1400"/>
+              <a:defRPr sz="1600"/>
             </a:lvl2pPr>
             <a:lvl3pPr marL="914400" indent="0">
               <a:buNone/>
-              <a:defRPr sz="1200"/>
+              <a:defRPr sz="1600"/>
             </a:lvl3pPr>
             <a:lvl4pPr marL="1371600" indent="0">
               <a:buNone/>
-              <a:defRPr sz="1000"/>
+              <a:defRPr sz="1600"/>
             </a:lvl4pPr>
             <a:lvl5pPr marL="1828800" indent="0">
               <a:buNone/>
-              <a:defRPr sz="1000"/>
+              <a:defRPr sz="1600"/>
             </a:lvl5pPr>
             <a:lvl6pPr marL="2286000" indent="0">
               <a:buNone/>
-              <a:defRPr sz="1000"/>
+              <a:defRPr sz="1600"/>
             </a:lvl6pPr>
             <a:lvl7pPr marL="2743200" indent="0">
               <a:buNone/>
-              <a:defRPr sz="1000"/>
+              <a:defRPr sz="1600"/>
             </a:lvl7pPr>
             <a:lvl8pPr marL="3200400" indent="0">
               <a:buNone/>
-              <a:defRPr sz="1000"/>
+              <a:defRPr sz="1600"/>
             </a:lvl8pPr>
             <a:lvl9pPr marL="3657600" indent="0">
               <a:buNone/>
-              <a:defRPr sz="1000"/>
+              <a:defRPr sz="1600"/>
             </a:lvl9pPr>
           </a:lstStyle>
           <a:p>
+            <a:r>
+              <a:rPr lang="en-US"/>
+              <a:t>Click icon to add picture</a:t>
+            </a:r>
+            <a:endParaRPr lang="en-US" dirty="0"/>
+          </a:p>
+        </p:txBody>
+      </p:sp>
+      <p:sp>
+        <p:nvSpPr>
+          <p:cNvPr id="4" name="Text Placeholder 3"/>
+          <p:cNvSpPr>
+            <a:spLocks noGrp="1"/>
+          </p:cNvSpPr>
+          <p:nvPr>
+            <p:ph type="body" sz="half" idx="2"/>
+          </p:nvPr>
+        </p:nvSpPr>
+        <p:spPr>
+          <a:xfrm>
+            <a:off x="1154954" y="3657600"/>
+            <a:ext cx="5084979" cy="1371600"/>
+          </a:xfrm>
+        </p:spPr>
+        <p:txBody>
+          <a:bodyPr>
+            <a:normAutofit/>
+          </a:bodyPr>
+          <a:lstStyle>
+            <a:lvl1pPr marL="0" indent="0">
+              <a:buNone/>
+              <a:defRPr sz="1400"/>
+            </a:lvl1pPr>
+            <a:lvl2pPr marL="457200" indent="0">
+              <a:buNone/>
+              <a:defRPr sz="1200"/>
+            </a:lvl2pPr>
+            <a:lvl3pPr marL="914400" indent="0">
+              <a:buNone/>
+              <a:defRPr sz="1000"/>
+            </a:lvl3pPr>
+            <a:lvl4pPr marL="1371600" indent="0">
+              <a:buNone/>
+              <a:defRPr sz="900"/>
+            </a:lvl4pPr>
+            <a:lvl5pPr marL="1828800" indent="0">
+              <a:buNone/>
+              <a:defRPr sz="900"/>
+            </a:lvl5pPr>
+            <a:lvl6pPr marL="2286000" indent="0">
+              <a:buNone/>
+              <a:defRPr sz="900"/>
+            </a:lvl6pPr>
+            <a:lvl7pPr marL="2743200" indent="0">
+              <a:buNone/>
+              <a:defRPr sz="900"/>
+            </a:lvl7pPr>
+            <a:lvl8pPr marL="3200400" indent="0">
+              <a:buNone/>
+              <a:defRPr sz="900"/>
+            </a:lvl8pPr>
+            <a:lvl9pPr marL="3657600" indent="0">
+              <a:buNone/>
+              <a:defRPr sz="900"/>
+            </a:lvl9pPr>
+          </a:lstStyle>
+          <a:p>
             <a:pPr lvl="0"/>
             <a:r>
               <a:rPr lang="en-US"/>
@@ -2690,13 +5145,7 @@
       </p:sp>
       <p:sp>
         <p:nvSpPr>
-          <p:cNvPr id="5" name="Date Placeholder 4">
-            <a:extLst>
-              <a:ext uri="{FF2B5EF4-FFF2-40B4-BE49-F238E27FC236}">
-                <a16:creationId xmlns:a16="http://schemas.microsoft.com/office/drawing/2014/main" id="{92EA4E05-B12C-4372-92B1-15B40D745078}"/>
-              </a:ext>
-            </a:extLst>
-          </p:cNvPr>
+          <p:cNvPr id="5" name="Date Placeholder 4"/>
           <p:cNvSpPr>
             <a:spLocks noGrp="1"/>
           </p:cNvSpPr>
@@ -2711,7 +5160,7 @@
           <a:p>
             <a:fld id="{EAE8375A-8306-412D-BDCB-DB3A416C3ADC}" type="datetimeFigureOut">
               <a:rPr lang="en-IN" smtClean="0"/>
-              <a:t>29-01-2021</a:t>
+              <a:t>01-02-2021</a:t>
             </a:fld>
             <a:endParaRPr lang="en-IN"/>
           </a:p>
@@ -2719,13 +5168,7 @@
       </p:sp>
       <p:sp>
         <p:nvSpPr>
-          <p:cNvPr id="6" name="Footer Placeholder 5">
-            <a:extLst>
-              <a:ext uri="{FF2B5EF4-FFF2-40B4-BE49-F238E27FC236}">
-                <a16:creationId xmlns:a16="http://schemas.microsoft.com/office/drawing/2014/main" id="{81D135CB-99B5-4683-9C6D-53CE40280E21}"/>
-              </a:ext>
-            </a:extLst>
-          </p:cNvPr>
+          <p:cNvPr id="6" name="Footer Placeholder 5"/>
           <p:cNvSpPr>
             <a:spLocks noGrp="1"/>
           </p:cNvSpPr>
@@ -2744,13 +5187,7 @@
       </p:sp>
       <p:sp>
         <p:nvSpPr>
-          <p:cNvPr id="7" name="Slide Number Placeholder 6">
-            <a:extLst>
-              <a:ext uri="{FF2B5EF4-FFF2-40B4-BE49-F238E27FC236}">
-                <a16:creationId xmlns:a16="http://schemas.microsoft.com/office/drawing/2014/main" id="{4EA9CE0B-DBBB-4819-8BD8-6D449AD46C6D}"/>
-              </a:ext>
-            </a:extLst>
-          </p:cNvPr>
+          <p:cNvPr id="7" name="Slide Number Placeholder 6"/>
           <p:cNvSpPr>
             <a:spLocks noGrp="1"/>
           </p:cNvSpPr>
@@ -2774,7 +5211,7 @@
     </p:spTree>
     <p:extLst>
       <p:ext uri="{BB962C8B-B14F-4D97-AF65-F5344CB8AC3E}">
-        <p14:creationId xmlns:p14="http://schemas.microsoft.com/office/powerpoint/2010/main" val="2498411629"/>
+        <p14:creationId xmlns:p14="http://schemas.microsoft.com/office/powerpoint/2010/main" val="1235680426"/>
       </p:ext>
     </p:extLst>
   </p:cSld>
@@ -2788,8 +5225,8 @@
 <p:sldMaster xmlns:a="http://schemas.openxmlformats.org/drawingml/2006/main" xmlns:r="http://schemas.openxmlformats.org/officeDocument/2006/relationships" xmlns:p="http://schemas.openxmlformats.org/presentationml/2006/main">
   <p:cSld>
     <p:bg>
-      <p:bgRef idx="1001">
-        <a:schemeClr val="bg1"/>
+      <p:bgRef idx="1003">
+        <a:schemeClr val="bg2"/>
       </p:bgRef>
     </p:bg>
     <p:spTree>
@@ -2806,143 +5243,420 @@
           <a:chExt cx="0" cy="0"/>
         </a:xfrm>
       </p:grpSpPr>
-      <p:sp>
-        <p:nvSpPr>
-          <p:cNvPr id="2" name="Title Placeholder 1">
+      <p:pic>
+        <p:nvPicPr>
+          <p:cNvPr id="8" name="Picture 7"/>
+          <p:cNvPicPr>
+            <a:picLocks noChangeAspect="1"/>
+          </p:cNvPicPr>
+          <p:nvPr/>
+        </p:nvPicPr>
+        <p:blipFill rotWithShape="1">
+          <a:blip r:embed="rId19">
             <a:extLst>
-              <a:ext uri="{FF2B5EF4-FFF2-40B4-BE49-F238E27FC236}">
-                <a16:creationId xmlns:a16="http://schemas.microsoft.com/office/drawing/2014/main" id="{0BA5ADED-86AD-4E60-B38F-689AC702FC63}"/>
+              <a:ext uri="{28A0092B-C50C-407E-A947-70E740481C1C}">
+                <a14:useLocalDpi xmlns:a14="http://schemas.microsoft.com/office/drawing/2010/main" val="0"/>
               </a:ext>
             </a:extLst>
-          </p:cNvPr>
-          <p:cNvSpPr>
-            <a:spLocks noGrp="1"/>
-          </p:cNvSpPr>
-          <p:nvPr>
-            <p:ph type="title"/>
-          </p:nvPr>
-        </p:nvSpPr>
+          </a:blip>
+          <a:srcRect l="3613"/>
+          <a:stretch/>
+        </p:blipFill>
         <p:spPr>
           <a:xfrm>
-            <a:off x="838200" y="365125"/>
-            <a:ext cx="10515600" cy="1325563"/>
+            <a:off x="0" y="2669685"/>
+            <a:ext cx="4037012" cy="4188315"/>
           </a:xfrm>
           <a:prstGeom prst="rect">
             <a:avLst/>
           </a:prstGeom>
         </p:spPr>
-        <p:txBody>
-          <a:bodyPr vert="horz" lIns="91440" tIns="45720" rIns="91440" bIns="45720" rtlCol="0" anchor="ctr">
-            <a:normAutofit/>
-          </a:bodyPr>
-          <a:lstStyle/>
-          <a:p>
-            <a:r>
-              <a:rPr lang="en-US"/>
-              <a:t>Click to edit Master title style</a:t>
-            </a:r>
-            <a:endParaRPr lang="en-IN"/>
-          </a:p>
-        </p:txBody>
-      </p:sp>
-      <p:sp>
-        <p:nvSpPr>
-          <p:cNvPr id="3" name="Text Placeholder 2">
+      </p:pic>
+      <p:pic>
+        <p:nvPicPr>
+          <p:cNvPr id="7" name="Picture 6"/>
+          <p:cNvPicPr>
+            <a:picLocks noChangeAspect="1"/>
+          </p:cNvPicPr>
+          <p:nvPr/>
+        </p:nvPicPr>
+        <p:blipFill rotWithShape="1">
+          <a:blip r:embed="rId20">
             <a:extLst>
-              <a:ext uri="{FF2B5EF4-FFF2-40B4-BE49-F238E27FC236}">
-                <a16:creationId xmlns:a16="http://schemas.microsoft.com/office/drawing/2014/main" id="{F76710E5-D585-4580-BCC2-DDAB33EBCC58}"/>
+              <a:ext uri="{28A0092B-C50C-407E-A947-70E740481C1C}">
+                <a14:useLocalDpi xmlns:a14="http://schemas.microsoft.com/office/drawing/2010/main" val="0"/>
               </a:ext>
             </a:extLst>
-          </p:cNvPr>
-          <p:cNvSpPr>
-            <a:spLocks noGrp="1"/>
-          </p:cNvSpPr>
-          <p:nvPr>
-            <p:ph type="body" idx="1"/>
-          </p:nvPr>
-        </p:nvSpPr>
+          </a:blip>
+          <a:srcRect l="35640"/>
+          <a:stretch/>
+        </p:blipFill>
         <p:spPr>
           <a:xfrm>
-            <a:off x="838200" y="1825625"/>
-            <a:ext cx="10515600" cy="4351338"/>
+            <a:off x="0" y="2892347"/>
+            <a:ext cx="1522412" cy="2365453"/>
           </a:xfrm>
           <a:prstGeom prst="rect">
             <a:avLst/>
           </a:prstGeom>
         </p:spPr>
-        <p:txBody>
-          <a:bodyPr vert="horz" lIns="91440" tIns="45720" rIns="91440" bIns="45720" rtlCol="0">
-            <a:normAutofit/>
-          </a:bodyPr>
-          <a:lstStyle/>
-          <a:p>
-            <a:pPr lvl="0"/>
-            <a:r>
-              <a:rPr lang="en-US"/>
-              <a:t>Click to edit Master text styles</a:t>
-            </a:r>
-          </a:p>
-          <a:p>
-            <a:pPr lvl="1"/>
-            <a:r>
-              <a:rPr lang="en-US"/>
-              <a:t>Second level</a:t>
-            </a:r>
-          </a:p>
-          <a:p>
-            <a:pPr lvl="2"/>
-            <a:r>
-              <a:rPr lang="en-US"/>
-              <a:t>Third level</a:t>
-            </a:r>
-          </a:p>
-          <a:p>
-            <a:pPr lvl="3"/>
-            <a:r>
-              <a:rPr lang="en-US"/>
-              <a:t>Fourth level</a:t>
-            </a:r>
-          </a:p>
-          <a:p>
-            <a:pPr lvl="4"/>
-            <a:r>
-              <a:rPr lang="en-US"/>
-              <a:t>Fifth level</a:t>
-            </a:r>
-            <a:endParaRPr lang="en-IN"/>
-          </a:p>
-        </p:txBody>
-      </p:sp>
-      <p:sp>
-        <p:nvSpPr>
-          <p:cNvPr id="4" name="Date Placeholder 3">
+      </p:pic>
+      <p:sp>
+        <p:nvSpPr>
+          <p:cNvPr id="16" name="Oval 15"/>
+          <p:cNvSpPr/>
+          <p:nvPr/>
+        </p:nvSpPr>
+        <p:spPr>
+          <a:xfrm>
+            <a:off x="8609012" y="1676400"/>
+            <a:ext cx="2819400" cy="2819400"/>
+          </a:xfrm>
+          <a:prstGeom prst="ellipse">
+            <a:avLst/>
+          </a:prstGeom>
+          <a:gradFill flip="none" rotWithShape="1">
+            <a:gsLst>
+              <a:gs pos="0">
+                <a:schemeClr val="bg2">
+                  <a:lumMod val="60000"/>
+                  <a:lumOff val="40000"/>
+                  <a:alpha val="7000"/>
+                </a:schemeClr>
+              </a:gs>
+              <a:gs pos="69000">
+                <a:schemeClr val="bg2">
+                  <a:lumMod val="60000"/>
+                  <a:lumOff val="40000"/>
+                  <a:alpha val="0"/>
+                </a:schemeClr>
+              </a:gs>
+              <a:gs pos="36000">
+                <a:schemeClr val="bg2">
+                  <a:lumMod val="60000"/>
+                  <a:lumOff val="40000"/>
+                  <a:alpha val="6000"/>
+                </a:schemeClr>
+              </a:gs>
+            </a:gsLst>
+            <a:path path="circle">
+              <a:fillToRect l="50000" t="50000" r="50000" b="50000"/>
+            </a:path>
+            <a:tileRect/>
+          </a:gradFill>
+          <a:ln>
+            <a:noFill/>
+          </a:ln>
+          <a:effectLst/>
+        </p:spPr>
+        <p:style>
+          <a:lnRef idx="1">
+            <a:schemeClr val="accent1"/>
+          </a:lnRef>
+          <a:fillRef idx="3">
+            <a:schemeClr val="accent1"/>
+          </a:fillRef>
+          <a:effectRef idx="2">
+            <a:schemeClr val="accent1"/>
+          </a:effectRef>
+          <a:fontRef idx="minor">
+            <a:schemeClr val="lt1"/>
+          </a:fontRef>
+        </p:style>
+      </p:sp>
+      <p:pic>
+        <p:nvPicPr>
+          <p:cNvPr id="9" name="Picture 8"/>
+          <p:cNvPicPr>
+            <a:picLocks noChangeAspect="1"/>
+          </p:cNvPicPr>
+          <p:nvPr/>
+        </p:nvPicPr>
+        <p:blipFill rotWithShape="1">
+          <a:blip r:embed="rId21">
             <a:extLst>
-              <a:ext uri="{FF2B5EF4-FFF2-40B4-BE49-F238E27FC236}">
-                <a16:creationId xmlns:a16="http://schemas.microsoft.com/office/drawing/2014/main" id="{98B2D9A5-DD80-49EC-AB19-E0A6539D3827}"/>
+              <a:ext uri="{28A0092B-C50C-407E-A947-70E740481C1C}">
+                <a14:useLocalDpi xmlns:a14="http://schemas.microsoft.com/office/drawing/2010/main" val="0"/>
               </a:ext>
             </a:extLst>
-          </p:cNvPr>
-          <p:cNvSpPr>
-            <a:spLocks noGrp="1"/>
-          </p:cNvSpPr>
-          <p:nvPr>
-            <p:ph type="dt" sz="half" idx="2"/>
-          </p:nvPr>
-        </p:nvSpPr>
+          </a:blip>
+          <a:srcRect t="28813"/>
+          <a:stretch/>
+        </p:blipFill>
         <p:spPr>
           <a:xfrm>
-            <a:off x="838200" y="6356350"/>
-            <a:ext cx="2743200" cy="365125"/>
+            <a:off x="7999412" y="0"/>
+            <a:ext cx="1603387" cy="1141407"/>
           </a:xfrm>
           <a:prstGeom prst="rect">
             <a:avLst/>
           </a:prstGeom>
         </p:spPr>
-        <p:txBody>
-          <a:bodyPr vert="horz" lIns="91440" tIns="45720" rIns="91440" bIns="45720" rtlCol="0" anchor="ctr"/>
+      </p:pic>
+      <p:pic>
+        <p:nvPicPr>
+          <p:cNvPr id="10" name="Picture 9"/>
+          <p:cNvPicPr>
+            <a:picLocks noChangeAspect="1"/>
+          </p:cNvPicPr>
+          <p:nvPr/>
+        </p:nvPicPr>
+        <p:blipFill rotWithShape="1">
+          <a:blip r:embed="rId22">
+            <a:extLst>
+              <a:ext uri="{28A0092B-C50C-407E-A947-70E740481C1C}">
+                <a14:useLocalDpi xmlns:a14="http://schemas.microsoft.com/office/drawing/2010/main" val="0"/>
+              </a:ext>
+            </a:extLst>
+          </a:blip>
+          <a:srcRect b="23320"/>
+          <a:stretch/>
+        </p:blipFill>
+        <p:spPr>
+          <a:xfrm>
+            <a:off x="8605878" y="6096000"/>
+            <a:ext cx="993734" cy="762000"/>
+          </a:xfrm>
+          <a:prstGeom prst="rect">
+            <a:avLst/>
+          </a:prstGeom>
+        </p:spPr>
+      </p:pic>
+      <p:sp>
+        <p:nvSpPr>
+          <p:cNvPr id="14" name="Rectangle 13"/>
+          <p:cNvSpPr/>
+          <p:nvPr/>
+        </p:nvSpPr>
+        <p:spPr>
+          <a:xfrm>
+            <a:off x="10437812" y="0"/>
+            <a:ext cx="685800" cy="1143000"/>
+          </a:xfrm>
+          <a:prstGeom prst="rect">
+            <a:avLst/>
+          </a:prstGeom>
+          <a:solidFill>
+            <a:schemeClr val="accent1"/>
+          </a:solidFill>
+          <a:ln>
+            <a:noFill/>
+          </a:ln>
+        </p:spPr>
+        <p:style>
+          <a:lnRef idx="1">
+            <a:schemeClr val="accent1"/>
+          </a:lnRef>
+          <a:fillRef idx="3">
+            <a:schemeClr val="accent1"/>
+          </a:fillRef>
+          <a:effectRef idx="2">
+            <a:schemeClr val="accent1"/>
+          </a:effectRef>
+          <a:fontRef idx="minor">
+            <a:schemeClr val="lt1"/>
+          </a:fontRef>
+        </p:style>
+      </p:sp>
+      <p:sp>
+        <p:nvSpPr>
+          <p:cNvPr id="2" name="Title Placeholder 1"/>
+          <p:cNvSpPr>
+            <a:spLocks noGrp="1"/>
+          </p:cNvSpPr>
+          <p:nvPr>
+            <p:ph type="title"/>
+          </p:nvPr>
+        </p:nvSpPr>
+        <p:spPr>
+          <a:xfrm>
+            <a:off x="646111" y="452718"/>
+            <a:ext cx="9404723" cy="1400530"/>
+          </a:xfrm>
+          <a:prstGeom prst="rect">
+            <a:avLst/>
+          </a:prstGeom>
+        </p:spPr>
+        <p:txBody>
+          <a:bodyPr vert="horz" lIns="91440" tIns="45720" rIns="91440" bIns="45720" rtlCol="0" anchor="t">
+            <a:noAutofit/>
+          </a:bodyPr>
+          <a:lstStyle/>
+          <a:p>
+            <a:r>
+              <a:rPr lang="en-US"/>
+              <a:t>Click to edit Master title style</a:t>
+            </a:r>
+            <a:endParaRPr lang="en-US" dirty="0"/>
+          </a:p>
+        </p:txBody>
+      </p:sp>
+      <p:sp>
+        <p:nvSpPr>
+          <p:cNvPr id="3" name="Text Placeholder 2"/>
+          <p:cNvSpPr>
+            <a:spLocks noGrp="1"/>
+          </p:cNvSpPr>
+          <p:nvPr>
+            <p:ph type="body" idx="1"/>
+          </p:nvPr>
+        </p:nvSpPr>
+        <p:spPr>
+          <a:xfrm>
+            <a:off x="1103312" y="2052918"/>
+            <a:ext cx="8946541" cy="4195481"/>
+          </a:xfrm>
+          <a:prstGeom prst="rect">
+            <a:avLst/>
+          </a:prstGeom>
+        </p:spPr>
+        <p:txBody>
+          <a:bodyPr vert="horz" lIns="91440" tIns="45720" rIns="91440" bIns="45720" rtlCol="0">
+            <a:normAutofit/>
+          </a:bodyPr>
+          <a:lstStyle/>
+          <a:p>
+            <a:pPr lvl="0"/>
+            <a:r>
+              <a:rPr lang="en-US"/>
+              <a:t>Click to edit Master text styles</a:t>
+            </a:r>
+          </a:p>
+          <a:p>
+            <a:pPr lvl="1"/>
+            <a:r>
+              <a:rPr lang="en-US"/>
+              <a:t>Second level</a:t>
+            </a:r>
+          </a:p>
+          <a:p>
+            <a:pPr lvl="2"/>
+            <a:r>
+              <a:rPr lang="en-US"/>
+              <a:t>Third level</a:t>
+            </a:r>
+          </a:p>
+          <a:p>
+            <a:pPr lvl="3"/>
+            <a:r>
+              <a:rPr lang="en-US"/>
+              <a:t>Fourth level</a:t>
+            </a:r>
+          </a:p>
+          <a:p>
+            <a:pPr lvl="4"/>
+            <a:r>
+              <a:rPr lang="en-US"/>
+              <a:t>Fifth level</a:t>
+            </a:r>
+            <a:endParaRPr lang="en-US" dirty="0"/>
+          </a:p>
+        </p:txBody>
+      </p:sp>
+      <p:sp>
+        <p:nvSpPr>
+          <p:cNvPr id="4" name="Date Placeholder 3"/>
+          <p:cNvSpPr>
+            <a:spLocks noGrp="1"/>
+          </p:cNvSpPr>
+          <p:nvPr>
+            <p:ph type="dt" sz="half" idx="2"/>
+          </p:nvPr>
+        </p:nvSpPr>
+        <p:spPr>
+          <a:xfrm rot="5400000">
+            <a:off x="10155639" y="1790701"/>
+            <a:ext cx="990599" cy="304799"/>
+          </a:xfrm>
+          <a:prstGeom prst="rect">
+            <a:avLst/>
+          </a:prstGeom>
+        </p:spPr>
+        <p:txBody>
+          <a:bodyPr vert="horz" lIns="91440" tIns="45720" rIns="91440" bIns="45720" rtlCol="0" anchor="t"/>
           <a:lstStyle>
             <a:lvl1pPr algn="l">
-              <a:defRPr sz="1200">
+              <a:defRPr sz="1100" b="0" i="0">
+                <a:solidFill>
+                  <a:schemeClr val="tx1">
+                    <a:tint val="75000"/>
+                    <a:alpha val="60000"/>
+                  </a:schemeClr>
+                </a:solidFill>
+              </a:defRPr>
+            </a:lvl1pPr>
+          </a:lstStyle>
+          <a:p>
+            <a:fld id="{EAE8375A-8306-412D-BDCB-DB3A416C3ADC}" type="datetimeFigureOut">
+              <a:rPr lang="en-IN" smtClean="0"/>
+              <a:t>01-02-2021</a:t>
+            </a:fld>
+            <a:endParaRPr lang="en-IN"/>
+          </a:p>
+        </p:txBody>
+      </p:sp>
+      <p:sp>
+        <p:nvSpPr>
+          <p:cNvPr id="5" name="Footer Placeholder 4"/>
+          <p:cNvSpPr>
+            <a:spLocks noGrp="1"/>
+          </p:cNvSpPr>
+          <p:nvPr>
+            <p:ph type="ftr" sz="quarter" idx="3"/>
+          </p:nvPr>
+        </p:nvSpPr>
+        <p:spPr>
+          <a:xfrm rot="5400000">
+            <a:off x="8951573" y="3225297"/>
+            <a:ext cx="3859795" cy="304801"/>
+          </a:xfrm>
+          <a:prstGeom prst="rect">
+            <a:avLst/>
+          </a:prstGeom>
+        </p:spPr>
+        <p:txBody>
+          <a:bodyPr vert="horz" lIns="91440" tIns="45720" rIns="91440" bIns="45720" rtlCol="0" anchor="b"/>
+          <a:lstStyle>
+            <a:lvl1pPr algn="l">
+              <a:defRPr sz="1100" b="0" i="0">
+                <a:solidFill>
+                  <a:schemeClr val="tx1">
+                    <a:tint val="75000"/>
+                    <a:alpha val="60000"/>
+                  </a:schemeClr>
+                </a:solidFill>
+              </a:defRPr>
+            </a:lvl1pPr>
+          </a:lstStyle>
+          <a:p>
+            <a:endParaRPr lang="en-IN"/>
+          </a:p>
+        </p:txBody>
+      </p:sp>
+      <p:sp>
+        <p:nvSpPr>
+          <p:cNvPr id="6" name="Slide Number Placeholder 5"/>
+          <p:cNvSpPr>
+            <a:spLocks noGrp="1"/>
+          </p:cNvSpPr>
+          <p:nvPr>
+            <p:ph type="sldNum" sz="quarter" idx="4"/>
+          </p:nvPr>
+        </p:nvSpPr>
+        <p:spPr bwMode="gray">
+          <a:xfrm>
+            <a:off x="10352540" y="295729"/>
+            <a:ext cx="838199" cy="767687"/>
+          </a:xfrm>
+          <a:prstGeom prst="rect">
+            <a:avLst/>
+          </a:prstGeom>
+        </p:spPr>
+        <p:txBody>
+          <a:bodyPr vert="horz" lIns="91440" tIns="45720" rIns="91440" bIns="45720" rtlCol="0" anchor="b"/>
+          <a:lstStyle>
+            <a:lvl1pPr algn="ctr">
+              <a:defRPr sz="2800" b="0" i="0">
                 <a:solidFill>
                   <a:schemeClr val="tx1">
                     <a:tint val="75000"/>
@@ -2952,96 +5666,6 @@
             </a:lvl1pPr>
           </a:lstStyle>
           <a:p>
-            <a:fld id="{EAE8375A-8306-412D-BDCB-DB3A416C3ADC}" type="datetimeFigureOut">
-              <a:rPr lang="en-IN" smtClean="0"/>
-              <a:t>29-01-2021</a:t>
-            </a:fld>
-            <a:endParaRPr lang="en-IN"/>
-          </a:p>
-        </p:txBody>
-      </p:sp>
-      <p:sp>
-        <p:nvSpPr>
-          <p:cNvPr id="5" name="Footer Placeholder 4">
-            <a:extLst>
-              <a:ext uri="{FF2B5EF4-FFF2-40B4-BE49-F238E27FC236}">
-                <a16:creationId xmlns:a16="http://schemas.microsoft.com/office/drawing/2014/main" id="{621888F8-70F4-4525-8414-56CF77C6BAA8}"/>
-              </a:ext>
-            </a:extLst>
-          </p:cNvPr>
-          <p:cNvSpPr>
-            <a:spLocks noGrp="1"/>
-          </p:cNvSpPr>
-          <p:nvPr>
-            <p:ph type="ftr" sz="quarter" idx="3"/>
-          </p:nvPr>
-        </p:nvSpPr>
-        <p:spPr>
-          <a:xfrm>
-            <a:off x="4038600" y="6356350"/>
-            <a:ext cx="4114800" cy="365125"/>
-          </a:xfrm>
-          <a:prstGeom prst="rect">
-            <a:avLst/>
-          </a:prstGeom>
-        </p:spPr>
-        <p:txBody>
-          <a:bodyPr vert="horz" lIns="91440" tIns="45720" rIns="91440" bIns="45720" rtlCol="0" anchor="ctr"/>
-          <a:lstStyle>
-            <a:lvl1pPr algn="ctr">
-              <a:defRPr sz="1200">
-                <a:solidFill>
-                  <a:schemeClr val="tx1">
-                    <a:tint val="75000"/>
-                  </a:schemeClr>
-                </a:solidFill>
-              </a:defRPr>
-            </a:lvl1pPr>
-          </a:lstStyle>
-          <a:p>
-            <a:endParaRPr lang="en-IN"/>
-          </a:p>
-        </p:txBody>
-      </p:sp>
-      <p:sp>
-        <p:nvSpPr>
-          <p:cNvPr id="6" name="Slide Number Placeholder 5">
-            <a:extLst>
-              <a:ext uri="{FF2B5EF4-FFF2-40B4-BE49-F238E27FC236}">
-                <a16:creationId xmlns:a16="http://schemas.microsoft.com/office/drawing/2014/main" id="{789B28B7-F13C-4440-9A4D-732F6E71BE1F}"/>
-              </a:ext>
-            </a:extLst>
-          </p:cNvPr>
-          <p:cNvSpPr>
-            <a:spLocks noGrp="1"/>
-          </p:cNvSpPr>
-          <p:nvPr>
-            <p:ph type="sldNum" sz="quarter" idx="4"/>
-          </p:nvPr>
-        </p:nvSpPr>
-        <p:spPr>
-          <a:xfrm>
-            <a:off x="8610600" y="6356350"/>
-            <a:ext cx="2743200" cy="365125"/>
-          </a:xfrm>
-          <a:prstGeom prst="rect">
-            <a:avLst/>
-          </a:prstGeom>
-        </p:spPr>
-        <p:txBody>
-          <a:bodyPr vert="horz" lIns="91440" tIns="45720" rIns="91440" bIns="45720" rtlCol="0" anchor="ctr"/>
-          <a:lstStyle>
-            <a:lvl1pPr algn="r">
-              <a:defRPr sz="1200">
-                <a:solidFill>
-                  <a:schemeClr val="tx1">
-                    <a:tint val="75000"/>
-                  </a:schemeClr>
-                </a:solidFill>
-              </a:defRPr>
-            </a:lvl1pPr>
-          </a:lstStyle>
-          <a:p>
             <a:fld id="{2F433A83-3F73-40E9-8D42-9E31BD9B811C}" type="slidenum">
               <a:rPr lang="en-IN" smtClean="0"/>
               <a:t>‹#›</a:t>
@@ -3053,35 +5677,121 @@
     </p:spTree>
     <p:extLst>
       <p:ext uri="{BB962C8B-B14F-4D97-AF65-F5344CB8AC3E}">
-        <p14:creationId xmlns:p14="http://schemas.microsoft.com/office/powerpoint/2010/main" val="457179831"/>
+        <p14:creationId xmlns:p14="http://schemas.microsoft.com/office/powerpoint/2010/main" val="3837107898"/>
       </p:ext>
     </p:extLst>
   </p:cSld>
-  <p:clrMap bg1="lt1" tx1="dk1" bg2="lt2" tx2="dk2" accent1="accent1" accent2="accent2" accent3="accent3" accent4="accent4" accent5="accent5" accent6="accent6" hlink="hlink" folHlink="folHlink"/>
+  <p:clrMap bg1="dk1" tx1="lt1" bg2="dk2" tx2="lt2" accent1="accent1" accent2="accent2" accent3="accent3" accent4="accent4" accent5="accent5" accent6="accent6" hlink="hlink" folHlink="folHlink"/>
   <p:sldLayoutIdLst>
-    <p:sldLayoutId id="2147483649" r:id="rId1"/>
-    <p:sldLayoutId id="2147483650" r:id="rId2"/>
-    <p:sldLayoutId id="2147483651" r:id="rId3"/>
-    <p:sldLayoutId id="2147483652" r:id="rId4"/>
-    <p:sldLayoutId id="2147483653" r:id="rId5"/>
-    <p:sldLayoutId id="2147483654" r:id="rId6"/>
-    <p:sldLayoutId id="2147483655" r:id="rId7"/>
-    <p:sldLayoutId id="2147483656" r:id="rId8"/>
-    <p:sldLayoutId id="2147483657" r:id="rId9"/>
-    <p:sldLayoutId id="2147483658" r:id="rId10"/>
-    <p:sldLayoutId id="2147483659" r:id="rId11"/>
+    <p:sldLayoutId id="2147483661" r:id="rId1"/>
+    <p:sldLayoutId id="2147483662" r:id="rId2"/>
+    <p:sldLayoutId id="2147483663" r:id="rId3"/>
+    <p:sldLayoutId id="2147483664" r:id="rId4"/>
+    <p:sldLayoutId id="2147483665" r:id="rId5"/>
+    <p:sldLayoutId id="2147483666" r:id="rId6"/>
+    <p:sldLayoutId id="2147483667" r:id="rId7"/>
+    <p:sldLayoutId id="2147483668" r:id="rId8"/>
+    <p:sldLayoutId id="2147483669" r:id="rId9"/>
+    <p:sldLayoutId id="2147483670" r:id="rId10"/>
+    <p:sldLayoutId id="2147483671" r:id="rId11"/>
+    <p:sldLayoutId id="2147483672" r:id="rId12"/>
+    <p:sldLayoutId id="2147483673" r:id="rId13"/>
+    <p:sldLayoutId id="2147483674" r:id="rId14"/>
+    <p:sldLayoutId id="2147483675" r:id="rId15"/>
+    <p:sldLayoutId id="2147483676" r:id="rId16"/>
+    <p:sldLayoutId id="2147483677" r:id="rId17"/>
   </p:sldLayoutIdLst>
   <p:txStyles>
     <p:titleStyle>
-      <a:lvl1pPr algn="l" defTabSz="914400" rtl="0" eaLnBrk="1" latinLnBrk="0" hangingPunct="1">
-        <a:lnSpc>
-          <a:spcPct val="90000"/>
-        </a:lnSpc>
+      <a:lvl1pPr algn="l" defTabSz="457200" rtl="0" eaLnBrk="1" latinLnBrk="0" hangingPunct="1">
         <a:spcBef>
           <a:spcPct val="0"/>
         </a:spcBef>
         <a:buNone/>
-        <a:defRPr sz="4400" kern="1200">
+        <a:defRPr sz="4200" b="0" i="0" kern="1200">
+          <a:solidFill>
+            <a:schemeClr val="tx2"/>
+          </a:solidFill>
+          <a:latin typeface="+mj-lt"/>
+          <a:ea typeface="+mj-ea"/>
+          <a:cs typeface="+mj-cs"/>
+        </a:defRPr>
+      </a:lvl1pPr>
+      <a:lvl2pPr eaLnBrk="1" hangingPunct="1">
+        <a:defRPr>
+          <a:solidFill>
+            <a:schemeClr val="tx2"/>
+          </a:solidFill>
+        </a:defRPr>
+      </a:lvl2pPr>
+      <a:lvl3pPr eaLnBrk="1" hangingPunct="1">
+        <a:defRPr>
+          <a:solidFill>
+            <a:schemeClr val="tx2"/>
+          </a:solidFill>
+        </a:defRPr>
+      </a:lvl3pPr>
+      <a:lvl4pPr eaLnBrk="1" hangingPunct="1">
+        <a:defRPr>
+          <a:solidFill>
+            <a:schemeClr val="tx2"/>
+          </a:solidFill>
+        </a:defRPr>
+      </a:lvl4pPr>
+      <a:lvl5pPr eaLnBrk="1" hangingPunct="1">
+        <a:defRPr>
+          <a:solidFill>
+            <a:schemeClr val="tx2"/>
+          </a:solidFill>
+        </a:defRPr>
+      </a:lvl5pPr>
+      <a:lvl6pPr eaLnBrk="1" hangingPunct="1">
+        <a:defRPr>
+          <a:solidFill>
+            <a:schemeClr val="tx2"/>
+          </a:solidFill>
+        </a:defRPr>
+      </a:lvl6pPr>
+      <a:lvl7pPr eaLnBrk="1" hangingPunct="1">
+        <a:defRPr>
+          <a:solidFill>
+            <a:schemeClr val="tx2"/>
+          </a:solidFill>
+        </a:defRPr>
+      </a:lvl7pPr>
+      <a:lvl8pPr eaLnBrk="1" hangingPunct="1">
+        <a:defRPr>
+          <a:solidFill>
+            <a:schemeClr val="tx2"/>
+          </a:solidFill>
+        </a:defRPr>
+      </a:lvl8pPr>
+      <a:lvl9pPr eaLnBrk="1" hangingPunct="1">
+        <a:defRPr>
+          <a:solidFill>
+            <a:schemeClr val="tx2"/>
+          </a:solidFill>
+        </a:defRPr>
+      </a:lvl9pPr>
+    </p:titleStyle>
+    <p:bodyStyle>
+      <a:lvl1pPr marL="342900" indent="-342900" algn="l" defTabSz="457200" rtl="0" eaLnBrk="1" latinLnBrk="0" hangingPunct="1">
+        <a:spcBef>
+          <a:spcPts val="1000"/>
+        </a:spcBef>
+        <a:spcAft>
+          <a:spcPts val="0"/>
+        </a:spcAft>
+        <a:buClr>
+          <a:schemeClr val="bg2">
+            <a:lumMod val="40000"/>
+            <a:lumOff val="60000"/>
+          </a:schemeClr>
+        </a:buClr>
+        <a:buSzPct val="80000"/>
+        <a:buFont typeface="Wingdings 3" charset="2"/>
+        <a:buChar char=""/>
+        <a:defRPr sz="2000" b="0" i="0" kern="1200">
           <a:solidFill>
             <a:schemeClr val="tx1"/>
           </a:solidFill>
@@ -3090,18 +5800,213 @@
           <a:cs typeface="+mj-cs"/>
         </a:defRPr>
       </a:lvl1pPr>
-    </p:titleStyle>
-    <p:bodyStyle>
-      <a:lvl1pPr marL="228600" indent="-228600" algn="l" defTabSz="914400" rtl="0" eaLnBrk="1" latinLnBrk="0" hangingPunct="1">
-        <a:lnSpc>
-          <a:spcPct val="90000"/>
-        </a:lnSpc>
+      <a:lvl2pPr marL="742950" indent="-285750" algn="l" defTabSz="457200" rtl="0" eaLnBrk="1" latinLnBrk="0" hangingPunct="1">
         <a:spcBef>
           <a:spcPts val="1000"/>
         </a:spcBef>
-        <a:buFont typeface="Arial" panose="020B0604020202020204" pitchFamily="34" charset="0"/>
-        <a:buChar char="•"/>
-        <a:defRPr sz="2800" kern="1200">
+        <a:spcAft>
+          <a:spcPts val="0"/>
+        </a:spcAft>
+        <a:buClr>
+          <a:schemeClr val="bg2">
+            <a:lumMod val="40000"/>
+            <a:lumOff val="60000"/>
+          </a:schemeClr>
+        </a:buClr>
+        <a:buSzPct val="80000"/>
+        <a:buFont typeface="Wingdings 3" charset="2"/>
+        <a:buChar char=""/>
+        <a:defRPr sz="1800" b="0" i="0" kern="1200">
+          <a:solidFill>
+            <a:schemeClr val="tx1"/>
+          </a:solidFill>
+          <a:latin typeface="+mj-lt"/>
+          <a:ea typeface="+mj-ea"/>
+          <a:cs typeface="+mj-cs"/>
+        </a:defRPr>
+      </a:lvl2pPr>
+      <a:lvl3pPr marL="1143000" indent="-228600" algn="l" defTabSz="457200" rtl="0" eaLnBrk="1" latinLnBrk="0" hangingPunct="1">
+        <a:spcBef>
+          <a:spcPts val="1000"/>
+        </a:spcBef>
+        <a:spcAft>
+          <a:spcPts val="0"/>
+        </a:spcAft>
+        <a:buClr>
+          <a:schemeClr val="bg2">
+            <a:lumMod val="40000"/>
+            <a:lumOff val="60000"/>
+          </a:schemeClr>
+        </a:buClr>
+        <a:buSzPct val="80000"/>
+        <a:buFont typeface="Wingdings 3" charset="2"/>
+        <a:buChar char=""/>
+        <a:defRPr sz="1600" b="0" i="0" kern="1200">
+          <a:solidFill>
+            <a:schemeClr val="tx1"/>
+          </a:solidFill>
+          <a:latin typeface="+mj-lt"/>
+          <a:ea typeface="+mj-ea"/>
+          <a:cs typeface="+mj-cs"/>
+        </a:defRPr>
+      </a:lvl3pPr>
+      <a:lvl4pPr marL="1600200" indent="-228600" algn="l" defTabSz="457200" rtl="0" eaLnBrk="1" latinLnBrk="0" hangingPunct="1">
+        <a:spcBef>
+          <a:spcPts val="1000"/>
+        </a:spcBef>
+        <a:spcAft>
+          <a:spcPts val="0"/>
+        </a:spcAft>
+        <a:buClr>
+          <a:schemeClr val="bg2">
+            <a:lumMod val="40000"/>
+            <a:lumOff val="60000"/>
+          </a:schemeClr>
+        </a:buClr>
+        <a:buSzPct val="80000"/>
+        <a:buFont typeface="Wingdings 3" charset="2"/>
+        <a:buChar char=""/>
+        <a:defRPr sz="1400" b="0" i="0" kern="1200">
+          <a:solidFill>
+            <a:schemeClr val="tx1"/>
+          </a:solidFill>
+          <a:latin typeface="+mj-lt"/>
+          <a:ea typeface="+mj-ea"/>
+          <a:cs typeface="+mj-cs"/>
+        </a:defRPr>
+      </a:lvl4pPr>
+      <a:lvl5pPr marL="2057400" indent="-228600" algn="l" defTabSz="457200" rtl="0" eaLnBrk="1" latinLnBrk="0" hangingPunct="1">
+        <a:spcBef>
+          <a:spcPts val="1000"/>
+        </a:spcBef>
+        <a:spcAft>
+          <a:spcPts val="0"/>
+        </a:spcAft>
+        <a:buClr>
+          <a:schemeClr val="bg2">
+            <a:lumMod val="40000"/>
+            <a:lumOff val="60000"/>
+          </a:schemeClr>
+        </a:buClr>
+        <a:buSzPct val="80000"/>
+        <a:buFont typeface="Wingdings 3" charset="2"/>
+        <a:buChar char=""/>
+        <a:defRPr sz="1400" b="0" i="0" kern="1200">
+          <a:solidFill>
+            <a:schemeClr val="tx1"/>
+          </a:solidFill>
+          <a:latin typeface="+mj-lt"/>
+          <a:ea typeface="+mj-ea"/>
+          <a:cs typeface="+mj-cs"/>
+        </a:defRPr>
+      </a:lvl5pPr>
+      <a:lvl6pPr marL="2506000" indent="-228600" algn="l" defTabSz="457200" rtl="0" eaLnBrk="1" latinLnBrk="0" hangingPunct="1">
+        <a:spcBef>
+          <a:spcPts val="1000"/>
+        </a:spcBef>
+        <a:spcAft>
+          <a:spcPts val="0"/>
+        </a:spcAft>
+        <a:buClr>
+          <a:schemeClr val="bg2">
+            <a:lumMod val="40000"/>
+            <a:lumOff val="60000"/>
+          </a:schemeClr>
+        </a:buClr>
+        <a:buSzPct val="80000"/>
+        <a:buFont typeface="Wingdings 3" charset="2"/>
+        <a:buChar char=""/>
+        <a:defRPr sz="1400" b="0" i="0" kern="1200">
+          <a:solidFill>
+            <a:schemeClr val="tx1"/>
+          </a:solidFill>
+          <a:latin typeface="+mj-lt"/>
+          <a:ea typeface="+mj-ea"/>
+          <a:cs typeface="+mj-cs"/>
+        </a:defRPr>
+      </a:lvl6pPr>
+      <a:lvl7pPr marL="2971800" indent="-228600" algn="l" defTabSz="457200" rtl="0" eaLnBrk="1" latinLnBrk="0" hangingPunct="1">
+        <a:spcBef>
+          <a:spcPts val="1000"/>
+        </a:spcBef>
+        <a:spcAft>
+          <a:spcPts val="0"/>
+        </a:spcAft>
+        <a:buClr>
+          <a:schemeClr val="bg2">
+            <a:lumMod val="40000"/>
+            <a:lumOff val="60000"/>
+          </a:schemeClr>
+        </a:buClr>
+        <a:buSzPct val="80000"/>
+        <a:buFont typeface="Wingdings 3" charset="2"/>
+        <a:buChar char=""/>
+        <a:defRPr sz="1400" b="0" i="0" kern="1200">
+          <a:solidFill>
+            <a:schemeClr val="tx1"/>
+          </a:solidFill>
+          <a:latin typeface="+mj-lt"/>
+          <a:ea typeface="+mj-ea"/>
+          <a:cs typeface="+mj-cs"/>
+        </a:defRPr>
+      </a:lvl7pPr>
+      <a:lvl8pPr marL="3429000" indent="-228600" algn="l" defTabSz="457200" rtl="0" eaLnBrk="1" latinLnBrk="0" hangingPunct="1">
+        <a:spcBef>
+          <a:spcPts val="1000"/>
+        </a:spcBef>
+        <a:spcAft>
+          <a:spcPts val="0"/>
+        </a:spcAft>
+        <a:buClr>
+          <a:schemeClr val="bg2">
+            <a:lumMod val="40000"/>
+            <a:lumOff val="60000"/>
+          </a:schemeClr>
+        </a:buClr>
+        <a:buSzPct val="80000"/>
+        <a:buFont typeface="Wingdings 3" charset="2"/>
+        <a:buChar char=""/>
+        <a:defRPr sz="1400" b="0" i="0" kern="1200">
+          <a:solidFill>
+            <a:schemeClr val="tx1"/>
+          </a:solidFill>
+          <a:latin typeface="+mj-lt"/>
+          <a:ea typeface="+mj-ea"/>
+          <a:cs typeface="+mj-cs"/>
+        </a:defRPr>
+      </a:lvl8pPr>
+      <a:lvl9pPr marL="3886200" indent="-228600" algn="l" defTabSz="457200" rtl="0" eaLnBrk="1" latinLnBrk="0" hangingPunct="1">
+        <a:spcBef>
+          <a:spcPts val="1000"/>
+        </a:spcBef>
+        <a:spcAft>
+          <a:spcPts val="0"/>
+        </a:spcAft>
+        <a:buClr>
+          <a:schemeClr val="bg2">
+            <a:lumMod val="40000"/>
+            <a:lumOff val="60000"/>
+          </a:schemeClr>
+        </a:buClr>
+        <a:buSzPct val="80000"/>
+        <a:buFont typeface="Wingdings 3" charset="2"/>
+        <a:buChar char=""/>
+        <a:defRPr sz="1400" b="0" i="0" kern="1200">
+          <a:solidFill>
+            <a:schemeClr val="tx1"/>
+          </a:solidFill>
+          <a:latin typeface="+mj-lt"/>
+          <a:ea typeface="+mj-ea"/>
+          <a:cs typeface="+mj-cs"/>
+        </a:defRPr>
+      </a:lvl9pPr>
+    </p:bodyStyle>
+    <p:otherStyle>
+      <a:defPPr>
+        <a:defRPr lang="en-US"/>
+      </a:defPPr>
+      <a:lvl1pPr marL="0" algn="l" defTabSz="457200" rtl="0" eaLnBrk="1" latinLnBrk="0" hangingPunct="1">
+        <a:defRPr sz="1800" kern="1200">
           <a:solidFill>
             <a:schemeClr val="tx1"/>
           </a:solidFill>
@@ -3110,16 +6015,8 @@
           <a:cs typeface="+mn-cs"/>
         </a:defRPr>
       </a:lvl1pPr>
-      <a:lvl2pPr marL="685800" indent="-228600" algn="l" defTabSz="914400" rtl="0" eaLnBrk="1" latinLnBrk="0" hangingPunct="1">
-        <a:lnSpc>
-          <a:spcPct val="90000"/>
-        </a:lnSpc>
-        <a:spcBef>
-          <a:spcPts val="500"/>
-        </a:spcBef>
-        <a:buFont typeface="Arial" panose="020B0604020202020204" pitchFamily="34" charset="0"/>
-        <a:buChar char="•"/>
-        <a:defRPr sz="2400" kern="1200">
+      <a:lvl2pPr marL="457200" algn="l" defTabSz="457200" rtl="0" eaLnBrk="1" latinLnBrk="0" hangingPunct="1">
+        <a:defRPr sz="1800" kern="1200">
           <a:solidFill>
             <a:schemeClr val="tx1"/>
           </a:solidFill>
@@ -3128,16 +6025,8 @@
           <a:cs typeface="+mn-cs"/>
         </a:defRPr>
       </a:lvl2pPr>
-      <a:lvl3pPr marL="1143000" indent="-228600" algn="l" defTabSz="914400" rtl="0" eaLnBrk="1" latinLnBrk="0" hangingPunct="1">
-        <a:lnSpc>
-          <a:spcPct val="90000"/>
-        </a:lnSpc>
-        <a:spcBef>
-          <a:spcPts val="500"/>
-        </a:spcBef>
-        <a:buFont typeface="Arial" panose="020B0604020202020204" pitchFamily="34" charset="0"/>
-        <a:buChar char="•"/>
-        <a:defRPr sz="2000" kern="1200">
+      <a:lvl3pPr marL="914400" algn="l" defTabSz="457200" rtl="0" eaLnBrk="1" latinLnBrk="0" hangingPunct="1">
+        <a:defRPr sz="1800" kern="1200">
           <a:solidFill>
             <a:schemeClr val="tx1"/>
           </a:solidFill>
@@ -3146,15 +6035,7 @@
           <a:cs typeface="+mn-cs"/>
         </a:defRPr>
       </a:lvl3pPr>
-      <a:lvl4pPr marL="1600200" indent="-228600" algn="l" defTabSz="914400" rtl="0" eaLnBrk="1" latinLnBrk="0" hangingPunct="1">
-        <a:lnSpc>
-          <a:spcPct val="90000"/>
-        </a:lnSpc>
-        <a:spcBef>
-          <a:spcPts val="500"/>
-        </a:spcBef>
-        <a:buFont typeface="Arial" panose="020B0604020202020204" pitchFamily="34" charset="0"/>
-        <a:buChar char="•"/>
+      <a:lvl4pPr marL="1371600" algn="l" defTabSz="457200" rtl="0" eaLnBrk="1" latinLnBrk="0" hangingPunct="1">
         <a:defRPr sz="1800" kern="1200">
           <a:solidFill>
             <a:schemeClr val="tx1"/>
@@ -3164,15 +6045,7 @@
           <a:cs typeface="+mn-cs"/>
         </a:defRPr>
       </a:lvl4pPr>
-      <a:lvl5pPr marL="2057400" indent="-228600" algn="l" defTabSz="914400" rtl="0" eaLnBrk="1" latinLnBrk="0" hangingPunct="1">
-        <a:lnSpc>
-          <a:spcPct val="90000"/>
-        </a:lnSpc>
-        <a:spcBef>
-          <a:spcPts val="500"/>
-        </a:spcBef>
-        <a:buFont typeface="Arial" panose="020B0604020202020204" pitchFamily="34" charset="0"/>
-        <a:buChar char="•"/>
+      <a:lvl5pPr marL="1828800" algn="l" defTabSz="457200" rtl="0" eaLnBrk="1" latinLnBrk="0" hangingPunct="1">
         <a:defRPr sz="1800" kern="1200">
           <a:solidFill>
             <a:schemeClr val="tx1"/>
@@ -3182,15 +6055,7 @@
           <a:cs typeface="+mn-cs"/>
         </a:defRPr>
       </a:lvl5pPr>
-      <a:lvl6pPr marL="2514600" indent="-228600" algn="l" defTabSz="914400" rtl="0" eaLnBrk="1" latinLnBrk="0" hangingPunct="1">
-        <a:lnSpc>
-          <a:spcPct val="90000"/>
-        </a:lnSpc>
-        <a:spcBef>
-          <a:spcPts val="500"/>
-        </a:spcBef>
-        <a:buFont typeface="Arial" panose="020B0604020202020204" pitchFamily="34" charset="0"/>
-        <a:buChar char="•"/>
+      <a:lvl6pPr marL="2286000" algn="l" defTabSz="457200" rtl="0" eaLnBrk="1" latinLnBrk="0" hangingPunct="1">
         <a:defRPr sz="1800" kern="1200">
           <a:solidFill>
             <a:schemeClr val="tx1"/>
@@ -3200,15 +6065,7 @@
           <a:cs typeface="+mn-cs"/>
         </a:defRPr>
       </a:lvl6pPr>
-      <a:lvl7pPr marL="2971800" indent="-228600" algn="l" defTabSz="914400" rtl="0" eaLnBrk="1" latinLnBrk="0" hangingPunct="1">
-        <a:lnSpc>
-          <a:spcPct val="90000"/>
-        </a:lnSpc>
-        <a:spcBef>
-          <a:spcPts val="500"/>
-        </a:spcBef>
-        <a:buFont typeface="Arial" panose="020B0604020202020204" pitchFamily="34" charset="0"/>
-        <a:buChar char="•"/>
+      <a:lvl7pPr marL="2743200" algn="l" defTabSz="457200" rtl="0" eaLnBrk="1" latinLnBrk="0" hangingPunct="1">
         <a:defRPr sz="1800" kern="1200">
           <a:solidFill>
             <a:schemeClr val="tx1"/>
@@ -3218,15 +6075,7 @@
           <a:cs typeface="+mn-cs"/>
         </a:defRPr>
       </a:lvl7pPr>
-      <a:lvl8pPr marL="3429000" indent="-228600" algn="l" defTabSz="914400" rtl="0" eaLnBrk="1" latinLnBrk="0" hangingPunct="1">
-        <a:lnSpc>
-          <a:spcPct val="90000"/>
-        </a:lnSpc>
-        <a:spcBef>
-          <a:spcPts val="500"/>
-        </a:spcBef>
-        <a:buFont typeface="Arial" panose="020B0604020202020204" pitchFamily="34" charset="0"/>
-        <a:buChar char="•"/>
+      <a:lvl8pPr marL="3200400" algn="l" defTabSz="457200" rtl="0" eaLnBrk="1" latinLnBrk="0" hangingPunct="1">
         <a:defRPr sz="1800" kern="1200">
           <a:solidFill>
             <a:schemeClr val="tx1"/>
@@ -3236,110 +6085,7 @@
           <a:cs typeface="+mn-cs"/>
         </a:defRPr>
       </a:lvl8pPr>
-      <a:lvl9pPr marL="3886200" indent="-228600" algn="l" defTabSz="914400" rtl="0" eaLnBrk="1" latinLnBrk="0" hangingPunct="1">
-        <a:lnSpc>
-          <a:spcPct val="90000"/>
-        </a:lnSpc>
-        <a:spcBef>
-          <a:spcPts val="500"/>
-        </a:spcBef>
-        <a:buFont typeface="Arial" panose="020B0604020202020204" pitchFamily="34" charset="0"/>
-        <a:buChar char="•"/>
-        <a:defRPr sz="1800" kern="1200">
-          <a:solidFill>
-            <a:schemeClr val="tx1"/>
-          </a:solidFill>
-          <a:latin typeface="+mn-lt"/>
-          <a:ea typeface="+mn-ea"/>
-          <a:cs typeface="+mn-cs"/>
-        </a:defRPr>
-      </a:lvl9pPr>
-    </p:bodyStyle>
-    <p:otherStyle>
-      <a:defPPr>
-        <a:defRPr lang="en-US"/>
-      </a:defPPr>
-      <a:lvl1pPr marL="0" algn="l" defTabSz="914400" rtl="0" eaLnBrk="1" latinLnBrk="0" hangingPunct="1">
-        <a:defRPr sz="1800" kern="1200">
-          <a:solidFill>
-            <a:schemeClr val="tx1"/>
-          </a:solidFill>
-          <a:latin typeface="+mn-lt"/>
-          <a:ea typeface="+mn-ea"/>
-          <a:cs typeface="+mn-cs"/>
-        </a:defRPr>
-      </a:lvl1pPr>
-      <a:lvl2pPr marL="457200" algn="l" defTabSz="914400" rtl="0" eaLnBrk="1" latinLnBrk="0" hangingPunct="1">
-        <a:defRPr sz="1800" kern="1200">
-          <a:solidFill>
-            <a:schemeClr val="tx1"/>
-          </a:solidFill>
-          <a:latin typeface="+mn-lt"/>
-          <a:ea typeface="+mn-ea"/>
-          <a:cs typeface="+mn-cs"/>
-        </a:defRPr>
-      </a:lvl2pPr>
-      <a:lvl3pPr marL="914400" algn="l" defTabSz="914400" rtl="0" eaLnBrk="1" latinLnBrk="0" hangingPunct="1">
-        <a:defRPr sz="1800" kern="1200">
-          <a:solidFill>
-            <a:schemeClr val="tx1"/>
-          </a:solidFill>
-          <a:latin typeface="+mn-lt"/>
-          <a:ea typeface="+mn-ea"/>
-          <a:cs typeface="+mn-cs"/>
-        </a:defRPr>
-      </a:lvl3pPr>
-      <a:lvl4pPr marL="1371600" algn="l" defTabSz="914400" rtl="0" eaLnBrk="1" latinLnBrk="0" hangingPunct="1">
-        <a:defRPr sz="1800" kern="1200">
-          <a:solidFill>
-            <a:schemeClr val="tx1"/>
-          </a:solidFill>
-          <a:latin typeface="+mn-lt"/>
-          <a:ea typeface="+mn-ea"/>
-          <a:cs typeface="+mn-cs"/>
-        </a:defRPr>
-      </a:lvl4pPr>
-      <a:lvl5pPr marL="1828800" algn="l" defTabSz="914400" rtl="0" eaLnBrk="1" latinLnBrk="0" hangingPunct="1">
-        <a:defRPr sz="1800" kern="1200">
-          <a:solidFill>
-            <a:schemeClr val="tx1"/>
-          </a:solidFill>
-          <a:latin typeface="+mn-lt"/>
-          <a:ea typeface="+mn-ea"/>
-          <a:cs typeface="+mn-cs"/>
-        </a:defRPr>
-      </a:lvl5pPr>
-      <a:lvl6pPr marL="2286000" algn="l" defTabSz="914400" rtl="0" eaLnBrk="1" latinLnBrk="0" hangingPunct="1">
-        <a:defRPr sz="1800" kern="1200">
-          <a:solidFill>
-            <a:schemeClr val="tx1"/>
-          </a:solidFill>
-          <a:latin typeface="+mn-lt"/>
-          <a:ea typeface="+mn-ea"/>
-          <a:cs typeface="+mn-cs"/>
-        </a:defRPr>
-      </a:lvl6pPr>
-      <a:lvl7pPr marL="2743200" algn="l" defTabSz="914400" rtl="0" eaLnBrk="1" latinLnBrk="0" hangingPunct="1">
-        <a:defRPr sz="1800" kern="1200">
-          <a:solidFill>
-            <a:schemeClr val="tx1"/>
-          </a:solidFill>
-          <a:latin typeface="+mn-lt"/>
-          <a:ea typeface="+mn-ea"/>
-          <a:cs typeface="+mn-cs"/>
-        </a:defRPr>
-      </a:lvl7pPr>
-      <a:lvl8pPr marL="3200400" algn="l" defTabSz="914400" rtl="0" eaLnBrk="1" latinLnBrk="0" hangingPunct="1">
-        <a:defRPr sz="1800" kern="1200">
-          <a:solidFill>
-            <a:schemeClr val="tx1"/>
-          </a:solidFill>
-          <a:latin typeface="+mn-lt"/>
-          <a:ea typeface="+mn-ea"/>
-          <a:cs typeface="+mn-cs"/>
-        </a:defRPr>
-      </a:lvl8pPr>
-      <a:lvl9pPr marL="3657600" algn="l" defTabSz="914400" rtl="0" eaLnBrk="1" latinLnBrk="0" hangingPunct="1">
+      <a:lvl9pPr marL="3657600" algn="l" defTabSz="457200" rtl="0" eaLnBrk="1" latinLnBrk="0" hangingPunct="1">
         <a:defRPr sz="1800" kern="1200">
           <a:solidFill>
             <a:schemeClr val="tx1"/>
@@ -3499,7 +6245,7 @@
         <p:spPr/>
         <p:txBody>
           <a:bodyPr>
-            <a:normAutofit fontScale="32500" lnSpcReduction="20000"/>
+            <a:normAutofit fontScale="40000" lnSpcReduction="20000"/>
           </a:bodyPr>
           <a:lstStyle/>
           <a:p>
@@ -3831,7 +6577,7 @@
         <p:spPr/>
         <p:txBody>
           <a:bodyPr>
-            <a:normAutofit lnSpcReduction="10000"/>
+            <a:normAutofit/>
           </a:bodyPr>
           <a:lstStyle/>
           <a:p>
@@ -4333,7 +7079,7 @@
         <p:spPr/>
         <p:txBody>
           <a:bodyPr>
-            <a:normAutofit fontScale="92500" lnSpcReduction="10000"/>
+            <a:normAutofit fontScale="92500" lnSpcReduction="20000"/>
           </a:bodyPr>
           <a:lstStyle/>
           <a:p>
@@ -5689,6 +8435,222 @@
     <p:extLst>
       <p:ext uri="{BB962C8B-B14F-4D97-AF65-F5344CB8AC3E}">
         <p14:creationId xmlns:p14="http://schemas.microsoft.com/office/powerpoint/2010/main" val="205076101"/>
+      </p:ext>
+    </p:extLst>
+  </p:cSld>
+  <p:clrMapOvr>
+    <a:masterClrMapping/>
+  </p:clrMapOvr>
+</p:sld>
+</file>
+
+<file path=ppt/slides/slide26.xml><?xml version="1.0" encoding="utf-8"?>
+<p:sld xmlns:a="http://schemas.openxmlformats.org/drawingml/2006/main" xmlns:r="http://schemas.openxmlformats.org/officeDocument/2006/relationships" xmlns:p="http://schemas.openxmlformats.org/presentationml/2006/main">
+  <p:cSld>
+    <p:spTree>
+      <p:nvGrpSpPr>
+        <p:cNvPr id="1" name=""/>
+        <p:cNvGrpSpPr/>
+        <p:nvPr/>
+      </p:nvGrpSpPr>
+      <p:grpSpPr>
+        <a:xfrm>
+          <a:off x="0" y="0"/>
+          <a:ext cx="0" cy="0"/>
+          <a:chOff x="0" y="0"/>
+          <a:chExt cx="0" cy="0"/>
+        </a:xfrm>
+      </p:grpSpPr>
+      <p:sp>
+        <p:nvSpPr>
+          <p:cNvPr id="2" name="Title 1">
+            <a:extLst>
+              <a:ext uri="{FF2B5EF4-FFF2-40B4-BE49-F238E27FC236}">
+                <a16:creationId xmlns:a16="http://schemas.microsoft.com/office/drawing/2014/main" id="{3A179186-33C8-4585-887E-3DC5D7D9D813}"/>
+              </a:ext>
+            </a:extLst>
+          </p:cNvPr>
+          <p:cNvSpPr>
+            <a:spLocks noGrp="1"/>
+          </p:cNvSpPr>
+          <p:nvPr>
+            <p:ph type="title"/>
+          </p:nvPr>
+        </p:nvSpPr>
+        <p:spPr/>
+        <p:txBody>
+          <a:bodyPr/>
+          <a:lstStyle/>
+          <a:p>
+            <a:r>
+              <a:rPr lang="en-GB" dirty="0"/>
+              <a:t>Sets</a:t>
+            </a:r>
+            <a:endParaRPr lang="en-IN" dirty="0"/>
+          </a:p>
+        </p:txBody>
+      </p:sp>
+      <p:sp>
+        <p:nvSpPr>
+          <p:cNvPr id="3" name="Content Placeholder 2">
+            <a:extLst>
+              <a:ext uri="{FF2B5EF4-FFF2-40B4-BE49-F238E27FC236}">
+                <a16:creationId xmlns:a16="http://schemas.microsoft.com/office/drawing/2014/main" id="{44BF270A-9ADD-4FEA-B91D-5CAEC7775DF6}"/>
+              </a:ext>
+            </a:extLst>
+          </p:cNvPr>
+          <p:cNvSpPr>
+            <a:spLocks noGrp="1"/>
+          </p:cNvSpPr>
+          <p:nvPr>
+            <p:ph idx="1"/>
+          </p:nvPr>
+        </p:nvSpPr>
+        <p:spPr/>
+        <p:txBody>
+          <a:bodyPr/>
+          <a:lstStyle/>
+          <a:p>
+            <a:r>
+              <a:rPr lang="en-GB" dirty="0"/>
+              <a:t>Sets are used to store multiple items in a single variable</a:t>
+            </a:r>
+          </a:p>
+          <a:p>
+            <a:r>
+              <a:rPr lang="en-GB" dirty="0"/>
+              <a:t>Sets are unordered and unindexed</a:t>
+            </a:r>
+          </a:p>
+          <a:p>
+            <a:r>
+              <a:rPr lang="en-GB" dirty="0"/>
+              <a:t>Sets can be defined with the help of curly brackets</a:t>
+            </a:r>
+          </a:p>
+          <a:p>
+            <a:r>
+              <a:rPr lang="en-GB" dirty="0"/>
+              <a:t>Sets also can supported for Constructor Method</a:t>
+            </a:r>
+          </a:p>
+          <a:p>
+            <a:r>
+              <a:rPr lang="en-GB" dirty="0"/>
+              <a:t>Sets wont accept duplicates</a:t>
+            </a:r>
+            <a:endParaRPr lang="en-IN" dirty="0"/>
+          </a:p>
+        </p:txBody>
+      </p:sp>
+    </p:spTree>
+    <p:extLst>
+      <p:ext uri="{BB962C8B-B14F-4D97-AF65-F5344CB8AC3E}">
+        <p14:creationId xmlns:p14="http://schemas.microsoft.com/office/powerpoint/2010/main" val="4245748533"/>
+      </p:ext>
+    </p:extLst>
+  </p:cSld>
+  <p:clrMapOvr>
+    <a:masterClrMapping/>
+  </p:clrMapOvr>
+</p:sld>
+</file>
+
+<file path=ppt/slides/slide27.xml><?xml version="1.0" encoding="utf-8"?>
+<p:sld xmlns:a="http://schemas.openxmlformats.org/drawingml/2006/main" xmlns:r="http://schemas.openxmlformats.org/officeDocument/2006/relationships" xmlns:p="http://schemas.openxmlformats.org/presentationml/2006/main">
+  <p:cSld>
+    <p:spTree>
+      <p:nvGrpSpPr>
+        <p:cNvPr id="1" name=""/>
+        <p:cNvGrpSpPr/>
+        <p:nvPr/>
+      </p:nvGrpSpPr>
+      <p:grpSpPr>
+        <a:xfrm>
+          <a:off x="0" y="0"/>
+          <a:ext cx="0" cy="0"/>
+          <a:chOff x="0" y="0"/>
+          <a:chExt cx="0" cy="0"/>
+        </a:xfrm>
+      </p:grpSpPr>
+      <p:sp>
+        <p:nvSpPr>
+          <p:cNvPr id="2" name="Title 1">
+            <a:extLst>
+              <a:ext uri="{FF2B5EF4-FFF2-40B4-BE49-F238E27FC236}">
+                <a16:creationId xmlns:a16="http://schemas.microsoft.com/office/drawing/2014/main" id="{69BC326C-87B5-4469-B2C4-F5C2F133BC9B}"/>
+              </a:ext>
+            </a:extLst>
+          </p:cNvPr>
+          <p:cNvSpPr>
+            <a:spLocks noGrp="1"/>
+          </p:cNvSpPr>
+          <p:nvPr>
+            <p:ph type="title"/>
+          </p:nvPr>
+        </p:nvSpPr>
+        <p:spPr/>
+        <p:txBody>
+          <a:bodyPr/>
+          <a:lstStyle/>
+          <a:p>
+            <a:endParaRPr lang="en-IN"/>
+          </a:p>
+        </p:txBody>
+      </p:sp>
+      <p:sp>
+        <p:nvSpPr>
+          <p:cNvPr id="3" name="Content Placeholder 2">
+            <a:extLst>
+              <a:ext uri="{FF2B5EF4-FFF2-40B4-BE49-F238E27FC236}">
+                <a16:creationId xmlns:a16="http://schemas.microsoft.com/office/drawing/2014/main" id="{427F0FF9-FAAC-4DD7-93FA-0513A6CDAA03}"/>
+              </a:ext>
+            </a:extLst>
+          </p:cNvPr>
+          <p:cNvSpPr>
+            <a:spLocks noGrp="1"/>
+          </p:cNvSpPr>
+          <p:nvPr>
+            <p:ph idx="1"/>
+          </p:nvPr>
+        </p:nvSpPr>
+        <p:spPr/>
+        <p:txBody>
+          <a:bodyPr/>
+          <a:lstStyle/>
+          <a:p>
+            <a:r>
+              <a:rPr lang="en-GB" dirty="0"/>
+              <a:t>Dictionaries are used to store data values in </a:t>
+            </a:r>
+            <a:r>
+              <a:rPr lang="en-GB" dirty="0" err="1"/>
+              <a:t>key:value</a:t>
+            </a:r>
+            <a:r>
+              <a:rPr lang="en-GB" dirty="0"/>
+              <a:t> pairs</a:t>
+            </a:r>
+          </a:p>
+          <a:p>
+            <a:r>
+              <a:rPr lang="en-GB" dirty="0"/>
+              <a:t>Dictionaries is a collection which is unordered, changeable and doesn't allow duplicates</a:t>
+            </a:r>
+          </a:p>
+          <a:p>
+            <a:r>
+              <a:rPr lang="en-GB" dirty="0"/>
+              <a:t>Dictionaries are also written in curly brackets but data we need to represent in Key: Value format.</a:t>
+            </a:r>
+            <a:endParaRPr lang="en-IN" dirty="0"/>
+          </a:p>
+        </p:txBody>
+      </p:sp>
+    </p:spTree>
+    <p:extLst>
+      <p:ext uri="{BB962C8B-B14F-4D97-AF65-F5344CB8AC3E}">
+        <p14:creationId xmlns:p14="http://schemas.microsoft.com/office/powerpoint/2010/main" val="910627100"/>
       </p:ext>
     </p:extLst>
   </p:cSld>
@@ -6611,9 +9573,9 @@
 </file>
 
 <file path=ppt/theme/theme1.xml><?xml version="1.0" encoding="utf-8"?>
-<a:theme xmlns:a="http://schemas.openxmlformats.org/drawingml/2006/main" name="Office Theme">
+<a:theme xmlns:a="http://schemas.openxmlformats.org/drawingml/2006/main" name="Ion">
   <a:themeElements>
-    <a:clrScheme name="Office">
+    <a:clrScheme name="Ion">
       <a:dk1>
         <a:sysClr val="windowText" lastClr="000000"/>
       </a:dk1>
@@ -6621,44 +9583,44 @@
         <a:sysClr val="window" lastClr="FFFFFF"/>
       </a:lt1>
       <a:dk2>
-        <a:srgbClr val="44546A"/>
+        <a:srgbClr val="1E5155"/>
       </a:dk2>
       <a:lt2>
-        <a:srgbClr val="E7E6E6"/>
+        <a:srgbClr val="EBEBEB"/>
       </a:lt2>
       <a:accent1>
-        <a:srgbClr val="4472C4"/>
+        <a:srgbClr val="B01513"/>
       </a:accent1>
       <a:accent2>
-        <a:srgbClr val="ED7D31"/>
+        <a:srgbClr val="EA6312"/>
       </a:accent2>
       <a:accent3>
-        <a:srgbClr val="A5A5A5"/>
+        <a:srgbClr val="E6B729"/>
       </a:accent3>
       <a:accent4>
-        <a:srgbClr val="FFC000"/>
+        <a:srgbClr val="6AAC90"/>
       </a:accent4>
       <a:accent5>
-        <a:srgbClr val="5B9BD5"/>
+        <a:srgbClr val="54849A"/>
       </a:accent5>
       <a:accent6>
-        <a:srgbClr val="70AD47"/>
+        <a:srgbClr val="9E5E9B"/>
       </a:accent6>
       <a:hlink>
-        <a:srgbClr val="0563C1"/>
+        <a:srgbClr val="58C1BA"/>
       </a:hlink>
       <a:folHlink>
-        <a:srgbClr val="954F72"/>
+        <a:srgbClr val="9DFFCB"/>
       </a:folHlink>
     </a:clrScheme>
-    <a:fontScheme name="Office">
+    <a:fontScheme name="Ion">
       <a:majorFont>
-        <a:latin typeface="Calibri Light" panose="020F0302020204030204"/>
+        <a:latin typeface="Century Gothic" panose="020B0502020202020204"/>
         <a:ea typeface=""/>
         <a:cs typeface=""/>
-        <a:font script="Jpan" typeface="游ゴシック Light"/>
+        <a:font script="Jpan" typeface="メイリオ"/>
         <a:font script="Hang" typeface="맑은 고딕"/>
-        <a:font script="Hans" typeface="等线 Light"/>
+        <a:font script="Hans" typeface="宋体"/>
         <a:font script="Hant" typeface="新細明體"/>
         <a:font script="Arab" typeface="Times New Roman"/>
         <a:font script="Hebr" typeface="Times New Roman"/>
@@ -6686,31 +9648,14 @@
         <a:font script="Viet" typeface="Times New Roman"/>
         <a:font script="Uigh" typeface="Microsoft Uighur"/>
         <a:font script="Geor" typeface="Sylfaen"/>
-        <a:font script="Armn" typeface="Arial"/>
-        <a:font script="Bugi" typeface="Leelawadee UI"/>
-        <a:font script="Bopo" typeface="Microsoft JhengHei"/>
-        <a:font script="Java" typeface="Javanese Text"/>
-        <a:font script="Lisu" typeface="Segoe UI"/>
-        <a:font script="Mymr" typeface="Myanmar Text"/>
-        <a:font script="Nkoo" typeface="Ebrima"/>
-        <a:font script="Olck" typeface="Nirmala UI"/>
-        <a:font script="Osma" typeface="Ebrima"/>
-        <a:font script="Phag" typeface="Phagspa"/>
-        <a:font script="Syrn" typeface="Estrangelo Edessa"/>
-        <a:font script="Syrj" typeface="Estrangelo Edessa"/>
-        <a:font script="Syre" typeface="Estrangelo Edessa"/>
-        <a:font script="Sora" typeface="Nirmala UI"/>
-        <a:font script="Tale" typeface="Microsoft Tai Le"/>
-        <a:font script="Talu" typeface="Microsoft New Tai Lue"/>
-        <a:font script="Tfng" typeface="Ebrima"/>
       </a:majorFont>
       <a:minorFont>
-        <a:latin typeface="Calibri" panose="020F0502020204030204"/>
+        <a:latin typeface="Century Gothic" panose="020B0502020202020204"/>
         <a:ea typeface=""/>
         <a:cs typeface=""/>
-        <a:font script="Jpan" typeface="游ゴシック"/>
+        <a:font script="Jpan" typeface="メイリオ"/>
         <a:font script="Hang" typeface="맑은 고딕"/>
-        <a:font script="Hans" typeface="等线"/>
+        <a:font script="Hans" typeface="宋体"/>
         <a:font script="Hant" typeface="新細明體"/>
         <a:font script="Arab" typeface="Arial"/>
         <a:font script="Hebr" typeface="Arial"/>
@@ -6738,26 +9683,9 @@
         <a:font script="Viet" typeface="Arial"/>
         <a:font script="Uigh" typeface="Microsoft Uighur"/>
         <a:font script="Geor" typeface="Sylfaen"/>
-        <a:font script="Armn" typeface="Arial"/>
-        <a:font script="Bugi" typeface="Leelawadee UI"/>
-        <a:font script="Bopo" typeface="Microsoft JhengHei"/>
-        <a:font script="Java" typeface="Javanese Text"/>
-        <a:font script="Lisu" typeface="Segoe UI"/>
-        <a:font script="Mymr" typeface="Myanmar Text"/>
-        <a:font script="Nkoo" typeface="Ebrima"/>
-        <a:font script="Olck" typeface="Nirmala UI"/>
-        <a:font script="Osma" typeface="Ebrima"/>
-        <a:font script="Phag" typeface="Phagspa"/>
-        <a:font script="Syrn" typeface="Estrangelo Edessa"/>
-        <a:font script="Syrj" typeface="Estrangelo Edessa"/>
-        <a:font script="Syre" typeface="Estrangelo Edessa"/>
-        <a:font script="Sora" typeface="Nirmala UI"/>
-        <a:font script="Tale" typeface="Microsoft Tai Le"/>
-        <a:font script="Talu" typeface="Microsoft New Tai Lue"/>
-        <a:font script="Tfng" typeface="Ebrima"/>
       </a:minorFont>
     </a:fontScheme>
-    <a:fmtScheme name="Office">
+    <a:fmtScheme name="Ion">
       <a:fillStyleLst>
         <a:solidFill>
           <a:schemeClr val="phClr"/>
@@ -6766,23 +9694,15 @@
           <a:gsLst>
             <a:gs pos="0">
               <a:schemeClr val="phClr">
-                <a:lumMod val="110000"/>
-                <a:satMod val="105000"/>
-                <a:tint val="67000"/>
-              </a:schemeClr>
-            </a:gs>
-            <a:gs pos="50000">
-              <a:schemeClr val="phClr">
-                <a:lumMod val="105000"/>
-                <a:satMod val="103000"/>
-                <a:tint val="73000"/>
+                <a:tint val="64000"/>
+                <a:lumMod val="118000"/>
               </a:schemeClr>
             </a:gs>
             <a:gs pos="100000">
               <a:schemeClr val="phClr">
-                <a:lumMod val="105000"/>
-                <a:satMod val="109000"/>
-                <a:tint val="81000"/>
+                <a:tint val="92000"/>
+                <a:alpha val="100000"/>
+                <a:lumMod val="110000"/>
               </a:schemeClr>
             </a:gs>
           </a:gsLst>
@@ -6792,23 +9712,14 @@
           <a:gsLst>
             <a:gs pos="0">
               <a:schemeClr val="phClr">
-                <a:satMod val="103000"/>
-                <a:lumMod val="102000"/>
-                <a:tint val="94000"/>
-              </a:schemeClr>
-            </a:gs>
-            <a:gs pos="50000">
-              <a:schemeClr val="phClr">
-                <a:satMod val="110000"/>
-                <a:lumMod val="100000"/>
-                <a:shade val="100000"/>
+                <a:tint val="98000"/>
+                <a:lumMod val="114000"/>
               </a:schemeClr>
             </a:gs>
             <a:gs pos="100000">
               <a:schemeClr val="phClr">
-                <a:lumMod val="99000"/>
-                <a:satMod val="120000"/>
-                <a:shade val="78000"/>
+                <a:shade val="90000"/>
+                <a:lumMod val="84000"/>
               </a:schemeClr>
             </a:gs>
           </a:gsLst>
@@ -6816,26 +9727,23 @@
         </a:gradFill>
       </a:fillStyleLst>
       <a:lnStyleLst>
-        <a:ln w="6350" cap="flat" cmpd="sng" algn="ctr">
+        <a:ln w="9525" cap="rnd" cmpd="sng" algn="ctr">
           <a:solidFill>
             <a:schemeClr val="phClr"/>
           </a:solidFill>
           <a:prstDash val="solid"/>
-          <a:miter lim="800000"/>
         </a:ln>
-        <a:ln w="12700" cap="flat" cmpd="sng" algn="ctr">
+        <a:ln w="19050" cap="rnd" cmpd="sng" algn="ctr">
           <a:solidFill>
             <a:schemeClr val="phClr"/>
           </a:solidFill>
           <a:prstDash val="solid"/>
-          <a:miter lim="800000"/>
         </a:ln>
-        <a:ln w="19050" cap="flat" cmpd="sng" algn="ctr">
+        <a:ln w="28575" cap="rnd" cmpd="sng" algn="ctr">
           <a:solidFill>
             <a:schemeClr val="phClr"/>
           </a:solidFill>
           <a:prstDash val="solid"/>
-          <a:miter lim="800000"/>
         </a:ln>
       </a:lnStyleLst>
       <a:effectStyleLst>
@@ -6843,55 +9751,80 @@
           <a:effectLst/>
         </a:effectStyle>
         <a:effectStyle>
-          <a:effectLst/>
+          <a:effectLst>
+            <a:outerShdw blurRad="38100" dist="25400" dir="5400000" rotWithShape="0">
+              <a:srgbClr val="000000">
+                <a:alpha val="45000"/>
+              </a:srgbClr>
+            </a:outerShdw>
+          </a:effectLst>
         </a:effectStyle>
         <a:effectStyle>
           <a:effectLst>
-            <a:outerShdw blurRad="57150" dist="19050" dir="5400000" algn="ctr" rotWithShape="0">
+            <a:outerShdw blurRad="63500" dist="38100" dir="5400000" rotWithShape="0">
               <a:srgbClr val="000000">
-                <a:alpha val="63000"/>
+                <a:alpha val="60000"/>
               </a:srgbClr>
             </a:outerShdw>
           </a:effectLst>
+          <a:scene3d>
+            <a:camera prst="orthographicFront">
+              <a:rot lat="0" lon="0" rev="0"/>
+            </a:camera>
+            <a:lightRig rig="threePt" dir="tl"/>
+          </a:scene3d>
+          <a:sp3d prstMaterial="plastic">
+            <a:bevelT w="0" h="0"/>
+          </a:sp3d>
         </a:effectStyle>
       </a:effectStyleLst>
       <a:bgFillStyleLst>
         <a:solidFill>
           <a:schemeClr val="phClr"/>
         </a:solidFill>
-        <a:solidFill>
-          <a:schemeClr val="phClr">
-            <a:tint val="95000"/>
-            <a:satMod val="170000"/>
-          </a:schemeClr>
-        </a:solidFill>
         <a:gradFill rotWithShape="1">
           <a:gsLst>
             <a:gs pos="0">
               <a:schemeClr val="phClr">
-                <a:tint val="93000"/>
-                <a:satMod val="150000"/>
-                <a:shade val="98000"/>
-                <a:lumMod val="102000"/>
-              </a:schemeClr>
-            </a:gs>
-            <a:gs pos="50000">
-              <a:schemeClr val="phClr">
-                <a:tint val="98000"/>
+                <a:tint val="97000"/>
+                <a:hueMod val="88000"/>
                 <a:satMod val="130000"/>
-                <a:shade val="90000"/>
-                <a:lumMod val="103000"/>
+                <a:lumMod val="124000"/>
               </a:schemeClr>
             </a:gs>
             <a:gs pos="100000">
               <a:schemeClr val="phClr">
-                <a:shade val="63000"/>
-                <a:satMod val="120000"/>
+                <a:tint val="96000"/>
+                <a:shade val="88000"/>
+                <a:hueMod val="108000"/>
+                <a:satMod val="164000"/>
+                <a:lumMod val="76000"/>
               </a:schemeClr>
             </a:gs>
           </a:gsLst>
-          <a:lin ang="5400000" scaled="0"/>
+          <a:path path="circle">
+            <a:fillToRect l="45000" t="65000" r="125000" b="100000"/>
+          </a:path>
         </a:gradFill>
+        <a:blipFill rotWithShape="1">
+          <a:blip xmlns:r="http://schemas.openxmlformats.org/officeDocument/2006/relationships" r:embed="rId1">
+            <a:duotone>
+              <a:schemeClr val="phClr">
+                <a:shade val="69000"/>
+                <a:hueMod val="108000"/>
+                <a:satMod val="164000"/>
+                <a:lumMod val="74000"/>
+              </a:schemeClr>
+              <a:schemeClr val="phClr">
+                <a:tint val="96000"/>
+                <a:hueMod val="88000"/>
+                <a:satMod val="140000"/>
+                <a:lumMod val="132000"/>
+              </a:schemeClr>
+            </a:duotone>
+          </a:blip>
+          <a:stretch/>
+        </a:blipFill>
       </a:bgFillStyleLst>
     </a:fmtScheme>
   </a:themeElements>
@@ -6899,7 +9832,7 @@
   <a:extraClrSchemeLst/>
   <a:extLst>
     <a:ext uri="{05A4C25C-085E-4340-85A3-A5531E510DB2}">
-      <thm15:themeFamily xmlns:thm15="http://schemas.microsoft.com/office/thememl/2012/main" name="Office Theme" id="{62F939B6-93AF-4DB8-9C6B-D6C7DFDC589F}" vid="{4A3C46E8-61CC-4603-A589-7422A47A8E4A}"/>
+      <thm15:themeFamily xmlns:thm15="http://schemas.microsoft.com/office/thememl/2012/main" name="Ion" id="{B8441ADB-2E43-4AF7-B97A-BD870242C6A8}" vid="{292E63A9-BB86-4E3D-B92A-7223C6510D2E}"/>
     </a:ext>
   </a:extLst>
 </a:theme>
